--- a/reference/Architecture.pptx
+++ b/reference/Architecture.pptx
@@ -6,8 +6,9 @@
   </p:sldMasterIdLst>
   <p:sldIdLst>
     <p:sldId id="257" r:id="rId2"/>
-    <p:sldId id="259" r:id="rId3"/>
-    <p:sldId id="258" r:id="rId4"/>
+    <p:sldId id="260" r:id="rId3"/>
+    <p:sldId id="259" r:id="rId4"/>
+    <p:sldId id="258" r:id="rId5"/>
   </p:sldIdLst>
   <p:sldSz cx="12192000" cy="6858000"/>
   <p:notesSz cx="6858000" cy="9144000"/>
@@ -106,6 +107,11 @@
       </a:defRPr>
     </a:lvl9pPr>
   </p:defaultTextStyle>
+  <p:extLst>
+    <p:ext uri="{EFAFB233-063F-42B5-8137-9DF3F51BA10A}">
+      <p15:sldGuideLst xmlns:p15="http://schemas.microsoft.com/office/powerpoint/2012/main"/>
+    </p:ext>
+  </p:extLst>
 </p:presentation>
 </file>
 
@@ -258,7 +264,7 @@
           <a:p>
             <a:fld id="{D2ACDED6-48B6-47D4-80A3-A9D8663E013B}" type="datetimeFigureOut">
               <a:rPr lang="en-GB" smtClean="0"/>
-              <a:t>17/07/2019</a:t>
+              <a:t>24/07/2019</a:t>
             </a:fld>
             <a:endParaRPr lang="en-GB"/>
           </a:p>
@@ -458,7 +464,7 @@
           <a:p>
             <a:fld id="{D2ACDED6-48B6-47D4-80A3-A9D8663E013B}" type="datetimeFigureOut">
               <a:rPr lang="en-GB" smtClean="0"/>
-              <a:t>17/07/2019</a:t>
+              <a:t>24/07/2019</a:t>
             </a:fld>
             <a:endParaRPr lang="en-GB"/>
           </a:p>
@@ -668,7 +674,7 @@
           <a:p>
             <a:fld id="{D2ACDED6-48B6-47D4-80A3-A9D8663E013B}" type="datetimeFigureOut">
               <a:rPr lang="en-GB" smtClean="0"/>
-              <a:t>17/07/2019</a:t>
+              <a:t>24/07/2019</a:t>
             </a:fld>
             <a:endParaRPr lang="en-GB"/>
           </a:p>
@@ -868,7 +874,7 @@
           <a:p>
             <a:fld id="{D2ACDED6-48B6-47D4-80A3-A9D8663E013B}" type="datetimeFigureOut">
               <a:rPr lang="en-GB" smtClean="0"/>
-              <a:t>17/07/2019</a:t>
+              <a:t>24/07/2019</a:t>
             </a:fld>
             <a:endParaRPr lang="en-GB"/>
           </a:p>
@@ -1144,7 +1150,7 @@
           <a:p>
             <a:fld id="{D2ACDED6-48B6-47D4-80A3-A9D8663E013B}" type="datetimeFigureOut">
               <a:rPr lang="en-GB" smtClean="0"/>
-              <a:t>17/07/2019</a:t>
+              <a:t>24/07/2019</a:t>
             </a:fld>
             <a:endParaRPr lang="en-GB"/>
           </a:p>
@@ -1412,7 +1418,7 @@
           <a:p>
             <a:fld id="{D2ACDED6-48B6-47D4-80A3-A9D8663E013B}" type="datetimeFigureOut">
               <a:rPr lang="en-GB" smtClean="0"/>
-              <a:t>17/07/2019</a:t>
+              <a:t>24/07/2019</a:t>
             </a:fld>
             <a:endParaRPr lang="en-GB"/>
           </a:p>
@@ -1827,7 +1833,7 @@
           <a:p>
             <a:fld id="{D2ACDED6-48B6-47D4-80A3-A9D8663E013B}" type="datetimeFigureOut">
               <a:rPr lang="en-GB" smtClean="0"/>
-              <a:t>17/07/2019</a:t>
+              <a:t>24/07/2019</a:t>
             </a:fld>
             <a:endParaRPr lang="en-GB"/>
           </a:p>
@@ -1969,7 +1975,7 @@
           <a:p>
             <a:fld id="{D2ACDED6-48B6-47D4-80A3-A9D8663E013B}" type="datetimeFigureOut">
               <a:rPr lang="en-GB" smtClean="0"/>
-              <a:t>17/07/2019</a:t>
+              <a:t>24/07/2019</a:t>
             </a:fld>
             <a:endParaRPr lang="en-GB"/>
           </a:p>
@@ -2082,7 +2088,7 @@
           <a:p>
             <a:fld id="{D2ACDED6-48B6-47D4-80A3-A9D8663E013B}" type="datetimeFigureOut">
               <a:rPr lang="en-GB" smtClean="0"/>
-              <a:t>17/07/2019</a:t>
+              <a:t>24/07/2019</a:t>
             </a:fld>
             <a:endParaRPr lang="en-GB"/>
           </a:p>
@@ -2395,7 +2401,7 @@
           <a:p>
             <a:fld id="{D2ACDED6-48B6-47D4-80A3-A9D8663E013B}" type="datetimeFigureOut">
               <a:rPr lang="en-GB" smtClean="0"/>
-              <a:t>17/07/2019</a:t>
+              <a:t>24/07/2019</a:t>
             </a:fld>
             <a:endParaRPr lang="en-GB"/>
           </a:p>
@@ -2684,7 +2690,7 @@
           <a:p>
             <a:fld id="{D2ACDED6-48B6-47D4-80A3-A9D8663E013B}" type="datetimeFigureOut">
               <a:rPr lang="en-GB" smtClean="0"/>
-              <a:t>17/07/2019</a:t>
+              <a:t>24/07/2019</a:t>
             </a:fld>
             <a:endParaRPr lang="en-GB"/>
           </a:p>
@@ -2927,7 +2933,7 @@
           <a:p>
             <a:fld id="{D2ACDED6-48B6-47D4-80A3-A9D8663E013B}" type="datetimeFigureOut">
               <a:rPr lang="en-GB" smtClean="0"/>
-              <a:t>17/07/2019</a:t>
+              <a:t>24/07/2019</a:t>
             </a:fld>
             <a:endParaRPr lang="en-GB"/>
           </a:p>
@@ -8333,6 +8339,5092 @@
 </file>
 
 <file path=ppt/slides/slide2.xml><?xml version="1.0" encoding="utf-8"?>
+<p:sld xmlns:a="http://schemas.openxmlformats.org/drawingml/2006/main" xmlns:r="http://schemas.openxmlformats.org/officeDocument/2006/relationships" xmlns:p="http://schemas.openxmlformats.org/presentationml/2006/main">
+  <p:cSld>
+    <p:spTree>
+      <p:nvGrpSpPr>
+        <p:cNvPr id="1" name=""/>
+        <p:cNvGrpSpPr/>
+        <p:nvPr/>
+      </p:nvGrpSpPr>
+      <p:grpSpPr>
+        <a:xfrm>
+          <a:off x="0" y="0"/>
+          <a:ext cx="0" cy="0"/>
+          <a:chOff x="0" y="0"/>
+          <a:chExt cx="0" cy="0"/>
+        </a:xfrm>
+      </p:grpSpPr>
+      <p:sp>
+        <p:nvSpPr>
+          <p:cNvPr id="5" name="TextBox 4">
+            <a:extLst>
+              <a:ext uri="{FF2B5EF4-FFF2-40B4-BE49-F238E27FC236}">
+                <a16:creationId xmlns:a16="http://schemas.microsoft.com/office/drawing/2014/main" id="{5E313F7B-30A6-4C97-803A-3A7D14D5A731}"/>
+              </a:ext>
+            </a:extLst>
+          </p:cNvPr>
+          <p:cNvSpPr txBox="1"/>
+          <p:nvPr/>
+        </p:nvSpPr>
+        <p:spPr>
+          <a:xfrm>
+            <a:off x="1424391" y="542925"/>
+            <a:ext cx="2508379" cy="523220"/>
+          </a:xfrm>
+          <a:prstGeom prst="rect">
+            <a:avLst/>
+          </a:prstGeom>
+          <a:noFill/>
+        </p:spPr>
+        <p:txBody>
+          <a:bodyPr wrap="none" rtlCol="0">
+            <a:spAutoFit/>
+          </a:bodyPr>
+          <a:lstStyle/>
+          <a:p>
+            <a:r>
+              <a:rPr lang="en-GB" sz="2800" b="1" dirty="0"/>
+              <a:t>Architecture V2</a:t>
+            </a:r>
+          </a:p>
+        </p:txBody>
+      </p:sp>
+      <p:sp>
+        <p:nvSpPr>
+          <p:cNvPr id="4" name="Rectangle 3">
+            <a:extLst>
+              <a:ext uri="{FF2B5EF4-FFF2-40B4-BE49-F238E27FC236}">
+                <a16:creationId xmlns:a16="http://schemas.microsoft.com/office/drawing/2014/main" id="{BBF272E3-D33E-449A-9878-2828526CF506}"/>
+              </a:ext>
+            </a:extLst>
+          </p:cNvPr>
+          <p:cNvSpPr/>
+          <p:nvPr/>
+        </p:nvSpPr>
+        <p:spPr>
+          <a:xfrm>
+            <a:off x="2035743" y="1196012"/>
+            <a:ext cx="5644958" cy="5327844"/>
+          </a:xfrm>
+          <a:prstGeom prst="rect">
+            <a:avLst/>
+          </a:prstGeom>
+          <a:noFill/>
+          <a:ln>
+            <a:solidFill>
+              <a:schemeClr val="tx1"/>
+            </a:solidFill>
+            <a:prstDash val="dash"/>
+          </a:ln>
+        </p:spPr>
+        <p:style>
+          <a:lnRef idx="2">
+            <a:schemeClr val="accent1">
+              <a:shade val="50000"/>
+            </a:schemeClr>
+          </a:lnRef>
+          <a:fillRef idx="1">
+            <a:schemeClr val="accent1"/>
+          </a:fillRef>
+          <a:effectRef idx="0">
+            <a:schemeClr val="accent1"/>
+          </a:effectRef>
+          <a:fontRef idx="minor">
+            <a:schemeClr val="lt1"/>
+          </a:fontRef>
+        </p:style>
+        <p:txBody>
+          <a:bodyPr rtlCol="0" anchor="ctr"/>
+          <a:lstStyle/>
+          <a:p>
+            <a:pPr algn="ctr"/>
+            <a:endParaRPr lang="en-GB"/>
+          </a:p>
+        </p:txBody>
+      </p:sp>
+      <p:sp>
+        <p:nvSpPr>
+          <p:cNvPr id="12" name="TextBox 11">
+            <a:extLst>
+              <a:ext uri="{FF2B5EF4-FFF2-40B4-BE49-F238E27FC236}">
+                <a16:creationId xmlns:a16="http://schemas.microsoft.com/office/drawing/2014/main" id="{A203E7BC-A061-4B38-9F93-EF85D007107A}"/>
+              </a:ext>
+            </a:extLst>
+          </p:cNvPr>
+          <p:cNvSpPr txBox="1"/>
+          <p:nvPr/>
+        </p:nvSpPr>
+        <p:spPr>
+          <a:xfrm>
+            <a:off x="557145" y="1790697"/>
+            <a:ext cx="981075" cy="369332"/>
+          </a:xfrm>
+          <a:prstGeom prst="rect">
+            <a:avLst/>
+          </a:prstGeom>
+          <a:noFill/>
+          <a:ln>
+            <a:solidFill>
+              <a:schemeClr val="tx1"/>
+            </a:solidFill>
+          </a:ln>
+        </p:spPr>
+        <p:txBody>
+          <a:bodyPr wrap="square" rtlCol="0">
+            <a:spAutoFit/>
+          </a:bodyPr>
+          <a:lstStyle/>
+          <a:p>
+            <a:pPr algn="ctr"/>
+            <a:r>
+              <a:rPr lang="en-GB" dirty="0"/>
+              <a:t>IG API</a:t>
+            </a:r>
+          </a:p>
+        </p:txBody>
+      </p:sp>
+      <p:sp>
+        <p:nvSpPr>
+          <p:cNvPr id="18" name="TextBox 17">
+            <a:extLst>
+              <a:ext uri="{FF2B5EF4-FFF2-40B4-BE49-F238E27FC236}">
+                <a16:creationId xmlns:a16="http://schemas.microsoft.com/office/drawing/2014/main" id="{34919767-B145-4D2B-939F-E841EB56D34F}"/>
+              </a:ext>
+            </a:extLst>
+          </p:cNvPr>
+          <p:cNvSpPr txBox="1"/>
+          <p:nvPr/>
+        </p:nvSpPr>
+        <p:spPr>
+          <a:xfrm>
+            <a:off x="2571720" y="2204480"/>
+            <a:ext cx="1396921" cy="646331"/>
+          </a:xfrm>
+          <a:prstGeom prst="rect">
+            <a:avLst/>
+          </a:prstGeom>
+          <a:noFill/>
+          <a:ln>
+            <a:solidFill>
+              <a:schemeClr val="tx1"/>
+            </a:solidFill>
+          </a:ln>
+        </p:spPr>
+        <p:txBody>
+          <a:bodyPr wrap="none" rtlCol="0">
+            <a:spAutoFit/>
+          </a:bodyPr>
+          <a:lstStyle/>
+          <a:p>
+            <a:pPr algn="ctr"/>
+            <a:r>
+              <a:rPr lang="en-GB" dirty="0"/>
+              <a:t>Data Logging</a:t>
+            </a:r>
+          </a:p>
+          <a:p>
+            <a:pPr algn="ctr"/>
+            <a:r>
+              <a:rPr lang="en-GB" dirty="0"/>
+              <a:t>Module</a:t>
+            </a:r>
+          </a:p>
+        </p:txBody>
+      </p:sp>
+      <p:sp>
+        <p:nvSpPr>
+          <p:cNvPr id="19" name="TextBox 18">
+            <a:extLst>
+              <a:ext uri="{FF2B5EF4-FFF2-40B4-BE49-F238E27FC236}">
+                <a16:creationId xmlns:a16="http://schemas.microsoft.com/office/drawing/2014/main" id="{BD410A81-2698-43A8-86A9-7A55AE4CE2FB}"/>
+              </a:ext>
+            </a:extLst>
+          </p:cNvPr>
+          <p:cNvSpPr txBox="1"/>
+          <p:nvPr/>
+        </p:nvSpPr>
+        <p:spPr>
+          <a:xfrm rot="1172414">
+            <a:off x="2303028" y="1039337"/>
+            <a:ext cx="944297" cy="369332"/>
+          </a:xfrm>
+          <a:prstGeom prst="rect">
+            <a:avLst/>
+          </a:prstGeom>
+          <a:noFill/>
+        </p:spPr>
+        <p:txBody>
+          <a:bodyPr wrap="none" rtlCol="0">
+            <a:spAutoFit/>
+          </a:bodyPr>
+          <a:lstStyle/>
+          <a:p>
+            <a:r>
+              <a:rPr lang="en-GB" dirty="0"/>
+              <a:t>Request</a:t>
+            </a:r>
+          </a:p>
+        </p:txBody>
+      </p:sp>
+      <p:sp>
+        <p:nvSpPr>
+          <p:cNvPr id="20" name="TextBox 19">
+            <a:extLst>
+              <a:ext uri="{FF2B5EF4-FFF2-40B4-BE49-F238E27FC236}">
+                <a16:creationId xmlns:a16="http://schemas.microsoft.com/office/drawing/2014/main" id="{605C41A1-4D34-4D34-AF35-CC12BA47228B}"/>
+              </a:ext>
+            </a:extLst>
+          </p:cNvPr>
+          <p:cNvSpPr txBox="1"/>
+          <p:nvPr/>
+        </p:nvSpPr>
+        <p:spPr>
+          <a:xfrm rot="1939760">
+            <a:off x="298135" y="3001095"/>
+            <a:ext cx="1081515" cy="369332"/>
+          </a:xfrm>
+          <a:prstGeom prst="rect">
+            <a:avLst/>
+          </a:prstGeom>
+          <a:noFill/>
+        </p:spPr>
+        <p:txBody>
+          <a:bodyPr wrap="none" rtlCol="0">
+            <a:spAutoFit/>
+          </a:bodyPr>
+          <a:lstStyle/>
+          <a:p>
+            <a:r>
+              <a:rPr lang="en-GB" dirty="0"/>
+              <a:t>Response</a:t>
+            </a:r>
+          </a:p>
+        </p:txBody>
+      </p:sp>
+      <p:sp>
+        <p:nvSpPr>
+          <p:cNvPr id="21" name="TextBox 20">
+            <a:extLst>
+              <a:ext uri="{FF2B5EF4-FFF2-40B4-BE49-F238E27FC236}">
+                <a16:creationId xmlns:a16="http://schemas.microsoft.com/office/drawing/2014/main" id="{0B89CF6D-DD65-488A-8BCA-8ED2568EC914}"/>
+              </a:ext>
+            </a:extLst>
+          </p:cNvPr>
+          <p:cNvSpPr txBox="1"/>
+          <p:nvPr/>
+        </p:nvSpPr>
+        <p:spPr>
+          <a:xfrm>
+            <a:off x="3841641" y="1200150"/>
+            <a:ext cx="1485728" cy="369332"/>
+          </a:xfrm>
+          <a:prstGeom prst="rect">
+            <a:avLst/>
+          </a:prstGeom>
+          <a:noFill/>
+        </p:spPr>
+        <p:txBody>
+          <a:bodyPr wrap="none" rtlCol="0">
+            <a:spAutoFit/>
+          </a:bodyPr>
+          <a:lstStyle/>
+          <a:p>
+            <a:r>
+              <a:rPr lang="en-GB" b="1" dirty="0"/>
+              <a:t>AWS Instance</a:t>
+            </a:r>
+          </a:p>
+        </p:txBody>
+      </p:sp>
+      <p:sp>
+        <p:nvSpPr>
+          <p:cNvPr id="22" name="TextBox 21">
+            <a:extLst>
+              <a:ext uri="{FF2B5EF4-FFF2-40B4-BE49-F238E27FC236}">
+                <a16:creationId xmlns:a16="http://schemas.microsoft.com/office/drawing/2014/main" id="{A1000EDD-C3E6-429D-B8F0-DF4F9094DF9E}"/>
+              </a:ext>
+            </a:extLst>
+          </p:cNvPr>
+          <p:cNvSpPr txBox="1"/>
+          <p:nvPr/>
+        </p:nvSpPr>
+        <p:spPr>
+          <a:xfrm>
+            <a:off x="2586248" y="4639812"/>
+            <a:ext cx="1679947" cy="646331"/>
+          </a:xfrm>
+          <a:prstGeom prst="rect">
+            <a:avLst/>
+          </a:prstGeom>
+          <a:noFill/>
+          <a:ln>
+            <a:solidFill>
+              <a:schemeClr val="tx1"/>
+            </a:solidFill>
+          </a:ln>
+        </p:spPr>
+        <p:txBody>
+          <a:bodyPr wrap="none" rtlCol="0">
+            <a:spAutoFit/>
+          </a:bodyPr>
+          <a:lstStyle/>
+          <a:p>
+            <a:pPr algn="ctr"/>
+            <a:r>
+              <a:rPr lang="en-GB" dirty="0"/>
+              <a:t>Trading Analysis</a:t>
+            </a:r>
+          </a:p>
+          <a:p>
+            <a:pPr algn="ctr"/>
+            <a:r>
+              <a:rPr lang="en-GB" dirty="0"/>
+              <a:t>Module</a:t>
+            </a:r>
+          </a:p>
+        </p:txBody>
+      </p:sp>
+      <p:sp>
+        <p:nvSpPr>
+          <p:cNvPr id="23" name="TextBox 22">
+            <a:extLst>
+              <a:ext uri="{FF2B5EF4-FFF2-40B4-BE49-F238E27FC236}">
+                <a16:creationId xmlns:a16="http://schemas.microsoft.com/office/drawing/2014/main" id="{03442B10-774E-4F45-B1A2-480DFA952C67}"/>
+              </a:ext>
+            </a:extLst>
+          </p:cNvPr>
+          <p:cNvSpPr txBox="1"/>
+          <p:nvPr/>
+        </p:nvSpPr>
+        <p:spPr>
+          <a:xfrm>
+            <a:off x="2403459" y="3480030"/>
+            <a:ext cx="1725088" cy="646331"/>
+          </a:xfrm>
+          <a:prstGeom prst="rect">
+            <a:avLst/>
+          </a:prstGeom>
+          <a:noFill/>
+          <a:ln>
+            <a:solidFill>
+              <a:schemeClr val="tx1"/>
+            </a:solidFill>
+          </a:ln>
+        </p:spPr>
+        <p:txBody>
+          <a:bodyPr wrap="none" rtlCol="0">
+            <a:spAutoFit/>
+          </a:bodyPr>
+          <a:lstStyle/>
+          <a:p>
+            <a:pPr algn="ctr"/>
+            <a:r>
+              <a:rPr lang="en-GB" dirty="0"/>
+              <a:t>Neural Network </a:t>
+            </a:r>
+          </a:p>
+          <a:p>
+            <a:pPr algn="ctr"/>
+            <a:r>
+              <a:rPr lang="en-GB" dirty="0"/>
+              <a:t>Module</a:t>
+            </a:r>
+          </a:p>
+        </p:txBody>
+      </p:sp>
+      <p:grpSp>
+        <p:nvGrpSpPr>
+          <p:cNvPr id="50" name="Group 49">
+            <a:extLst>
+              <a:ext uri="{FF2B5EF4-FFF2-40B4-BE49-F238E27FC236}">
+                <a16:creationId xmlns:a16="http://schemas.microsoft.com/office/drawing/2014/main" id="{699CFE98-126B-4E33-B6CB-06F6807D00B5}"/>
+              </a:ext>
+            </a:extLst>
+          </p:cNvPr>
+          <p:cNvGrpSpPr/>
+          <p:nvPr/>
+        </p:nvGrpSpPr>
+        <p:grpSpPr>
+          <a:xfrm>
+            <a:off x="6016417" y="2068090"/>
+            <a:ext cx="1121269" cy="1061310"/>
+            <a:chOff x="5847990" y="1991757"/>
+            <a:chExt cx="1121269" cy="1061310"/>
+          </a:xfrm>
+        </p:grpSpPr>
+        <p:grpSp>
+          <p:nvGrpSpPr>
+            <p:cNvPr id="33" name="Group 32">
+              <a:extLst>
+                <a:ext uri="{FF2B5EF4-FFF2-40B4-BE49-F238E27FC236}">
+                  <a16:creationId xmlns:a16="http://schemas.microsoft.com/office/drawing/2014/main" id="{64CD7A78-1569-44A8-8FE0-F3C51ACD3236}"/>
+                </a:ext>
+              </a:extLst>
+            </p:cNvPr>
+            <p:cNvGrpSpPr/>
+            <p:nvPr/>
+          </p:nvGrpSpPr>
+          <p:grpSpPr>
+            <a:xfrm>
+              <a:off x="6096000" y="1991757"/>
+              <a:ext cx="567266" cy="728133"/>
+              <a:chOff x="6790267" y="2015067"/>
+              <a:chExt cx="567266" cy="728133"/>
+            </a:xfrm>
+          </p:grpSpPr>
+          <p:sp>
+            <p:nvSpPr>
+              <p:cNvPr id="24" name="Rectangle 23">
+                <a:extLst>
+                  <a:ext uri="{FF2B5EF4-FFF2-40B4-BE49-F238E27FC236}">
+                    <a16:creationId xmlns:a16="http://schemas.microsoft.com/office/drawing/2014/main" id="{CCC7E522-4D8B-496F-B285-B7F7D782014C}"/>
+                  </a:ext>
+                </a:extLst>
+              </p:cNvPr>
+              <p:cNvSpPr/>
+              <p:nvPr/>
+            </p:nvSpPr>
+            <p:spPr>
+              <a:xfrm>
+                <a:off x="6790267" y="2015067"/>
+                <a:ext cx="567266" cy="728133"/>
+              </a:xfrm>
+              <a:prstGeom prst="rect">
+                <a:avLst/>
+              </a:prstGeom>
+              <a:noFill/>
+              <a:ln>
+                <a:solidFill>
+                  <a:schemeClr val="tx1"/>
+                </a:solidFill>
+              </a:ln>
+            </p:spPr>
+            <p:style>
+              <a:lnRef idx="2">
+                <a:schemeClr val="accent1">
+                  <a:shade val="50000"/>
+                </a:schemeClr>
+              </a:lnRef>
+              <a:fillRef idx="1">
+                <a:schemeClr val="accent1"/>
+              </a:fillRef>
+              <a:effectRef idx="0">
+                <a:schemeClr val="accent1"/>
+              </a:effectRef>
+              <a:fontRef idx="minor">
+                <a:schemeClr val="lt1"/>
+              </a:fontRef>
+            </p:style>
+            <p:txBody>
+              <a:bodyPr rtlCol="0" anchor="ctr"/>
+              <a:lstStyle/>
+              <a:p>
+                <a:pPr algn="ctr"/>
+                <a:endParaRPr lang="en-GB">
+                  <a:ln>
+                    <a:solidFill>
+                      <a:sysClr val="windowText" lastClr="000000"/>
+                    </a:solidFill>
+                  </a:ln>
+                </a:endParaRPr>
+              </a:p>
+            </p:txBody>
+          </p:sp>
+          <p:sp>
+            <p:nvSpPr>
+              <p:cNvPr id="25" name="Freeform: Shape 24">
+                <a:extLst>
+                  <a:ext uri="{FF2B5EF4-FFF2-40B4-BE49-F238E27FC236}">
+                    <a16:creationId xmlns:a16="http://schemas.microsoft.com/office/drawing/2014/main" id="{E9F2E738-EDC2-4621-8A66-5116D0BD01CF}"/>
+                  </a:ext>
+                </a:extLst>
+              </p:cNvPr>
+              <p:cNvSpPr/>
+              <p:nvPr/>
+            </p:nvSpPr>
+            <p:spPr>
+              <a:xfrm>
+                <a:off x="6832600" y="2098674"/>
+                <a:ext cx="477838" cy="33339"/>
+              </a:xfrm>
+              <a:custGeom>
+                <a:avLst/>
+                <a:gdLst>
+                  <a:gd name="connsiteX0" fmla="*/ 0 w 477838"/>
+                  <a:gd name="connsiteY0" fmla="*/ 33339 h 33339"/>
+                  <a:gd name="connsiteX1" fmla="*/ 57150 w 477838"/>
+                  <a:gd name="connsiteY1" fmla="*/ 1 h 33339"/>
+                  <a:gd name="connsiteX2" fmla="*/ 134938 w 477838"/>
+                  <a:gd name="connsiteY2" fmla="*/ 31751 h 33339"/>
+                  <a:gd name="connsiteX3" fmla="*/ 228600 w 477838"/>
+                  <a:gd name="connsiteY3" fmla="*/ 7939 h 33339"/>
+                  <a:gd name="connsiteX4" fmla="*/ 282575 w 477838"/>
+                  <a:gd name="connsiteY4" fmla="*/ 25401 h 33339"/>
+                  <a:gd name="connsiteX5" fmla="*/ 371475 w 477838"/>
+                  <a:gd name="connsiteY5" fmla="*/ 4764 h 33339"/>
+                  <a:gd name="connsiteX6" fmla="*/ 438150 w 477838"/>
+                  <a:gd name="connsiteY6" fmla="*/ 28576 h 33339"/>
+                  <a:gd name="connsiteX7" fmla="*/ 477838 w 477838"/>
+                  <a:gd name="connsiteY7" fmla="*/ 25401 h 33339"/>
+                </a:gdLst>
+                <a:ahLst/>
+                <a:cxnLst>
+                  <a:cxn ang="0">
+                    <a:pos x="connsiteX0" y="connsiteY0"/>
+                  </a:cxn>
+                  <a:cxn ang="0">
+                    <a:pos x="connsiteX1" y="connsiteY1"/>
+                  </a:cxn>
+                  <a:cxn ang="0">
+                    <a:pos x="connsiteX2" y="connsiteY2"/>
+                  </a:cxn>
+                  <a:cxn ang="0">
+                    <a:pos x="connsiteX3" y="connsiteY3"/>
+                  </a:cxn>
+                  <a:cxn ang="0">
+                    <a:pos x="connsiteX4" y="connsiteY4"/>
+                  </a:cxn>
+                  <a:cxn ang="0">
+                    <a:pos x="connsiteX5" y="connsiteY5"/>
+                  </a:cxn>
+                  <a:cxn ang="0">
+                    <a:pos x="connsiteX6" y="connsiteY6"/>
+                  </a:cxn>
+                  <a:cxn ang="0">
+                    <a:pos x="connsiteX7" y="connsiteY7"/>
+                  </a:cxn>
+                </a:cxnLst>
+                <a:rect l="l" t="t" r="r" b="b"/>
+                <a:pathLst>
+                  <a:path w="477838" h="33339">
+                    <a:moveTo>
+                      <a:pt x="0" y="33339"/>
+                    </a:moveTo>
+                    <a:cubicBezTo>
+                      <a:pt x="17330" y="16802"/>
+                      <a:pt x="34660" y="266"/>
+                      <a:pt x="57150" y="1"/>
+                    </a:cubicBezTo>
+                    <a:cubicBezTo>
+                      <a:pt x="79640" y="-264"/>
+                      <a:pt x="106363" y="30428"/>
+                      <a:pt x="134938" y="31751"/>
+                    </a:cubicBezTo>
+                    <a:cubicBezTo>
+                      <a:pt x="163513" y="33074"/>
+                      <a:pt x="203994" y="8997"/>
+                      <a:pt x="228600" y="7939"/>
+                    </a:cubicBezTo>
+                    <a:cubicBezTo>
+                      <a:pt x="253206" y="6881"/>
+                      <a:pt x="258763" y="25930"/>
+                      <a:pt x="282575" y="25401"/>
+                    </a:cubicBezTo>
+                    <a:cubicBezTo>
+                      <a:pt x="306387" y="24872"/>
+                      <a:pt x="345546" y="4235"/>
+                      <a:pt x="371475" y="4764"/>
+                    </a:cubicBezTo>
+                    <a:cubicBezTo>
+                      <a:pt x="397404" y="5293"/>
+                      <a:pt x="420423" y="25137"/>
+                      <a:pt x="438150" y="28576"/>
+                    </a:cubicBezTo>
+                    <a:cubicBezTo>
+                      <a:pt x="455877" y="32015"/>
+                      <a:pt x="466857" y="28708"/>
+                      <a:pt x="477838" y="25401"/>
+                    </a:cubicBezTo>
+                  </a:path>
+                </a:pathLst>
+              </a:custGeom>
+              <a:noFill/>
+              <a:ln>
+                <a:solidFill>
+                  <a:schemeClr val="tx1"/>
+                </a:solidFill>
+              </a:ln>
+            </p:spPr>
+            <p:style>
+              <a:lnRef idx="2">
+                <a:schemeClr val="accent1">
+                  <a:shade val="50000"/>
+                </a:schemeClr>
+              </a:lnRef>
+              <a:fillRef idx="1">
+                <a:schemeClr val="accent1"/>
+              </a:fillRef>
+              <a:effectRef idx="0">
+                <a:schemeClr val="accent1"/>
+              </a:effectRef>
+              <a:fontRef idx="minor">
+                <a:schemeClr val="lt1"/>
+              </a:fontRef>
+            </p:style>
+            <p:txBody>
+              <a:bodyPr rtlCol="0" anchor="ctr"/>
+              <a:lstStyle/>
+              <a:p>
+                <a:pPr algn="ctr"/>
+                <a:endParaRPr lang="en-GB"/>
+              </a:p>
+            </p:txBody>
+          </p:sp>
+          <p:sp>
+            <p:nvSpPr>
+              <p:cNvPr id="26" name="Freeform: Shape 25">
+                <a:extLst>
+                  <a:ext uri="{FF2B5EF4-FFF2-40B4-BE49-F238E27FC236}">
+                    <a16:creationId xmlns:a16="http://schemas.microsoft.com/office/drawing/2014/main" id="{66387C57-2031-4A6D-9ABA-12DB7AFCD724}"/>
+                  </a:ext>
+                </a:extLst>
+              </p:cNvPr>
+              <p:cNvSpPr/>
+              <p:nvPr/>
+            </p:nvSpPr>
+            <p:spPr>
+              <a:xfrm>
+                <a:off x="6832600" y="2170461"/>
+                <a:ext cx="477838" cy="33339"/>
+              </a:xfrm>
+              <a:custGeom>
+                <a:avLst/>
+                <a:gdLst>
+                  <a:gd name="connsiteX0" fmla="*/ 0 w 477838"/>
+                  <a:gd name="connsiteY0" fmla="*/ 33339 h 33339"/>
+                  <a:gd name="connsiteX1" fmla="*/ 57150 w 477838"/>
+                  <a:gd name="connsiteY1" fmla="*/ 1 h 33339"/>
+                  <a:gd name="connsiteX2" fmla="*/ 134938 w 477838"/>
+                  <a:gd name="connsiteY2" fmla="*/ 31751 h 33339"/>
+                  <a:gd name="connsiteX3" fmla="*/ 228600 w 477838"/>
+                  <a:gd name="connsiteY3" fmla="*/ 7939 h 33339"/>
+                  <a:gd name="connsiteX4" fmla="*/ 282575 w 477838"/>
+                  <a:gd name="connsiteY4" fmla="*/ 25401 h 33339"/>
+                  <a:gd name="connsiteX5" fmla="*/ 371475 w 477838"/>
+                  <a:gd name="connsiteY5" fmla="*/ 4764 h 33339"/>
+                  <a:gd name="connsiteX6" fmla="*/ 438150 w 477838"/>
+                  <a:gd name="connsiteY6" fmla="*/ 28576 h 33339"/>
+                  <a:gd name="connsiteX7" fmla="*/ 477838 w 477838"/>
+                  <a:gd name="connsiteY7" fmla="*/ 25401 h 33339"/>
+                </a:gdLst>
+                <a:ahLst/>
+                <a:cxnLst>
+                  <a:cxn ang="0">
+                    <a:pos x="connsiteX0" y="connsiteY0"/>
+                  </a:cxn>
+                  <a:cxn ang="0">
+                    <a:pos x="connsiteX1" y="connsiteY1"/>
+                  </a:cxn>
+                  <a:cxn ang="0">
+                    <a:pos x="connsiteX2" y="connsiteY2"/>
+                  </a:cxn>
+                  <a:cxn ang="0">
+                    <a:pos x="connsiteX3" y="connsiteY3"/>
+                  </a:cxn>
+                  <a:cxn ang="0">
+                    <a:pos x="connsiteX4" y="connsiteY4"/>
+                  </a:cxn>
+                  <a:cxn ang="0">
+                    <a:pos x="connsiteX5" y="connsiteY5"/>
+                  </a:cxn>
+                  <a:cxn ang="0">
+                    <a:pos x="connsiteX6" y="connsiteY6"/>
+                  </a:cxn>
+                  <a:cxn ang="0">
+                    <a:pos x="connsiteX7" y="connsiteY7"/>
+                  </a:cxn>
+                </a:cxnLst>
+                <a:rect l="l" t="t" r="r" b="b"/>
+                <a:pathLst>
+                  <a:path w="477838" h="33339">
+                    <a:moveTo>
+                      <a:pt x="0" y="33339"/>
+                    </a:moveTo>
+                    <a:cubicBezTo>
+                      <a:pt x="17330" y="16802"/>
+                      <a:pt x="34660" y="266"/>
+                      <a:pt x="57150" y="1"/>
+                    </a:cubicBezTo>
+                    <a:cubicBezTo>
+                      <a:pt x="79640" y="-264"/>
+                      <a:pt x="106363" y="30428"/>
+                      <a:pt x="134938" y="31751"/>
+                    </a:cubicBezTo>
+                    <a:cubicBezTo>
+                      <a:pt x="163513" y="33074"/>
+                      <a:pt x="203994" y="8997"/>
+                      <a:pt x="228600" y="7939"/>
+                    </a:cubicBezTo>
+                    <a:cubicBezTo>
+                      <a:pt x="253206" y="6881"/>
+                      <a:pt x="258763" y="25930"/>
+                      <a:pt x="282575" y="25401"/>
+                    </a:cubicBezTo>
+                    <a:cubicBezTo>
+                      <a:pt x="306387" y="24872"/>
+                      <a:pt x="345546" y="4235"/>
+                      <a:pt x="371475" y="4764"/>
+                    </a:cubicBezTo>
+                    <a:cubicBezTo>
+                      <a:pt x="397404" y="5293"/>
+                      <a:pt x="420423" y="25137"/>
+                      <a:pt x="438150" y="28576"/>
+                    </a:cubicBezTo>
+                    <a:cubicBezTo>
+                      <a:pt x="455877" y="32015"/>
+                      <a:pt x="466857" y="28708"/>
+                      <a:pt x="477838" y="25401"/>
+                    </a:cubicBezTo>
+                  </a:path>
+                </a:pathLst>
+              </a:custGeom>
+              <a:noFill/>
+              <a:ln>
+                <a:solidFill>
+                  <a:schemeClr val="tx1"/>
+                </a:solidFill>
+              </a:ln>
+            </p:spPr>
+            <p:style>
+              <a:lnRef idx="2">
+                <a:schemeClr val="accent1">
+                  <a:shade val="50000"/>
+                </a:schemeClr>
+              </a:lnRef>
+              <a:fillRef idx="1">
+                <a:schemeClr val="accent1"/>
+              </a:fillRef>
+              <a:effectRef idx="0">
+                <a:schemeClr val="accent1"/>
+              </a:effectRef>
+              <a:fontRef idx="minor">
+                <a:schemeClr val="lt1"/>
+              </a:fontRef>
+            </p:style>
+            <p:txBody>
+              <a:bodyPr rtlCol="0" anchor="ctr"/>
+              <a:lstStyle/>
+              <a:p>
+                <a:pPr algn="ctr"/>
+                <a:endParaRPr lang="en-GB"/>
+              </a:p>
+            </p:txBody>
+          </p:sp>
+          <p:sp>
+            <p:nvSpPr>
+              <p:cNvPr id="27" name="Freeform: Shape 26">
+                <a:extLst>
+                  <a:ext uri="{FF2B5EF4-FFF2-40B4-BE49-F238E27FC236}">
+                    <a16:creationId xmlns:a16="http://schemas.microsoft.com/office/drawing/2014/main" id="{2B08075A-E7F9-44A8-90D0-373EFA198426}"/>
+                  </a:ext>
+                </a:extLst>
+              </p:cNvPr>
+              <p:cNvSpPr/>
+              <p:nvPr/>
+            </p:nvSpPr>
+            <p:spPr>
+              <a:xfrm>
+                <a:off x="6832600" y="2244024"/>
+                <a:ext cx="477838" cy="33339"/>
+              </a:xfrm>
+              <a:custGeom>
+                <a:avLst/>
+                <a:gdLst>
+                  <a:gd name="connsiteX0" fmla="*/ 0 w 477838"/>
+                  <a:gd name="connsiteY0" fmla="*/ 33339 h 33339"/>
+                  <a:gd name="connsiteX1" fmla="*/ 57150 w 477838"/>
+                  <a:gd name="connsiteY1" fmla="*/ 1 h 33339"/>
+                  <a:gd name="connsiteX2" fmla="*/ 134938 w 477838"/>
+                  <a:gd name="connsiteY2" fmla="*/ 31751 h 33339"/>
+                  <a:gd name="connsiteX3" fmla="*/ 228600 w 477838"/>
+                  <a:gd name="connsiteY3" fmla="*/ 7939 h 33339"/>
+                  <a:gd name="connsiteX4" fmla="*/ 282575 w 477838"/>
+                  <a:gd name="connsiteY4" fmla="*/ 25401 h 33339"/>
+                  <a:gd name="connsiteX5" fmla="*/ 371475 w 477838"/>
+                  <a:gd name="connsiteY5" fmla="*/ 4764 h 33339"/>
+                  <a:gd name="connsiteX6" fmla="*/ 438150 w 477838"/>
+                  <a:gd name="connsiteY6" fmla="*/ 28576 h 33339"/>
+                  <a:gd name="connsiteX7" fmla="*/ 477838 w 477838"/>
+                  <a:gd name="connsiteY7" fmla="*/ 25401 h 33339"/>
+                </a:gdLst>
+                <a:ahLst/>
+                <a:cxnLst>
+                  <a:cxn ang="0">
+                    <a:pos x="connsiteX0" y="connsiteY0"/>
+                  </a:cxn>
+                  <a:cxn ang="0">
+                    <a:pos x="connsiteX1" y="connsiteY1"/>
+                  </a:cxn>
+                  <a:cxn ang="0">
+                    <a:pos x="connsiteX2" y="connsiteY2"/>
+                  </a:cxn>
+                  <a:cxn ang="0">
+                    <a:pos x="connsiteX3" y="connsiteY3"/>
+                  </a:cxn>
+                  <a:cxn ang="0">
+                    <a:pos x="connsiteX4" y="connsiteY4"/>
+                  </a:cxn>
+                  <a:cxn ang="0">
+                    <a:pos x="connsiteX5" y="connsiteY5"/>
+                  </a:cxn>
+                  <a:cxn ang="0">
+                    <a:pos x="connsiteX6" y="connsiteY6"/>
+                  </a:cxn>
+                  <a:cxn ang="0">
+                    <a:pos x="connsiteX7" y="connsiteY7"/>
+                  </a:cxn>
+                </a:cxnLst>
+                <a:rect l="l" t="t" r="r" b="b"/>
+                <a:pathLst>
+                  <a:path w="477838" h="33339">
+                    <a:moveTo>
+                      <a:pt x="0" y="33339"/>
+                    </a:moveTo>
+                    <a:cubicBezTo>
+                      <a:pt x="17330" y="16802"/>
+                      <a:pt x="34660" y="266"/>
+                      <a:pt x="57150" y="1"/>
+                    </a:cubicBezTo>
+                    <a:cubicBezTo>
+                      <a:pt x="79640" y="-264"/>
+                      <a:pt x="106363" y="30428"/>
+                      <a:pt x="134938" y="31751"/>
+                    </a:cubicBezTo>
+                    <a:cubicBezTo>
+                      <a:pt x="163513" y="33074"/>
+                      <a:pt x="203994" y="8997"/>
+                      <a:pt x="228600" y="7939"/>
+                    </a:cubicBezTo>
+                    <a:cubicBezTo>
+                      <a:pt x="253206" y="6881"/>
+                      <a:pt x="258763" y="25930"/>
+                      <a:pt x="282575" y="25401"/>
+                    </a:cubicBezTo>
+                    <a:cubicBezTo>
+                      <a:pt x="306387" y="24872"/>
+                      <a:pt x="345546" y="4235"/>
+                      <a:pt x="371475" y="4764"/>
+                    </a:cubicBezTo>
+                    <a:cubicBezTo>
+                      <a:pt x="397404" y="5293"/>
+                      <a:pt x="420423" y="25137"/>
+                      <a:pt x="438150" y="28576"/>
+                    </a:cubicBezTo>
+                    <a:cubicBezTo>
+                      <a:pt x="455877" y="32015"/>
+                      <a:pt x="466857" y="28708"/>
+                      <a:pt x="477838" y="25401"/>
+                    </a:cubicBezTo>
+                  </a:path>
+                </a:pathLst>
+              </a:custGeom>
+              <a:noFill/>
+              <a:ln>
+                <a:solidFill>
+                  <a:schemeClr val="tx1"/>
+                </a:solidFill>
+              </a:ln>
+            </p:spPr>
+            <p:style>
+              <a:lnRef idx="2">
+                <a:schemeClr val="accent1">
+                  <a:shade val="50000"/>
+                </a:schemeClr>
+              </a:lnRef>
+              <a:fillRef idx="1">
+                <a:schemeClr val="accent1"/>
+              </a:fillRef>
+              <a:effectRef idx="0">
+                <a:schemeClr val="accent1"/>
+              </a:effectRef>
+              <a:fontRef idx="minor">
+                <a:schemeClr val="lt1"/>
+              </a:fontRef>
+            </p:style>
+            <p:txBody>
+              <a:bodyPr rtlCol="0" anchor="ctr"/>
+              <a:lstStyle/>
+              <a:p>
+                <a:pPr algn="ctr"/>
+                <a:endParaRPr lang="en-GB"/>
+              </a:p>
+            </p:txBody>
+          </p:sp>
+          <p:sp>
+            <p:nvSpPr>
+              <p:cNvPr id="28" name="Freeform: Shape 27">
+                <a:extLst>
+                  <a:ext uri="{FF2B5EF4-FFF2-40B4-BE49-F238E27FC236}">
+                    <a16:creationId xmlns:a16="http://schemas.microsoft.com/office/drawing/2014/main" id="{D2AE8A84-0EE8-466A-AA6A-333B7D94A20F}"/>
+                  </a:ext>
+                </a:extLst>
+              </p:cNvPr>
+              <p:cNvSpPr/>
+              <p:nvPr/>
+            </p:nvSpPr>
+            <p:spPr>
+              <a:xfrm>
+                <a:off x="6832600" y="2315811"/>
+                <a:ext cx="477838" cy="33339"/>
+              </a:xfrm>
+              <a:custGeom>
+                <a:avLst/>
+                <a:gdLst>
+                  <a:gd name="connsiteX0" fmla="*/ 0 w 477838"/>
+                  <a:gd name="connsiteY0" fmla="*/ 33339 h 33339"/>
+                  <a:gd name="connsiteX1" fmla="*/ 57150 w 477838"/>
+                  <a:gd name="connsiteY1" fmla="*/ 1 h 33339"/>
+                  <a:gd name="connsiteX2" fmla="*/ 134938 w 477838"/>
+                  <a:gd name="connsiteY2" fmla="*/ 31751 h 33339"/>
+                  <a:gd name="connsiteX3" fmla="*/ 228600 w 477838"/>
+                  <a:gd name="connsiteY3" fmla="*/ 7939 h 33339"/>
+                  <a:gd name="connsiteX4" fmla="*/ 282575 w 477838"/>
+                  <a:gd name="connsiteY4" fmla="*/ 25401 h 33339"/>
+                  <a:gd name="connsiteX5" fmla="*/ 371475 w 477838"/>
+                  <a:gd name="connsiteY5" fmla="*/ 4764 h 33339"/>
+                  <a:gd name="connsiteX6" fmla="*/ 438150 w 477838"/>
+                  <a:gd name="connsiteY6" fmla="*/ 28576 h 33339"/>
+                  <a:gd name="connsiteX7" fmla="*/ 477838 w 477838"/>
+                  <a:gd name="connsiteY7" fmla="*/ 25401 h 33339"/>
+                </a:gdLst>
+                <a:ahLst/>
+                <a:cxnLst>
+                  <a:cxn ang="0">
+                    <a:pos x="connsiteX0" y="connsiteY0"/>
+                  </a:cxn>
+                  <a:cxn ang="0">
+                    <a:pos x="connsiteX1" y="connsiteY1"/>
+                  </a:cxn>
+                  <a:cxn ang="0">
+                    <a:pos x="connsiteX2" y="connsiteY2"/>
+                  </a:cxn>
+                  <a:cxn ang="0">
+                    <a:pos x="connsiteX3" y="connsiteY3"/>
+                  </a:cxn>
+                  <a:cxn ang="0">
+                    <a:pos x="connsiteX4" y="connsiteY4"/>
+                  </a:cxn>
+                  <a:cxn ang="0">
+                    <a:pos x="connsiteX5" y="connsiteY5"/>
+                  </a:cxn>
+                  <a:cxn ang="0">
+                    <a:pos x="connsiteX6" y="connsiteY6"/>
+                  </a:cxn>
+                  <a:cxn ang="0">
+                    <a:pos x="connsiteX7" y="connsiteY7"/>
+                  </a:cxn>
+                </a:cxnLst>
+                <a:rect l="l" t="t" r="r" b="b"/>
+                <a:pathLst>
+                  <a:path w="477838" h="33339">
+                    <a:moveTo>
+                      <a:pt x="0" y="33339"/>
+                    </a:moveTo>
+                    <a:cubicBezTo>
+                      <a:pt x="17330" y="16802"/>
+                      <a:pt x="34660" y="266"/>
+                      <a:pt x="57150" y="1"/>
+                    </a:cubicBezTo>
+                    <a:cubicBezTo>
+                      <a:pt x="79640" y="-264"/>
+                      <a:pt x="106363" y="30428"/>
+                      <a:pt x="134938" y="31751"/>
+                    </a:cubicBezTo>
+                    <a:cubicBezTo>
+                      <a:pt x="163513" y="33074"/>
+                      <a:pt x="203994" y="8997"/>
+                      <a:pt x="228600" y="7939"/>
+                    </a:cubicBezTo>
+                    <a:cubicBezTo>
+                      <a:pt x="253206" y="6881"/>
+                      <a:pt x="258763" y="25930"/>
+                      <a:pt x="282575" y="25401"/>
+                    </a:cubicBezTo>
+                    <a:cubicBezTo>
+                      <a:pt x="306387" y="24872"/>
+                      <a:pt x="345546" y="4235"/>
+                      <a:pt x="371475" y="4764"/>
+                    </a:cubicBezTo>
+                    <a:cubicBezTo>
+                      <a:pt x="397404" y="5293"/>
+                      <a:pt x="420423" y="25137"/>
+                      <a:pt x="438150" y="28576"/>
+                    </a:cubicBezTo>
+                    <a:cubicBezTo>
+                      <a:pt x="455877" y="32015"/>
+                      <a:pt x="466857" y="28708"/>
+                      <a:pt x="477838" y="25401"/>
+                    </a:cubicBezTo>
+                  </a:path>
+                </a:pathLst>
+              </a:custGeom>
+              <a:noFill/>
+              <a:ln>
+                <a:solidFill>
+                  <a:schemeClr val="tx1"/>
+                </a:solidFill>
+              </a:ln>
+            </p:spPr>
+            <p:style>
+              <a:lnRef idx="2">
+                <a:schemeClr val="accent1">
+                  <a:shade val="50000"/>
+                </a:schemeClr>
+              </a:lnRef>
+              <a:fillRef idx="1">
+                <a:schemeClr val="accent1"/>
+              </a:fillRef>
+              <a:effectRef idx="0">
+                <a:schemeClr val="accent1"/>
+              </a:effectRef>
+              <a:fontRef idx="minor">
+                <a:schemeClr val="lt1"/>
+              </a:fontRef>
+            </p:style>
+            <p:txBody>
+              <a:bodyPr rtlCol="0" anchor="ctr"/>
+              <a:lstStyle/>
+              <a:p>
+                <a:pPr algn="ctr"/>
+                <a:endParaRPr lang="en-GB"/>
+              </a:p>
+            </p:txBody>
+          </p:sp>
+          <p:sp>
+            <p:nvSpPr>
+              <p:cNvPr id="29" name="Freeform: Shape 28">
+                <a:extLst>
+                  <a:ext uri="{FF2B5EF4-FFF2-40B4-BE49-F238E27FC236}">
+                    <a16:creationId xmlns:a16="http://schemas.microsoft.com/office/drawing/2014/main" id="{99D351B2-4738-41CC-BE3C-8C3568A666F3}"/>
+                  </a:ext>
+                </a:extLst>
+              </p:cNvPr>
+              <p:cNvSpPr/>
+              <p:nvPr/>
+            </p:nvSpPr>
+            <p:spPr>
+              <a:xfrm>
+                <a:off x="6832600" y="2384423"/>
+                <a:ext cx="477838" cy="33339"/>
+              </a:xfrm>
+              <a:custGeom>
+                <a:avLst/>
+                <a:gdLst>
+                  <a:gd name="connsiteX0" fmla="*/ 0 w 477838"/>
+                  <a:gd name="connsiteY0" fmla="*/ 33339 h 33339"/>
+                  <a:gd name="connsiteX1" fmla="*/ 57150 w 477838"/>
+                  <a:gd name="connsiteY1" fmla="*/ 1 h 33339"/>
+                  <a:gd name="connsiteX2" fmla="*/ 134938 w 477838"/>
+                  <a:gd name="connsiteY2" fmla="*/ 31751 h 33339"/>
+                  <a:gd name="connsiteX3" fmla="*/ 228600 w 477838"/>
+                  <a:gd name="connsiteY3" fmla="*/ 7939 h 33339"/>
+                  <a:gd name="connsiteX4" fmla="*/ 282575 w 477838"/>
+                  <a:gd name="connsiteY4" fmla="*/ 25401 h 33339"/>
+                  <a:gd name="connsiteX5" fmla="*/ 371475 w 477838"/>
+                  <a:gd name="connsiteY5" fmla="*/ 4764 h 33339"/>
+                  <a:gd name="connsiteX6" fmla="*/ 438150 w 477838"/>
+                  <a:gd name="connsiteY6" fmla="*/ 28576 h 33339"/>
+                  <a:gd name="connsiteX7" fmla="*/ 477838 w 477838"/>
+                  <a:gd name="connsiteY7" fmla="*/ 25401 h 33339"/>
+                </a:gdLst>
+                <a:ahLst/>
+                <a:cxnLst>
+                  <a:cxn ang="0">
+                    <a:pos x="connsiteX0" y="connsiteY0"/>
+                  </a:cxn>
+                  <a:cxn ang="0">
+                    <a:pos x="connsiteX1" y="connsiteY1"/>
+                  </a:cxn>
+                  <a:cxn ang="0">
+                    <a:pos x="connsiteX2" y="connsiteY2"/>
+                  </a:cxn>
+                  <a:cxn ang="0">
+                    <a:pos x="connsiteX3" y="connsiteY3"/>
+                  </a:cxn>
+                  <a:cxn ang="0">
+                    <a:pos x="connsiteX4" y="connsiteY4"/>
+                  </a:cxn>
+                  <a:cxn ang="0">
+                    <a:pos x="connsiteX5" y="connsiteY5"/>
+                  </a:cxn>
+                  <a:cxn ang="0">
+                    <a:pos x="connsiteX6" y="connsiteY6"/>
+                  </a:cxn>
+                  <a:cxn ang="0">
+                    <a:pos x="connsiteX7" y="connsiteY7"/>
+                  </a:cxn>
+                </a:cxnLst>
+                <a:rect l="l" t="t" r="r" b="b"/>
+                <a:pathLst>
+                  <a:path w="477838" h="33339">
+                    <a:moveTo>
+                      <a:pt x="0" y="33339"/>
+                    </a:moveTo>
+                    <a:cubicBezTo>
+                      <a:pt x="17330" y="16802"/>
+                      <a:pt x="34660" y="266"/>
+                      <a:pt x="57150" y="1"/>
+                    </a:cubicBezTo>
+                    <a:cubicBezTo>
+                      <a:pt x="79640" y="-264"/>
+                      <a:pt x="106363" y="30428"/>
+                      <a:pt x="134938" y="31751"/>
+                    </a:cubicBezTo>
+                    <a:cubicBezTo>
+                      <a:pt x="163513" y="33074"/>
+                      <a:pt x="203994" y="8997"/>
+                      <a:pt x="228600" y="7939"/>
+                    </a:cubicBezTo>
+                    <a:cubicBezTo>
+                      <a:pt x="253206" y="6881"/>
+                      <a:pt x="258763" y="25930"/>
+                      <a:pt x="282575" y="25401"/>
+                    </a:cubicBezTo>
+                    <a:cubicBezTo>
+                      <a:pt x="306387" y="24872"/>
+                      <a:pt x="345546" y="4235"/>
+                      <a:pt x="371475" y="4764"/>
+                    </a:cubicBezTo>
+                    <a:cubicBezTo>
+                      <a:pt x="397404" y="5293"/>
+                      <a:pt x="420423" y="25137"/>
+                      <a:pt x="438150" y="28576"/>
+                    </a:cubicBezTo>
+                    <a:cubicBezTo>
+                      <a:pt x="455877" y="32015"/>
+                      <a:pt x="466857" y="28708"/>
+                      <a:pt x="477838" y="25401"/>
+                    </a:cubicBezTo>
+                  </a:path>
+                </a:pathLst>
+              </a:custGeom>
+              <a:noFill/>
+              <a:ln>
+                <a:solidFill>
+                  <a:schemeClr val="tx1"/>
+                </a:solidFill>
+              </a:ln>
+            </p:spPr>
+            <p:style>
+              <a:lnRef idx="2">
+                <a:schemeClr val="accent1">
+                  <a:shade val="50000"/>
+                </a:schemeClr>
+              </a:lnRef>
+              <a:fillRef idx="1">
+                <a:schemeClr val="accent1"/>
+              </a:fillRef>
+              <a:effectRef idx="0">
+                <a:schemeClr val="accent1"/>
+              </a:effectRef>
+              <a:fontRef idx="minor">
+                <a:schemeClr val="lt1"/>
+              </a:fontRef>
+            </p:style>
+            <p:txBody>
+              <a:bodyPr rtlCol="0" anchor="ctr"/>
+              <a:lstStyle/>
+              <a:p>
+                <a:pPr algn="ctr"/>
+                <a:endParaRPr lang="en-GB"/>
+              </a:p>
+            </p:txBody>
+          </p:sp>
+          <p:sp>
+            <p:nvSpPr>
+              <p:cNvPr id="30" name="Freeform: Shape 29">
+                <a:extLst>
+                  <a:ext uri="{FF2B5EF4-FFF2-40B4-BE49-F238E27FC236}">
+                    <a16:creationId xmlns:a16="http://schemas.microsoft.com/office/drawing/2014/main" id="{7B8683BD-1F8F-4961-9342-2B9EC23C5687}"/>
+                  </a:ext>
+                </a:extLst>
+              </p:cNvPr>
+              <p:cNvSpPr/>
+              <p:nvPr/>
+            </p:nvSpPr>
+            <p:spPr>
+              <a:xfrm>
+                <a:off x="6832600" y="2456210"/>
+                <a:ext cx="477838" cy="33339"/>
+              </a:xfrm>
+              <a:custGeom>
+                <a:avLst/>
+                <a:gdLst>
+                  <a:gd name="connsiteX0" fmla="*/ 0 w 477838"/>
+                  <a:gd name="connsiteY0" fmla="*/ 33339 h 33339"/>
+                  <a:gd name="connsiteX1" fmla="*/ 57150 w 477838"/>
+                  <a:gd name="connsiteY1" fmla="*/ 1 h 33339"/>
+                  <a:gd name="connsiteX2" fmla="*/ 134938 w 477838"/>
+                  <a:gd name="connsiteY2" fmla="*/ 31751 h 33339"/>
+                  <a:gd name="connsiteX3" fmla="*/ 228600 w 477838"/>
+                  <a:gd name="connsiteY3" fmla="*/ 7939 h 33339"/>
+                  <a:gd name="connsiteX4" fmla="*/ 282575 w 477838"/>
+                  <a:gd name="connsiteY4" fmla="*/ 25401 h 33339"/>
+                  <a:gd name="connsiteX5" fmla="*/ 371475 w 477838"/>
+                  <a:gd name="connsiteY5" fmla="*/ 4764 h 33339"/>
+                  <a:gd name="connsiteX6" fmla="*/ 438150 w 477838"/>
+                  <a:gd name="connsiteY6" fmla="*/ 28576 h 33339"/>
+                  <a:gd name="connsiteX7" fmla="*/ 477838 w 477838"/>
+                  <a:gd name="connsiteY7" fmla="*/ 25401 h 33339"/>
+                </a:gdLst>
+                <a:ahLst/>
+                <a:cxnLst>
+                  <a:cxn ang="0">
+                    <a:pos x="connsiteX0" y="connsiteY0"/>
+                  </a:cxn>
+                  <a:cxn ang="0">
+                    <a:pos x="connsiteX1" y="connsiteY1"/>
+                  </a:cxn>
+                  <a:cxn ang="0">
+                    <a:pos x="connsiteX2" y="connsiteY2"/>
+                  </a:cxn>
+                  <a:cxn ang="0">
+                    <a:pos x="connsiteX3" y="connsiteY3"/>
+                  </a:cxn>
+                  <a:cxn ang="0">
+                    <a:pos x="connsiteX4" y="connsiteY4"/>
+                  </a:cxn>
+                  <a:cxn ang="0">
+                    <a:pos x="connsiteX5" y="connsiteY5"/>
+                  </a:cxn>
+                  <a:cxn ang="0">
+                    <a:pos x="connsiteX6" y="connsiteY6"/>
+                  </a:cxn>
+                  <a:cxn ang="0">
+                    <a:pos x="connsiteX7" y="connsiteY7"/>
+                  </a:cxn>
+                </a:cxnLst>
+                <a:rect l="l" t="t" r="r" b="b"/>
+                <a:pathLst>
+                  <a:path w="477838" h="33339">
+                    <a:moveTo>
+                      <a:pt x="0" y="33339"/>
+                    </a:moveTo>
+                    <a:cubicBezTo>
+                      <a:pt x="17330" y="16802"/>
+                      <a:pt x="34660" y="266"/>
+                      <a:pt x="57150" y="1"/>
+                    </a:cubicBezTo>
+                    <a:cubicBezTo>
+                      <a:pt x="79640" y="-264"/>
+                      <a:pt x="106363" y="30428"/>
+                      <a:pt x="134938" y="31751"/>
+                    </a:cubicBezTo>
+                    <a:cubicBezTo>
+                      <a:pt x="163513" y="33074"/>
+                      <a:pt x="203994" y="8997"/>
+                      <a:pt x="228600" y="7939"/>
+                    </a:cubicBezTo>
+                    <a:cubicBezTo>
+                      <a:pt x="253206" y="6881"/>
+                      <a:pt x="258763" y="25930"/>
+                      <a:pt x="282575" y="25401"/>
+                    </a:cubicBezTo>
+                    <a:cubicBezTo>
+                      <a:pt x="306387" y="24872"/>
+                      <a:pt x="345546" y="4235"/>
+                      <a:pt x="371475" y="4764"/>
+                    </a:cubicBezTo>
+                    <a:cubicBezTo>
+                      <a:pt x="397404" y="5293"/>
+                      <a:pt x="420423" y="25137"/>
+                      <a:pt x="438150" y="28576"/>
+                    </a:cubicBezTo>
+                    <a:cubicBezTo>
+                      <a:pt x="455877" y="32015"/>
+                      <a:pt x="466857" y="28708"/>
+                      <a:pt x="477838" y="25401"/>
+                    </a:cubicBezTo>
+                  </a:path>
+                </a:pathLst>
+              </a:custGeom>
+              <a:noFill/>
+              <a:ln>
+                <a:solidFill>
+                  <a:schemeClr val="tx1"/>
+                </a:solidFill>
+              </a:ln>
+            </p:spPr>
+            <p:style>
+              <a:lnRef idx="2">
+                <a:schemeClr val="accent1">
+                  <a:shade val="50000"/>
+                </a:schemeClr>
+              </a:lnRef>
+              <a:fillRef idx="1">
+                <a:schemeClr val="accent1"/>
+              </a:fillRef>
+              <a:effectRef idx="0">
+                <a:schemeClr val="accent1"/>
+              </a:effectRef>
+              <a:fontRef idx="minor">
+                <a:schemeClr val="lt1"/>
+              </a:fontRef>
+            </p:style>
+            <p:txBody>
+              <a:bodyPr rtlCol="0" anchor="ctr"/>
+              <a:lstStyle/>
+              <a:p>
+                <a:pPr algn="ctr"/>
+                <a:endParaRPr lang="en-GB"/>
+              </a:p>
+            </p:txBody>
+          </p:sp>
+          <p:sp>
+            <p:nvSpPr>
+              <p:cNvPr id="31" name="Freeform: Shape 30">
+                <a:extLst>
+                  <a:ext uri="{FF2B5EF4-FFF2-40B4-BE49-F238E27FC236}">
+                    <a16:creationId xmlns:a16="http://schemas.microsoft.com/office/drawing/2014/main" id="{FF2B9785-BF23-457A-93C5-60CD08BBE50E}"/>
+                  </a:ext>
+                </a:extLst>
+              </p:cNvPr>
+              <p:cNvSpPr/>
+              <p:nvPr/>
+            </p:nvSpPr>
+            <p:spPr>
+              <a:xfrm>
+                <a:off x="6832600" y="2529773"/>
+                <a:ext cx="477838" cy="33339"/>
+              </a:xfrm>
+              <a:custGeom>
+                <a:avLst/>
+                <a:gdLst>
+                  <a:gd name="connsiteX0" fmla="*/ 0 w 477838"/>
+                  <a:gd name="connsiteY0" fmla="*/ 33339 h 33339"/>
+                  <a:gd name="connsiteX1" fmla="*/ 57150 w 477838"/>
+                  <a:gd name="connsiteY1" fmla="*/ 1 h 33339"/>
+                  <a:gd name="connsiteX2" fmla="*/ 134938 w 477838"/>
+                  <a:gd name="connsiteY2" fmla="*/ 31751 h 33339"/>
+                  <a:gd name="connsiteX3" fmla="*/ 228600 w 477838"/>
+                  <a:gd name="connsiteY3" fmla="*/ 7939 h 33339"/>
+                  <a:gd name="connsiteX4" fmla="*/ 282575 w 477838"/>
+                  <a:gd name="connsiteY4" fmla="*/ 25401 h 33339"/>
+                  <a:gd name="connsiteX5" fmla="*/ 371475 w 477838"/>
+                  <a:gd name="connsiteY5" fmla="*/ 4764 h 33339"/>
+                  <a:gd name="connsiteX6" fmla="*/ 438150 w 477838"/>
+                  <a:gd name="connsiteY6" fmla="*/ 28576 h 33339"/>
+                  <a:gd name="connsiteX7" fmla="*/ 477838 w 477838"/>
+                  <a:gd name="connsiteY7" fmla="*/ 25401 h 33339"/>
+                </a:gdLst>
+                <a:ahLst/>
+                <a:cxnLst>
+                  <a:cxn ang="0">
+                    <a:pos x="connsiteX0" y="connsiteY0"/>
+                  </a:cxn>
+                  <a:cxn ang="0">
+                    <a:pos x="connsiteX1" y="connsiteY1"/>
+                  </a:cxn>
+                  <a:cxn ang="0">
+                    <a:pos x="connsiteX2" y="connsiteY2"/>
+                  </a:cxn>
+                  <a:cxn ang="0">
+                    <a:pos x="connsiteX3" y="connsiteY3"/>
+                  </a:cxn>
+                  <a:cxn ang="0">
+                    <a:pos x="connsiteX4" y="connsiteY4"/>
+                  </a:cxn>
+                  <a:cxn ang="0">
+                    <a:pos x="connsiteX5" y="connsiteY5"/>
+                  </a:cxn>
+                  <a:cxn ang="0">
+                    <a:pos x="connsiteX6" y="connsiteY6"/>
+                  </a:cxn>
+                  <a:cxn ang="0">
+                    <a:pos x="connsiteX7" y="connsiteY7"/>
+                  </a:cxn>
+                </a:cxnLst>
+                <a:rect l="l" t="t" r="r" b="b"/>
+                <a:pathLst>
+                  <a:path w="477838" h="33339">
+                    <a:moveTo>
+                      <a:pt x="0" y="33339"/>
+                    </a:moveTo>
+                    <a:cubicBezTo>
+                      <a:pt x="17330" y="16802"/>
+                      <a:pt x="34660" y="266"/>
+                      <a:pt x="57150" y="1"/>
+                    </a:cubicBezTo>
+                    <a:cubicBezTo>
+                      <a:pt x="79640" y="-264"/>
+                      <a:pt x="106363" y="30428"/>
+                      <a:pt x="134938" y="31751"/>
+                    </a:cubicBezTo>
+                    <a:cubicBezTo>
+                      <a:pt x="163513" y="33074"/>
+                      <a:pt x="203994" y="8997"/>
+                      <a:pt x="228600" y="7939"/>
+                    </a:cubicBezTo>
+                    <a:cubicBezTo>
+                      <a:pt x="253206" y="6881"/>
+                      <a:pt x="258763" y="25930"/>
+                      <a:pt x="282575" y="25401"/>
+                    </a:cubicBezTo>
+                    <a:cubicBezTo>
+                      <a:pt x="306387" y="24872"/>
+                      <a:pt x="345546" y="4235"/>
+                      <a:pt x="371475" y="4764"/>
+                    </a:cubicBezTo>
+                    <a:cubicBezTo>
+                      <a:pt x="397404" y="5293"/>
+                      <a:pt x="420423" y="25137"/>
+                      <a:pt x="438150" y="28576"/>
+                    </a:cubicBezTo>
+                    <a:cubicBezTo>
+                      <a:pt x="455877" y="32015"/>
+                      <a:pt x="466857" y="28708"/>
+                      <a:pt x="477838" y="25401"/>
+                    </a:cubicBezTo>
+                  </a:path>
+                </a:pathLst>
+              </a:custGeom>
+              <a:noFill/>
+              <a:ln>
+                <a:solidFill>
+                  <a:schemeClr val="tx1"/>
+                </a:solidFill>
+              </a:ln>
+            </p:spPr>
+            <p:style>
+              <a:lnRef idx="2">
+                <a:schemeClr val="accent1">
+                  <a:shade val="50000"/>
+                </a:schemeClr>
+              </a:lnRef>
+              <a:fillRef idx="1">
+                <a:schemeClr val="accent1"/>
+              </a:fillRef>
+              <a:effectRef idx="0">
+                <a:schemeClr val="accent1"/>
+              </a:effectRef>
+              <a:fontRef idx="minor">
+                <a:schemeClr val="lt1"/>
+              </a:fontRef>
+            </p:style>
+            <p:txBody>
+              <a:bodyPr rtlCol="0" anchor="ctr"/>
+              <a:lstStyle/>
+              <a:p>
+                <a:pPr algn="ctr"/>
+                <a:endParaRPr lang="en-GB"/>
+              </a:p>
+            </p:txBody>
+          </p:sp>
+          <p:sp>
+            <p:nvSpPr>
+              <p:cNvPr id="32" name="Freeform: Shape 31">
+                <a:extLst>
+                  <a:ext uri="{FF2B5EF4-FFF2-40B4-BE49-F238E27FC236}">
+                    <a16:creationId xmlns:a16="http://schemas.microsoft.com/office/drawing/2014/main" id="{70BC1D23-E485-434F-A766-4B94515935A3}"/>
+                  </a:ext>
+                </a:extLst>
+              </p:cNvPr>
+              <p:cNvSpPr/>
+              <p:nvPr/>
+            </p:nvSpPr>
+            <p:spPr>
+              <a:xfrm>
+                <a:off x="6832600" y="2601560"/>
+                <a:ext cx="477838" cy="33339"/>
+              </a:xfrm>
+              <a:custGeom>
+                <a:avLst/>
+                <a:gdLst>
+                  <a:gd name="connsiteX0" fmla="*/ 0 w 477838"/>
+                  <a:gd name="connsiteY0" fmla="*/ 33339 h 33339"/>
+                  <a:gd name="connsiteX1" fmla="*/ 57150 w 477838"/>
+                  <a:gd name="connsiteY1" fmla="*/ 1 h 33339"/>
+                  <a:gd name="connsiteX2" fmla="*/ 134938 w 477838"/>
+                  <a:gd name="connsiteY2" fmla="*/ 31751 h 33339"/>
+                  <a:gd name="connsiteX3" fmla="*/ 228600 w 477838"/>
+                  <a:gd name="connsiteY3" fmla="*/ 7939 h 33339"/>
+                  <a:gd name="connsiteX4" fmla="*/ 282575 w 477838"/>
+                  <a:gd name="connsiteY4" fmla="*/ 25401 h 33339"/>
+                  <a:gd name="connsiteX5" fmla="*/ 371475 w 477838"/>
+                  <a:gd name="connsiteY5" fmla="*/ 4764 h 33339"/>
+                  <a:gd name="connsiteX6" fmla="*/ 438150 w 477838"/>
+                  <a:gd name="connsiteY6" fmla="*/ 28576 h 33339"/>
+                  <a:gd name="connsiteX7" fmla="*/ 477838 w 477838"/>
+                  <a:gd name="connsiteY7" fmla="*/ 25401 h 33339"/>
+                </a:gdLst>
+                <a:ahLst/>
+                <a:cxnLst>
+                  <a:cxn ang="0">
+                    <a:pos x="connsiteX0" y="connsiteY0"/>
+                  </a:cxn>
+                  <a:cxn ang="0">
+                    <a:pos x="connsiteX1" y="connsiteY1"/>
+                  </a:cxn>
+                  <a:cxn ang="0">
+                    <a:pos x="connsiteX2" y="connsiteY2"/>
+                  </a:cxn>
+                  <a:cxn ang="0">
+                    <a:pos x="connsiteX3" y="connsiteY3"/>
+                  </a:cxn>
+                  <a:cxn ang="0">
+                    <a:pos x="connsiteX4" y="connsiteY4"/>
+                  </a:cxn>
+                  <a:cxn ang="0">
+                    <a:pos x="connsiteX5" y="connsiteY5"/>
+                  </a:cxn>
+                  <a:cxn ang="0">
+                    <a:pos x="connsiteX6" y="connsiteY6"/>
+                  </a:cxn>
+                  <a:cxn ang="0">
+                    <a:pos x="connsiteX7" y="connsiteY7"/>
+                  </a:cxn>
+                </a:cxnLst>
+                <a:rect l="l" t="t" r="r" b="b"/>
+                <a:pathLst>
+                  <a:path w="477838" h="33339">
+                    <a:moveTo>
+                      <a:pt x="0" y="33339"/>
+                    </a:moveTo>
+                    <a:cubicBezTo>
+                      <a:pt x="17330" y="16802"/>
+                      <a:pt x="34660" y="266"/>
+                      <a:pt x="57150" y="1"/>
+                    </a:cubicBezTo>
+                    <a:cubicBezTo>
+                      <a:pt x="79640" y="-264"/>
+                      <a:pt x="106363" y="30428"/>
+                      <a:pt x="134938" y="31751"/>
+                    </a:cubicBezTo>
+                    <a:cubicBezTo>
+                      <a:pt x="163513" y="33074"/>
+                      <a:pt x="203994" y="8997"/>
+                      <a:pt x="228600" y="7939"/>
+                    </a:cubicBezTo>
+                    <a:cubicBezTo>
+                      <a:pt x="253206" y="6881"/>
+                      <a:pt x="258763" y="25930"/>
+                      <a:pt x="282575" y="25401"/>
+                    </a:cubicBezTo>
+                    <a:cubicBezTo>
+                      <a:pt x="306387" y="24872"/>
+                      <a:pt x="345546" y="4235"/>
+                      <a:pt x="371475" y="4764"/>
+                    </a:cubicBezTo>
+                    <a:cubicBezTo>
+                      <a:pt x="397404" y="5293"/>
+                      <a:pt x="420423" y="25137"/>
+                      <a:pt x="438150" y="28576"/>
+                    </a:cubicBezTo>
+                    <a:cubicBezTo>
+                      <a:pt x="455877" y="32015"/>
+                      <a:pt x="466857" y="28708"/>
+                      <a:pt x="477838" y="25401"/>
+                    </a:cubicBezTo>
+                  </a:path>
+                </a:pathLst>
+              </a:custGeom>
+              <a:noFill/>
+              <a:ln>
+                <a:solidFill>
+                  <a:schemeClr val="tx1"/>
+                </a:solidFill>
+              </a:ln>
+            </p:spPr>
+            <p:style>
+              <a:lnRef idx="2">
+                <a:schemeClr val="accent1">
+                  <a:shade val="50000"/>
+                </a:schemeClr>
+              </a:lnRef>
+              <a:fillRef idx="1">
+                <a:schemeClr val="accent1"/>
+              </a:fillRef>
+              <a:effectRef idx="0">
+                <a:schemeClr val="accent1"/>
+              </a:effectRef>
+              <a:fontRef idx="minor">
+                <a:schemeClr val="lt1"/>
+              </a:fontRef>
+            </p:style>
+            <p:txBody>
+              <a:bodyPr rtlCol="0" anchor="ctr"/>
+              <a:lstStyle/>
+              <a:p>
+                <a:pPr algn="ctr"/>
+                <a:endParaRPr lang="en-GB"/>
+              </a:p>
+            </p:txBody>
+          </p:sp>
+        </p:grpSp>
+        <p:sp>
+          <p:nvSpPr>
+            <p:cNvPr id="34" name="TextBox 33">
+              <a:extLst>
+                <a:ext uri="{FF2B5EF4-FFF2-40B4-BE49-F238E27FC236}">
+                  <a16:creationId xmlns:a16="http://schemas.microsoft.com/office/drawing/2014/main" id="{F6FCA975-9616-4147-946D-D632400BFE0E}"/>
+                </a:ext>
+              </a:extLst>
+            </p:cNvPr>
+            <p:cNvSpPr txBox="1"/>
+            <p:nvPr/>
+          </p:nvSpPr>
+          <p:spPr>
+            <a:xfrm>
+              <a:off x="5847990" y="2745290"/>
+              <a:ext cx="1121269" cy="307777"/>
+            </a:xfrm>
+            <a:prstGeom prst="rect">
+              <a:avLst/>
+            </a:prstGeom>
+            <a:noFill/>
+          </p:spPr>
+          <p:txBody>
+            <a:bodyPr wrap="none" rtlCol="0">
+              <a:spAutoFit/>
+            </a:bodyPr>
+            <a:lstStyle/>
+            <a:p>
+              <a:r>
+                <a:rPr lang="en-GB" sz="1400" dirty="0"/>
+                <a:t>Historic Data</a:t>
+              </a:r>
+            </a:p>
+          </p:txBody>
+        </p:sp>
+      </p:grpSp>
+      <p:sp>
+        <p:nvSpPr>
+          <p:cNvPr id="15" name="Arrow: Curved Down 14">
+            <a:extLst>
+              <a:ext uri="{FF2B5EF4-FFF2-40B4-BE49-F238E27FC236}">
+                <a16:creationId xmlns:a16="http://schemas.microsoft.com/office/drawing/2014/main" id="{9ABAAB4B-C1F6-45BB-A017-F74913B0F8DA}"/>
+              </a:ext>
+            </a:extLst>
+          </p:cNvPr>
+          <p:cNvSpPr/>
+          <p:nvPr/>
+        </p:nvSpPr>
+        <p:spPr>
+          <a:xfrm rot="794500" flipH="1">
+            <a:off x="1328986" y="1352478"/>
+            <a:ext cx="2231814" cy="646331"/>
+          </a:xfrm>
+          <a:prstGeom prst="curvedDownArrow">
+            <a:avLst>
+              <a:gd name="adj1" fmla="val 18413"/>
+              <a:gd name="adj2" fmla="val 78499"/>
+              <a:gd name="adj3" fmla="val 59338"/>
+            </a:avLst>
+          </a:prstGeom>
+        </p:spPr>
+        <p:style>
+          <a:lnRef idx="2">
+            <a:schemeClr val="accent1">
+              <a:shade val="50000"/>
+            </a:schemeClr>
+          </a:lnRef>
+          <a:fillRef idx="1">
+            <a:schemeClr val="accent1"/>
+          </a:fillRef>
+          <a:effectRef idx="0">
+            <a:schemeClr val="accent1"/>
+          </a:effectRef>
+          <a:fontRef idx="minor">
+            <a:schemeClr val="lt1"/>
+          </a:fontRef>
+        </p:style>
+        <p:txBody>
+          <a:bodyPr rtlCol="0" anchor="ctr"/>
+          <a:lstStyle/>
+          <a:p>
+            <a:pPr algn="ctr"/>
+            <a:endParaRPr lang="en-GB">
+              <a:solidFill>
+                <a:schemeClr val="tx1"/>
+              </a:solidFill>
+            </a:endParaRPr>
+          </a:p>
+        </p:txBody>
+      </p:sp>
+      <p:sp>
+        <p:nvSpPr>
+          <p:cNvPr id="17" name="Arrow: Curved Down 16">
+            <a:extLst>
+              <a:ext uri="{FF2B5EF4-FFF2-40B4-BE49-F238E27FC236}">
+                <a16:creationId xmlns:a16="http://schemas.microsoft.com/office/drawing/2014/main" id="{C9300CCF-EAAE-4794-AAEF-79A865C9D1FF}"/>
+              </a:ext>
+            </a:extLst>
+          </p:cNvPr>
+          <p:cNvSpPr/>
+          <p:nvPr/>
+        </p:nvSpPr>
+        <p:spPr>
+          <a:xfrm rot="1018918" flipV="1">
+            <a:off x="354396" y="2474320"/>
+            <a:ext cx="2437935" cy="749211"/>
+          </a:xfrm>
+          <a:prstGeom prst="curvedDownArrow">
+            <a:avLst>
+              <a:gd name="adj1" fmla="val 14226"/>
+              <a:gd name="adj2" fmla="val 36890"/>
+              <a:gd name="adj3" fmla="val 42350"/>
+            </a:avLst>
+          </a:prstGeom>
+        </p:spPr>
+        <p:style>
+          <a:lnRef idx="2">
+            <a:schemeClr val="accent1">
+              <a:shade val="50000"/>
+            </a:schemeClr>
+          </a:lnRef>
+          <a:fillRef idx="1">
+            <a:schemeClr val="accent1"/>
+          </a:fillRef>
+          <a:effectRef idx="0">
+            <a:schemeClr val="accent1"/>
+          </a:effectRef>
+          <a:fontRef idx="minor">
+            <a:schemeClr val="lt1"/>
+          </a:fontRef>
+        </p:style>
+        <p:txBody>
+          <a:bodyPr rtlCol="0" anchor="ctr"/>
+          <a:lstStyle/>
+          <a:p>
+            <a:pPr algn="ctr"/>
+            <a:endParaRPr lang="en-GB">
+              <a:solidFill>
+                <a:schemeClr val="tx1"/>
+              </a:solidFill>
+            </a:endParaRPr>
+          </a:p>
+        </p:txBody>
+      </p:sp>
+      <p:grpSp>
+        <p:nvGrpSpPr>
+          <p:cNvPr id="49" name="Group 48">
+            <a:extLst>
+              <a:ext uri="{FF2B5EF4-FFF2-40B4-BE49-F238E27FC236}">
+                <a16:creationId xmlns:a16="http://schemas.microsoft.com/office/drawing/2014/main" id="{4BB14D87-ABCD-46C5-92CC-904E3BFFEF6A}"/>
+              </a:ext>
+            </a:extLst>
+          </p:cNvPr>
+          <p:cNvGrpSpPr/>
+          <p:nvPr/>
+        </p:nvGrpSpPr>
+        <p:grpSpPr>
+          <a:xfrm>
+            <a:off x="5952799" y="3416546"/>
+            <a:ext cx="1311769" cy="1042789"/>
+            <a:chOff x="5186133" y="4170557"/>
+            <a:chExt cx="1311769" cy="1042789"/>
+          </a:xfrm>
+        </p:grpSpPr>
+        <p:grpSp>
+          <p:nvGrpSpPr>
+            <p:cNvPr id="38" name="Group 37">
+              <a:extLst>
+                <a:ext uri="{FF2B5EF4-FFF2-40B4-BE49-F238E27FC236}">
+                  <a16:creationId xmlns:a16="http://schemas.microsoft.com/office/drawing/2014/main" id="{8AC76925-4547-42B9-9448-92B485C4F209}"/>
+                </a:ext>
+              </a:extLst>
+            </p:cNvPr>
+            <p:cNvGrpSpPr/>
+            <p:nvPr/>
+          </p:nvGrpSpPr>
+          <p:grpSpPr>
+            <a:xfrm>
+              <a:off x="5521854" y="4170557"/>
+              <a:ext cx="567266" cy="728133"/>
+              <a:chOff x="6790267" y="2015067"/>
+              <a:chExt cx="567266" cy="728133"/>
+            </a:xfrm>
+          </p:grpSpPr>
+          <p:sp>
+            <p:nvSpPr>
+              <p:cNvPr id="39" name="Rectangle 38">
+                <a:extLst>
+                  <a:ext uri="{FF2B5EF4-FFF2-40B4-BE49-F238E27FC236}">
+                    <a16:creationId xmlns:a16="http://schemas.microsoft.com/office/drawing/2014/main" id="{543464C7-6C03-4F2B-899E-6BFCF6DE34C1}"/>
+                  </a:ext>
+                </a:extLst>
+              </p:cNvPr>
+              <p:cNvSpPr/>
+              <p:nvPr/>
+            </p:nvSpPr>
+            <p:spPr>
+              <a:xfrm>
+                <a:off x="6790267" y="2015067"/>
+                <a:ext cx="567266" cy="728133"/>
+              </a:xfrm>
+              <a:prstGeom prst="rect">
+                <a:avLst/>
+              </a:prstGeom>
+              <a:noFill/>
+              <a:ln>
+                <a:solidFill>
+                  <a:schemeClr val="tx1"/>
+                </a:solidFill>
+              </a:ln>
+            </p:spPr>
+            <p:style>
+              <a:lnRef idx="2">
+                <a:schemeClr val="accent1">
+                  <a:shade val="50000"/>
+                </a:schemeClr>
+              </a:lnRef>
+              <a:fillRef idx="1">
+                <a:schemeClr val="accent1"/>
+              </a:fillRef>
+              <a:effectRef idx="0">
+                <a:schemeClr val="accent1"/>
+              </a:effectRef>
+              <a:fontRef idx="minor">
+                <a:schemeClr val="lt1"/>
+              </a:fontRef>
+            </p:style>
+            <p:txBody>
+              <a:bodyPr rtlCol="0" anchor="ctr"/>
+              <a:lstStyle/>
+              <a:p>
+                <a:pPr algn="ctr"/>
+                <a:endParaRPr lang="en-GB">
+                  <a:ln>
+                    <a:solidFill>
+                      <a:sysClr val="windowText" lastClr="000000"/>
+                    </a:solidFill>
+                  </a:ln>
+                </a:endParaRPr>
+              </a:p>
+            </p:txBody>
+          </p:sp>
+          <p:sp>
+            <p:nvSpPr>
+              <p:cNvPr id="40" name="Freeform: Shape 39">
+                <a:extLst>
+                  <a:ext uri="{FF2B5EF4-FFF2-40B4-BE49-F238E27FC236}">
+                    <a16:creationId xmlns:a16="http://schemas.microsoft.com/office/drawing/2014/main" id="{9317272B-6DE7-4412-98E6-436BD4BD4005}"/>
+                  </a:ext>
+                </a:extLst>
+              </p:cNvPr>
+              <p:cNvSpPr/>
+              <p:nvPr/>
+            </p:nvSpPr>
+            <p:spPr>
+              <a:xfrm>
+                <a:off x="6832600" y="2098674"/>
+                <a:ext cx="477838" cy="33339"/>
+              </a:xfrm>
+              <a:custGeom>
+                <a:avLst/>
+                <a:gdLst>
+                  <a:gd name="connsiteX0" fmla="*/ 0 w 477838"/>
+                  <a:gd name="connsiteY0" fmla="*/ 33339 h 33339"/>
+                  <a:gd name="connsiteX1" fmla="*/ 57150 w 477838"/>
+                  <a:gd name="connsiteY1" fmla="*/ 1 h 33339"/>
+                  <a:gd name="connsiteX2" fmla="*/ 134938 w 477838"/>
+                  <a:gd name="connsiteY2" fmla="*/ 31751 h 33339"/>
+                  <a:gd name="connsiteX3" fmla="*/ 228600 w 477838"/>
+                  <a:gd name="connsiteY3" fmla="*/ 7939 h 33339"/>
+                  <a:gd name="connsiteX4" fmla="*/ 282575 w 477838"/>
+                  <a:gd name="connsiteY4" fmla="*/ 25401 h 33339"/>
+                  <a:gd name="connsiteX5" fmla="*/ 371475 w 477838"/>
+                  <a:gd name="connsiteY5" fmla="*/ 4764 h 33339"/>
+                  <a:gd name="connsiteX6" fmla="*/ 438150 w 477838"/>
+                  <a:gd name="connsiteY6" fmla="*/ 28576 h 33339"/>
+                  <a:gd name="connsiteX7" fmla="*/ 477838 w 477838"/>
+                  <a:gd name="connsiteY7" fmla="*/ 25401 h 33339"/>
+                </a:gdLst>
+                <a:ahLst/>
+                <a:cxnLst>
+                  <a:cxn ang="0">
+                    <a:pos x="connsiteX0" y="connsiteY0"/>
+                  </a:cxn>
+                  <a:cxn ang="0">
+                    <a:pos x="connsiteX1" y="connsiteY1"/>
+                  </a:cxn>
+                  <a:cxn ang="0">
+                    <a:pos x="connsiteX2" y="connsiteY2"/>
+                  </a:cxn>
+                  <a:cxn ang="0">
+                    <a:pos x="connsiteX3" y="connsiteY3"/>
+                  </a:cxn>
+                  <a:cxn ang="0">
+                    <a:pos x="connsiteX4" y="connsiteY4"/>
+                  </a:cxn>
+                  <a:cxn ang="0">
+                    <a:pos x="connsiteX5" y="connsiteY5"/>
+                  </a:cxn>
+                  <a:cxn ang="0">
+                    <a:pos x="connsiteX6" y="connsiteY6"/>
+                  </a:cxn>
+                  <a:cxn ang="0">
+                    <a:pos x="connsiteX7" y="connsiteY7"/>
+                  </a:cxn>
+                </a:cxnLst>
+                <a:rect l="l" t="t" r="r" b="b"/>
+                <a:pathLst>
+                  <a:path w="477838" h="33339">
+                    <a:moveTo>
+                      <a:pt x="0" y="33339"/>
+                    </a:moveTo>
+                    <a:cubicBezTo>
+                      <a:pt x="17330" y="16802"/>
+                      <a:pt x="34660" y="266"/>
+                      <a:pt x="57150" y="1"/>
+                    </a:cubicBezTo>
+                    <a:cubicBezTo>
+                      <a:pt x="79640" y="-264"/>
+                      <a:pt x="106363" y="30428"/>
+                      <a:pt x="134938" y="31751"/>
+                    </a:cubicBezTo>
+                    <a:cubicBezTo>
+                      <a:pt x="163513" y="33074"/>
+                      <a:pt x="203994" y="8997"/>
+                      <a:pt x="228600" y="7939"/>
+                    </a:cubicBezTo>
+                    <a:cubicBezTo>
+                      <a:pt x="253206" y="6881"/>
+                      <a:pt x="258763" y="25930"/>
+                      <a:pt x="282575" y="25401"/>
+                    </a:cubicBezTo>
+                    <a:cubicBezTo>
+                      <a:pt x="306387" y="24872"/>
+                      <a:pt x="345546" y="4235"/>
+                      <a:pt x="371475" y="4764"/>
+                    </a:cubicBezTo>
+                    <a:cubicBezTo>
+                      <a:pt x="397404" y="5293"/>
+                      <a:pt x="420423" y="25137"/>
+                      <a:pt x="438150" y="28576"/>
+                    </a:cubicBezTo>
+                    <a:cubicBezTo>
+                      <a:pt x="455877" y="32015"/>
+                      <a:pt x="466857" y="28708"/>
+                      <a:pt x="477838" y="25401"/>
+                    </a:cubicBezTo>
+                  </a:path>
+                </a:pathLst>
+              </a:custGeom>
+              <a:noFill/>
+              <a:ln>
+                <a:solidFill>
+                  <a:schemeClr val="tx1"/>
+                </a:solidFill>
+              </a:ln>
+            </p:spPr>
+            <p:style>
+              <a:lnRef idx="2">
+                <a:schemeClr val="accent1">
+                  <a:shade val="50000"/>
+                </a:schemeClr>
+              </a:lnRef>
+              <a:fillRef idx="1">
+                <a:schemeClr val="accent1"/>
+              </a:fillRef>
+              <a:effectRef idx="0">
+                <a:schemeClr val="accent1"/>
+              </a:effectRef>
+              <a:fontRef idx="minor">
+                <a:schemeClr val="lt1"/>
+              </a:fontRef>
+            </p:style>
+            <p:txBody>
+              <a:bodyPr rtlCol="0" anchor="ctr"/>
+              <a:lstStyle/>
+              <a:p>
+                <a:pPr algn="ctr"/>
+                <a:endParaRPr lang="en-GB"/>
+              </a:p>
+            </p:txBody>
+          </p:sp>
+          <p:sp>
+            <p:nvSpPr>
+              <p:cNvPr id="41" name="Freeform: Shape 40">
+                <a:extLst>
+                  <a:ext uri="{FF2B5EF4-FFF2-40B4-BE49-F238E27FC236}">
+                    <a16:creationId xmlns:a16="http://schemas.microsoft.com/office/drawing/2014/main" id="{17EBEB10-BF28-4E55-8698-0DDB33703C6A}"/>
+                  </a:ext>
+                </a:extLst>
+              </p:cNvPr>
+              <p:cNvSpPr/>
+              <p:nvPr/>
+            </p:nvSpPr>
+            <p:spPr>
+              <a:xfrm>
+                <a:off x="6832600" y="2170461"/>
+                <a:ext cx="477838" cy="33339"/>
+              </a:xfrm>
+              <a:custGeom>
+                <a:avLst/>
+                <a:gdLst>
+                  <a:gd name="connsiteX0" fmla="*/ 0 w 477838"/>
+                  <a:gd name="connsiteY0" fmla="*/ 33339 h 33339"/>
+                  <a:gd name="connsiteX1" fmla="*/ 57150 w 477838"/>
+                  <a:gd name="connsiteY1" fmla="*/ 1 h 33339"/>
+                  <a:gd name="connsiteX2" fmla="*/ 134938 w 477838"/>
+                  <a:gd name="connsiteY2" fmla="*/ 31751 h 33339"/>
+                  <a:gd name="connsiteX3" fmla="*/ 228600 w 477838"/>
+                  <a:gd name="connsiteY3" fmla="*/ 7939 h 33339"/>
+                  <a:gd name="connsiteX4" fmla="*/ 282575 w 477838"/>
+                  <a:gd name="connsiteY4" fmla="*/ 25401 h 33339"/>
+                  <a:gd name="connsiteX5" fmla="*/ 371475 w 477838"/>
+                  <a:gd name="connsiteY5" fmla="*/ 4764 h 33339"/>
+                  <a:gd name="connsiteX6" fmla="*/ 438150 w 477838"/>
+                  <a:gd name="connsiteY6" fmla="*/ 28576 h 33339"/>
+                  <a:gd name="connsiteX7" fmla="*/ 477838 w 477838"/>
+                  <a:gd name="connsiteY7" fmla="*/ 25401 h 33339"/>
+                </a:gdLst>
+                <a:ahLst/>
+                <a:cxnLst>
+                  <a:cxn ang="0">
+                    <a:pos x="connsiteX0" y="connsiteY0"/>
+                  </a:cxn>
+                  <a:cxn ang="0">
+                    <a:pos x="connsiteX1" y="connsiteY1"/>
+                  </a:cxn>
+                  <a:cxn ang="0">
+                    <a:pos x="connsiteX2" y="connsiteY2"/>
+                  </a:cxn>
+                  <a:cxn ang="0">
+                    <a:pos x="connsiteX3" y="connsiteY3"/>
+                  </a:cxn>
+                  <a:cxn ang="0">
+                    <a:pos x="connsiteX4" y="connsiteY4"/>
+                  </a:cxn>
+                  <a:cxn ang="0">
+                    <a:pos x="connsiteX5" y="connsiteY5"/>
+                  </a:cxn>
+                  <a:cxn ang="0">
+                    <a:pos x="connsiteX6" y="connsiteY6"/>
+                  </a:cxn>
+                  <a:cxn ang="0">
+                    <a:pos x="connsiteX7" y="connsiteY7"/>
+                  </a:cxn>
+                </a:cxnLst>
+                <a:rect l="l" t="t" r="r" b="b"/>
+                <a:pathLst>
+                  <a:path w="477838" h="33339">
+                    <a:moveTo>
+                      <a:pt x="0" y="33339"/>
+                    </a:moveTo>
+                    <a:cubicBezTo>
+                      <a:pt x="17330" y="16802"/>
+                      <a:pt x="34660" y="266"/>
+                      <a:pt x="57150" y="1"/>
+                    </a:cubicBezTo>
+                    <a:cubicBezTo>
+                      <a:pt x="79640" y="-264"/>
+                      <a:pt x="106363" y="30428"/>
+                      <a:pt x="134938" y="31751"/>
+                    </a:cubicBezTo>
+                    <a:cubicBezTo>
+                      <a:pt x="163513" y="33074"/>
+                      <a:pt x="203994" y="8997"/>
+                      <a:pt x="228600" y="7939"/>
+                    </a:cubicBezTo>
+                    <a:cubicBezTo>
+                      <a:pt x="253206" y="6881"/>
+                      <a:pt x="258763" y="25930"/>
+                      <a:pt x="282575" y="25401"/>
+                    </a:cubicBezTo>
+                    <a:cubicBezTo>
+                      <a:pt x="306387" y="24872"/>
+                      <a:pt x="345546" y="4235"/>
+                      <a:pt x="371475" y="4764"/>
+                    </a:cubicBezTo>
+                    <a:cubicBezTo>
+                      <a:pt x="397404" y="5293"/>
+                      <a:pt x="420423" y="25137"/>
+                      <a:pt x="438150" y="28576"/>
+                    </a:cubicBezTo>
+                    <a:cubicBezTo>
+                      <a:pt x="455877" y="32015"/>
+                      <a:pt x="466857" y="28708"/>
+                      <a:pt x="477838" y="25401"/>
+                    </a:cubicBezTo>
+                  </a:path>
+                </a:pathLst>
+              </a:custGeom>
+              <a:noFill/>
+              <a:ln>
+                <a:solidFill>
+                  <a:schemeClr val="tx1"/>
+                </a:solidFill>
+              </a:ln>
+            </p:spPr>
+            <p:style>
+              <a:lnRef idx="2">
+                <a:schemeClr val="accent1">
+                  <a:shade val="50000"/>
+                </a:schemeClr>
+              </a:lnRef>
+              <a:fillRef idx="1">
+                <a:schemeClr val="accent1"/>
+              </a:fillRef>
+              <a:effectRef idx="0">
+                <a:schemeClr val="accent1"/>
+              </a:effectRef>
+              <a:fontRef idx="minor">
+                <a:schemeClr val="lt1"/>
+              </a:fontRef>
+            </p:style>
+            <p:txBody>
+              <a:bodyPr rtlCol="0" anchor="ctr"/>
+              <a:lstStyle/>
+              <a:p>
+                <a:pPr algn="ctr"/>
+                <a:endParaRPr lang="en-GB"/>
+              </a:p>
+            </p:txBody>
+          </p:sp>
+          <p:sp>
+            <p:nvSpPr>
+              <p:cNvPr id="42" name="Freeform: Shape 41">
+                <a:extLst>
+                  <a:ext uri="{FF2B5EF4-FFF2-40B4-BE49-F238E27FC236}">
+                    <a16:creationId xmlns:a16="http://schemas.microsoft.com/office/drawing/2014/main" id="{8EC416A8-7A4C-4635-B725-09C8AD66F8D7}"/>
+                  </a:ext>
+                </a:extLst>
+              </p:cNvPr>
+              <p:cNvSpPr/>
+              <p:nvPr/>
+            </p:nvSpPr>
+            <p:spPr>
+              <a:xfrm>
+                <a:off x="6832600" y="2244024"/>
+                <a:ext cx="477838" cy="33339"/>
+              </a:xfrm>
+              <a:custGeom>
+                <a:avLst/>
+                <a:gdLst>
+                  <a:gd name="connsiteX0" fmla="*/ 0 w 477838"/>
+                  <a:gd name="connsiteY0" fmla="*/ 33339 h 33339"/>
+                  <a:gd name="connsiteX1" fmla="*/ 57150 w 477838"/>
+                  <a:gd name="connsiteY1" fmla="*/ 1 h 33339"/>
+                  <a:gd name="connsiteX2" fmla="*/ 134938 w 477838"/>
+                  <a:gd name="connsiteY2" fmla="*/ 31751 h 33339"/>
+                  <a:gd name="connsiteX3" fmla="*/ 228600 w 477838"/>
+                  <a:gd name="connsiteY3" fmla="*/ 7939 h 33339"/>
+                  <a:gd name="connsiteX4" fmla="*/ 282575 w 477838"/>
+                  <a:gd name="connsiteY4" fmla="*/ 25401 h 33339"/>
+                  <a:gd name="connsiteX5" fmla="*/ 371475 w 477838"/>
+                  <a:gd name="connsiteY5" fmla="*/ 4764 h 33339"/>
+                  <a:gd name="connsiteX6" fmla="*/ 438150 w 477838"/>
+                  <a:gd name="connsiteY6" fmla="*/ 28576 h 33339"/>
+                  <a:gd name="connsiteX7" fmla="*/ 477838 w 477838"/>
+                  <a:gd name="connsiteY7" fmla="*/ 25401 h 33339"/>
+                </a:gdLst>
+                <a:ahLst/>
+                <a:cxnLst>
+                  <a:cxn ang="0">
+                    <a:pos x="connsiteX0" y="connsiteY0"/>
+                  </a:cxn>
+                  <a:cxn ang="0">
+                    <a:pos x="connsiteX1" y="connsiteY1"/>
+                  </a:cxn>
+                  <a:cxn ang="0">
+                    <a:pos x="connsiteX2" y="connsiteY2"/>
+                  </a:cxn>
+                  <a:cxn ang="0">
+                    <a:pos x="connsiteX3" y="connsiteY3"/>
+                  </a:cxn>
+                  <a:cxn ang="0">
+                    <a:pos x="connsiteX4" y="connsiteY4"/>
+                  </a:cxn>
+                  <a:cxn ang="0">
+                    <a:pos x="connsiteX5" y="connsiteY5"/>
+                  </a:cxn>
+                  <a:cxn ang="0">
+                    <a:pos x="connsiteX6" y="connsiteY6"/>
+                  </a:cxn>
+                  <a:cxn ang="0">
+                    <a:pos x="connsiteX7" y="connsiteY7"/>
+                  </a:cxn>
+                </a:cxnLst>
+                <a:rect l="l" t="t" r="r" b="b"/>
+                <a:pathLst>
+                  <a:path w="477838" h="33339">
+                    <a:moveTo>
+                      <a:pt x="0" y="33339"/>
+                    </a:moveTo>
+                    <a:cubicBezTo>
+                      <a:pt x="17330" y="16802"/>
+                      <a:pt x="34660" y="266"/>
+                      <a:pt x="57150" y="1"/>
+                    </a:cubicBezTo>
+                    <a:cubicBezTo>
+                      <a:pt x="79640" y="-264"/>
+                      <a:pt x="106363" y="30428"/>
+                      <a:pt x="134938" y="31751"/>
+                    </a:cubicBezTo>
+                    <a:cubicBezTo>
+                      <a:pt x="163513" y="33074"/>
+                      <a:pt x="203994" y="8997"/>
+                      <a:pt x="228600" y="7939"/>
+                    </a:cubicBezTo>
+                    <a:cubicBezTo>
+                      <a:pt x="253206" y="6881"/>
+                      <a:pt x="258763" y="25930"/>
+                      <a:pt x="282575" y="25401"/>
+                    </a:cubicBezTo>
+                    <a:cubicBezTo>
+                      <a:pt x="306387" y="24872"/>
+                      <a:pt x="345546" y="4235"/>
+                      <a:pt x="371475" y="4764"/>
+                    </a:cubicBezTo>
+                    <a:cubicBezTo>
+                      <a:pt x="397404" y="5293"/>
+                      <a:pt x="420423" y="25137"/>
+                      <a:pt x="438150" y="28576"/>
+                    </a:cubicBezTo>
+                    <a:cubicBezTo>
+                      <a:pt x="455877" y="32015"/>
+                      <a:pt x="466857" y="28708"/>
+                      <a:pt x="477838" y="25401"/>
+                    </a:cubicBezTo>
+                  </a:path>
+                </a:pathLst>
+              </a:custGeom>
+              <a:noFill/>
+              <a:ln>
+                <a:solidFill>
+                  <a:schemeClr val="tx1"/>
+                </a:solidFill>
+              </a:ln>
+            </p:spPr>
+            <p:style>
+              <a:lnRef idx="2">
+                <a:schemeClr val="accent1">
+                  <a:shade val="50000"/>
+                </a:schemeClr>
+              </a:lnRef>
+              <a:fillRef idx="1">
+                <a:schemeClr val="accent1"/>
+              </a:fillRef>
+              <a:effectRef idx="0">
+                <a:schemeClr val="accent1"/>
+              </a:effectRef>
+              <a:fontRef idx="minor">
+                <a:schemeClr val="lt1"/>
+              </a:fontRef>
+            </p:style>
+            <p:txBody>
+              <a:bodyPr rtlCol="0" anchor="ctr"/>
+              <a:lstStyle/>
+              <a:p>
+                <a:pPr algn="ctr"/>
+                <a:endParaRPr lang="en-GB"/>
+              </a:p>
+            </p:txBody>
+          </p:sp>
+          <p:sp>
+            <p:nvSpPr>
+              <p:cNvPr id="43" name="Freeform: Shape 42">
+                <a:extLst>
+                  <a:ext uri="{FF2B5EF4-FFF2-40B4-BE49-F238E27FC236}">
+                    <a16:creationId xmlns:a16="http://schemas.microsoft.com/office/drawing/2014/main" id="{5070D161-3634-47BF-8FE2-37EE1FC98436}"/>
+                  </a:ext>
+                </a:extLst>
+              </p:cNvPr>
+              <p:cNvSpPr/>
+              <p:nvPr/>
+            </p:nvSpPr>
+            <p:spPr>
+              <a:xfrm>
+                <a:off x="6832600" y="2315811"/>
+                <a:ext cx="477838" cy="33339"/>
+              </a:xfrm>
+              <a:custGeom>
+                <a:avLst/>
+                <a:gdLst>
+                  <a:gd name="connsiteX0" fmla="*/ 0 w 477838"/>
+                  <a:gd name="connsiteY0" fmla="*/ 33339 h 33339"/>
+                  <a:gd name="connsiteX1" fmla="*/ 57150 w 477838"/>
+                  <a:gd name="connsiteY1" fmla="*/ 1 h 33339"/>
+                  <a:gd name="connsiteX2" fmla="*/ 134938 w 477838"/>
+                  <a:gd name="connsiteY2" fmla="*/ 31751 h 33339"/>
+                  <a:gd name="connsiteX3" fmla="*/ 228600 w 477838"/>
+                  <a:gd name="connsiteY3" fmla="*/ 7939 h 33339"/>
+                  <a:gd name="connsiteX4" fmla="*/ 282575 w 477838"/>
+                  <a:gd name="connsiteY4" fmla="*/ 25401 h 33339"/>
+                  <a:gd name="connsiteX5" fmla="*/ 371475 w 477838"/>
+                  <a:gd name="connsiteY5" fmla="*/ 4764 h 33339"/>
+                  <a:gd name="connsiteX6" fmla="*/ 438150 w 477838"/>
+                  <a:gd name="connsiteY6" fmla="*/ 28576 h 33339"/>
+                  <a:gd name="connsiteX7" fmla="*/ 477838 w 477838"/>
+                  <a:gd name="connsiteY7" fmla="*/ 25401 h 33339"/>
+                </a:gdLst>
+                <a:ahLst/>
+                <a:cxnLst>
+                  <a:cxn ang="0">
+                    <a:pos x="connsiteX0" y="connsiteY0"/>
+                  </a:cxn>
+                  <a:cxn ang="0">
+                    <a:pos x="connsiteX1" y="connsiteY1"/>
+                  </a:cxn>
+                  <a:cxn ang="0">
+                    <a:pos x="connsiteX2" y="connsiteY2"/>
+                  </a:cxn>
+                  <a:cxn ang="0">
+                    <a:pos x="connsiteX3" y="connsiteY3"/>
+                  </a:cxn>
+                  <a:cxn ang="0">
+                    <a:pos x="connsiteX4" y="connsiteY4"/>
+                  </a:cxn>
+                  <a:cxn ang="0">
+                    <a:pos x="connsiteX5" y="connsiteY5"/>
+                  </a:cxn>
+                  <a:cxn ang="0">
+                    <a:pos x="connsiteX6" y="connsiteY6"/>
+                  </a:cxn>
+                  <a:cxn ang="0">
+                    <a:pos x="connsiteX7" y="connsiteY7"/>
+                  </a:cxn>
+                </a:cxnLst>
+                <a:rect l="l" t="t" r="r" b="b"/>
+                <a:pathLst>
+                  <a:path w="477838" h="33339">
+                    <a:moveTo>
+                      <a:pt x="0" y="33339"/>
+                    </a:moveTo>
+                    <a:cubicBezTo>
+                      <a:pt x="17330" y="16802"/>
+                      <a:pt x="34660" y="266"/>
+                      <a:pt x="57150" y="1"/>
+                    </a:cubicBezTo>
+                    <a:cubicBezTo>
+                      <a:pt x="79640" y="-264"/>
+                      <a:pt x="106363" y="30428"/>
+                      <a:pt x="134938" y="31751"/>
+                    </a:cubicBezTo>
+                    <a:cubicBezTo>
+                      <a:pt x="163513" y="33074"/>
+                      <a:pt x="203994" y="8997"/>
+                      <a:pt x="228600" y="7939"/>
+                    </a:cubicBezTo>
+                    <a:cubicBezTo>
+                      <a:pt x="253206" y="6881"/>
+                      <a:pt x="258763" y="25930"/>
+                      <a:pt x="282575" y="25401"/>
+                    </a:cubicBezTo>
+                    <a:cubicBezTo>
+                      <a:pt x="306387" y="24872"/>
+                      <a:pt x="345546" y="4235"/>
+                      <a:pt x="371475" y="4764"/>
+                    </a:cubicBezTo>
+                    <a:cubicBezTo>
+                      <a:pt x="397404" y="5293"/>
+                      <a:pt x="420423" y="25137"/>
+                      <a:pt x="438150" y="28576"/>
+                    </a:cubicBezTo>
+                    <a:cubicBezTo>
+                      <a:pt x="455877" y="32015"/>
+                      <a:pt x="466857" y="28708"/>
+                      <a:pt x="477838" y="25401"/>
+                    </a:cubicBezTo>
+                  </a:path>
+                </a:pathLst>
+              </a:custGeom>
+              <a:noFill/>
+              <a:ln>
+                <a:solidFill>
+                  <a:schemeClr val="tx1"/>
+                </a:solidFill>
+              </a:ln>
+            </p:spPr>
+            <p:style>
+              <a:lnRef idx="2">
+                <a:schemeClr val="accent1">
+                  <a:shade val="50000"/>
+                </a:schemeClr>
+              </a:lnRef>
+              <a:fillRef idx="1">
+                <a:schemeClr val="accent1"/>
+              </a:fillRef>
+              <a:effectRef idx="0">
+                <a:schemeClr val="accent1"/>
+              </a:effectRef>
+              <a:fontRef idx="minor">
+                <a:schemeClr val="lt1"/>
+              </a:fontRef>
+            </p:style>
+            <p:txBody>
+              <a:bodyPr rtlCol="0" anchor="ctr"/>
+              <a:lstStyle/>
+              <a:p>
+                <a:pPr algn="ctr"/>
+                <a:endParaRPr lang="en-GB"/>
+              </a:p>
+            </p:txBody>
+          </p:sp>
+          <p:sp>
+            <p:nvSpPr>
+              <p:cNvPr id="44" name="Freeform: Shape 43">
+                <a:extLst>
+                  <a:ext uri="{FF2B5EF4-FFF2-40B4-BE49-F238E27FC236}">
+                    <a16:creationId xmlns:a16="http://schemas.microsoft.com/office/drawing/2014/main" id="{B53A4B28-3BEA-4DBC-A9E1-A9BA4328C396}"/>
+                  </a:ext>
+                </a:extLst>
+              </p:cNvPr>
+              <p:cNvSpPr/>
+              <p:nvPr/>
+            </p:nvSpPr>
+            <p:spPr>
+              <a:xfrm>
+                <a:off x="6832600" y="2384423"/>
+                <a:ext cx="477838" cy="33339"/>
+              </a:xfrm>
+              <a:custGeom>
+                <a:avLst/>
+                <a:gdLst>
+                  <a:gd name="connsiteX0" fmla="*/ 0 w 477838"/>
+                  <a:gd name="connsiteY0" fmla="*/ 33339 h 33339"/>
+                  <a:gd name="connsiteX1" fmla="*/ 57150 w 477838"/>
+                  <a:gd name="connsiteY1" fmla="*/ 1 h 33339"/>
+                  <a:gd name="connsiteX2" fmla="*/ 134938 w 477838"/>
+                  <a:gd name="connsiteY2" fmla="*/ 31751 h 33339"/>
+                  <a:gd name="connsiteX3" fmla="*/ 228600 w 477838"/>
+                  <a:gd name="connsiteY3" fmla="*/ 7939 h 33339"/>
+                  <a:gd name="connsiteX4" fmla="*/ 282575 w 477838"/>
+                  <a:gd name="connsiteY4" fmla="*/ 25401 h 33339"/>
+                  <a:gd name="connsiteX5" fmla="*/ 371475 w 477838"/>
+                  <a:gd name="connsiteY5" fmla="*/ 4764 h 33339"/>
+                  <a:gd name="connsiteX6" fmla="*/ 438150 w 477838"/>
+                  <a:gd name="connsiteY6" fmla="*/ 28576 h 33339"/>
+                  <a:gd name="connsiteX7" fmla="*/ 477838 w 477838"/>
+                  <a:gd name="connsiteY7" fmla="*/ 25401 h 33339"/>
+                </a:gdLst>
+                <a:ahLst/>
+                <a:cxnLst>
+                  <a:cxn ang="0">
+                    <a:pos x="connsiteX0" y="connsiteY0"/>
+                  </a:cxn>
+                  <a:cxn ang="0">
+                    <a:pos x="connsiteX1" y="connsiteY1"/>
+                  </a:cxn>
+                  <a:cxn ang="0">
+                    <a:pos x="connsiteX2" y="connsiteY2"/>
+                  </a:cxn>
+                  <a:cxn ang="0">
+                    <a:pos x="connsiteX3" y="connsiteY3"/>
+                  </a:cxn>
+                  <a:cxn ang="0">
+                    <a:pos x="connsiteX4" y="connsiteY4"/>
+                  </a:cxn>
+                  <a:cxn ang="0">
+                    <a:pos x="connsiteX5" y="connsiteY5"/>
+                  </a:cxn>
+                  <a:cxn ang="0">
+                    <a:pos x="connsiteX6" y="connsiteY6"/>
+                  </a:cxn>
+                  <a:cxn ang="0">
+                    <a:pos x="connsiteX7" y="connsiteY7"/>
+                  </a:cxn>
+                </a:cxnLst>
+                <a:rect l="l" t="t" r="r" b="b"/>
+                <a:pathLst>
+                  <a:path w="477838" h="33339">
+                    <a:moveTo>
+                      <a:pt x="0" y="33339"/>
+                    </a:moveTo>
+                    <a:cubicBezTo>
+                      <a:pt x="17330" y="16802"/>
+                      <a:pt x="34660" y="266"/>
+                      <a:pt x="57150" y="1"/>
+                    </a:cubicBezTo>
+                    <a:cubicBezTo>
+                      <a:pt x="79640" y="-264"/>
+                      <a:pt x="106363" y="30428"/>
+                      <a:pt x="134938" y="31751"/>
+                    </a:cubicBezTo>
+                    <a:cubicBezTo>
+                      <a:pt x="163513" y="33074"/>
+                      <a:pt x="203994" y="8997"/>
+                      <a:pt x="228600" y="7939"/>
+                    </a:cubicBezTo>
+                    <a:cubicBezTo>
+                      <a:pt x="253206" y="6881"/>
+                      <a:pt x="258763" y="25930"/>
+                      <a:pt x="282575" y="25401"/>
+                    </a:cubicBezTo>
+                    <a:cubicBezTo>
+                      <a:pt x="306387" y="24872"/>
+                      <a:pt x="345546" y="4235"/>
+                      <a:pt x="371475" y="4764"/>
+                    </a:cubicBezTo>
+                    <a:cubicBezTo>
+                      <a:pt x="397404" y="5293"/>
+                      <a:pt x="420423" y="25137"/>
+                      <a:pt x="438150" y="28576"/>
+                    </a:cubicBezTo>
+                    <a:cubicBezTo>
+                      <a:pt x="455877" y="32015"/>
+                      <a:pt x="466857" y="28708"/>
+                      <a:pt x="477838" y="25401"/>
+                    </a:cubicBezTo>
+                  </a:path>
+                </a:pathLst>
+              </a:custGeom>
+              <a:noFill/>
+              <a:ln>
+                <a:solidFill>
+                  <a:schemeClr val="tx1"/>
+                </a:solidFill>
+              </a:ln>
+            </p:spPr>
+            <p:style>
+              <a:lnRef idx="2">
+                <a:schemeClr val="accent1">
+                  <a:shade val="50000"/>
+                </a:schemeClr>
+              </a:lnRef>
+              <a:fillRef idx="1">
+                <a:schemeClr val="accent1"/>
+              </a:fillRef>
+              <a:effectRef idx="0">
+                <a:schemeClr val="accent1"/>
+              </a:effectRef>
+              <a:fontRef idx="minor">
+                <a:schemeClr val="lt1"/>
+              </a:fontRef>
+            </p:style>
+            <p:txBody>
+              <a:bodyPr rtlCol="0" anchor="ctr"/>
+              <a:lstStyle/>
+              <a:p>
+                <a:pPr algn="ctr"/>
+                <a:endParaRPr lang="en-GB"/>
+              </a:p>
+            </p:txBody>
+          </p:sp>
+          <p:sp>
+            <p:nvSpPr>
+              <p:cNvPr id="45" name="Freeform: Shape 44">
+                <a:extLst>
+                  <a:ext uri="{FF2B5EF4-FFF2-40B4-BE49-F238E27FC236}">
+                    <a16:creationId xmlns:a16="http://schemas.microsoft.com/office/drawing/2014/main" id="{39088E68-B66D-43D7-B36D-C197EE728A87}"/>
+                  </a:ext>
+                </a:extLst>
+              </p:cNvPr>
+              <p:cNvSpPr/>
+              <p:nvPr/>
+            </p:nvSpPr>
+            <p:spPr>
+              <a:xfrm>
+                <a:off x="6832600" y="2456210"/>
+                <a:ext cx="477838" cy="33339"/>
+              </a:xfrm>
+              <a:custGeom>
+                <a:avLst/>
+                <a:gdLst>
+                  <a:gd name="connsiteX0" fmla="*/ 0 w 477838"/>
+                  <a:gd name="connsiteY0" fmla="*/ 33339 h 33339"/>
+                  <a:gd name="connsiteX1" fmla="*/ 57150 w 477838"/>
+                  <a:gd name="connsiteY1" fmla="*/ 1 h 33339"/>
+                  <a:gd name="connsiteX2" fmla="*/ 134938 w 477838"/>
+                  <a:gd name="connsiteY2" fmla="*/ 31751 h 33339"/>
+                  <a:gd name="connsiteX3" fmla="*/ 228600 w 477838"/>
+                  <a:gd name="connsiteY3" fmla="*/ 7939 h 33339"/>
+                  <a:gd name="connsiteX4" fmla="*/ 282575 w 477838"/>
+                  <a:gd name="connsiteY4" fmla="*/ 25401 h 33339"/>
+                  <a:gd name="connsiteX5" fmla="*/ 371475 w 477838"/>
+                  <a:gd name="connsiteY5" fmla="*/ 4764 h 33339"/>
+                  <a:gd name="connsiteX6" fmla="*/ 438150 w 477838"/>
+                  <a:gd name="connsiteY6" fmla="*/ 28576 h 33339"/>
+                  <a:gd name="connsiteX7" fmla="*/ 477838 w 477838"/>
+                  <a:gd name="connsiteY7" fmla="*/ 25401 h 33339"/>
+                </a:gdLst>
+                <a:ahLst/>
+                <a:cxnLst>
+                  <a:cxn ang="0">
+                    <a:pos x="connsiteX0" y="connsiteY0"/>
+                  </a:cxn>
+                  <a:cxn ang="0">
+                    <a:pos x="connsiteX1" y="connsiteY1"/>
+                  </a:cxn>
+                  <a:cxn ang="0">
+                    <a:pos x="connsiteX2" y="connsiteY2"/>
+                  </a:cxn>
+                  <a:cxn ang="0">
+                    <a:pos x="connsiteX3" y="connsiteY3"/>
+                  </a:cxn>
+                  <a:cxn ang="0">
+                    <a:pos x="connsiteX4" y="connsiteY4"/>
+                  </a:cxn>
+                  <a:cxn ang="0">
+                    <a:pos x="connsiteX5" y="connsiteY5"/>
+                  </a:cxn>
+                  <a:cxn ang="0">
+                    <a:pos x="connsiteX6" y="connsiteY6"/>
+                  </a:cxn>
+                  <a:cxn ang="0">
+                    <a:pos x="connsiteX7" y="connsiteY7"/>
+                  </a:cxn>
+                </a:cxnLst>
+                <a:rect l="l" t="t" r="r" b="b"/>
+                <a:pathLst>
+                  <a:path w="477838" h="33339">
+                    <a:moveTo>
+                      <a:pt x="0" y="33339"/>
+                    </a:moveTo>
+                    <a:cubicBezTo>
+                      <a:pt x="17330" y="16802"/>
+                      <a:pt x="34660" y="266"/>
+                      <a:pt x="57150" y="1"/>
+                    </a:cubicBezTo>
+                    <a:cubicBezTo>
+                      <a:pt x="79640" y="-264"/>
+                      <a:pt x="106363" y="30428"/>
+                      <a:pt x="134938" y="31751"/>
+                    </a:cubicBezTo>
+                    <a:cubicBezTo>
+                      <a:pt x="163513" y="33074"/>
+                      <a:pt x="203994" y="8997"/>
+                      <a:pt x="228600" y="7939"/>
+                    </a:cubicBezTo>
+                    <a:cubicBezTo>
+                      <a:pt x="253206" y="6881"/>
+                      <a:pt x="258763" y="25930"/>
+                      <a:pt x="282575" y="25401"/>
+                    </a:cubicBezTo>
+                    <a:cubicBezTo>
+                      <a:pt x="306387" y="24872"/>
+                      <a:pt x="345546" y="4235"/>
+                      <a:pt x="371475" y="4764"/>
+                    </a:cubicBezTo>
+                    <a:cubicBezTo>
+                      <a:pt x="397404" y="5293"/>
+                      <a:pt x="420423" y="25137"/>
+                      <a:pt x="438150" y="28576"/>
+                    </a:cubicBezTo>
+                    <a:cubicBezTo>
+                      <a:pt x="455877" y="32015"/>
+                      <a:pt x="466857" y="28708"/>
+                      <a:pt x="477838" y="25401"/>
+                    </a:cubicBezTo>
+                  </a:path>
+                </a:pathLst>
+              </a:custGeom>
+              <a:noFill/>
+              <a:ln>
+                <a:solidFill>
+                  <a:schemeClr val="tx1"/>
+                </a:solidFill>
+              </a:ln>
+            </p:spPr>
+            <p:style>
+              <a:lnRef idx="2">
+                <a:schemeClr val="accent1">
+                  <a:shade val="50000"/>
+                </a:schemeClr>
+              </a:lnRef>
+              <a:fillRef idx="1">
+                <a:schemeClr val="accent1"/>
+              </a:fillRef>
+              <a:effectRef idx="0">
+                <a:schemeClr val="accent1"/>
+              </a:effectRef>
+              <a:fontRef idx="minor">
+                <a:schemeClr val="lt1"/>
+              </a:fontRef>
+            </p:style>
+            <p:txBody>
+              <a:bodyPr rtlCol="0" anchor="ctr"/>
+              <a:lstStyle/>
+              <a:p>
+                <a:pPr algn="ctr"/>
+                <a:endParaRPr lang="en-GB"/>
+              </a:p>
+            </p:txBody>
+          </p:sp>
+          <p:sp>
+            <p:nvSpPr>
+              <p:cNvPr id="46" name="Freeform: Shape 45">
+                <a:extLst>
+                  <a:ext uri="{FF2B5EF4-FFF2-40B4-BE49-F238E27FC236}">
+                    <a16:creationId xmlns:a16="http://schemas.microsoft.com/office/drawing/2014/main" id="{D9030B45-D57C-49DB-82A3-DA2603EB2864}"/>
+                  </a:ext>
+                </a:extLst>
+              </p:cNvPr>
+              <p:cNvSpPr/>
+              <p:nvPr/>
+            </p:nvSpPr>
+            <p:spPr>
+              <a:xfrm>
+                <a:off x="6832600" y="2529773"/>
+                <a:ext cx="477838" cy="33339"/>
+              </a:xfrm>
+              <a:custGeom>
+                <a:avLst/>
+                <a:gdLst>
+                  <a:gd name="connsiteX0" fmla="*/ 0 w 477838"/>
+                  <a:gd name="connsiteY0" fmla="*/ 33339 h 33339"/>
+                  <a:gd name="connsiteX1" fmla="*/ 57150 w 477838"/>
+                  <a:gd name="connsiteY1" fmla="*/ 1 h 33339"/>
+                  <a:gd name="connsiteX2" fmla="*/ 134938 w 477838"/>
+                  <a:gd name="connsiteY2" fmla="*/ 31751 h 33339"/>
+                  <a:gd name="connsiteX3" fmla="*/ 228600 w 477838"/>
+                  <a:gd name="connsiteY3" fmla="*/ 7939 h 33339"/>
+                  <a:gd name="connsiteX4" fmla="*/ 282575 w 477838"/>
+                  <a:gd name="connsiteY4" fmla="*/ 25401 h 33339"/>
+                  <a:gd name="connsiteX5" fmla="*/ 371475 w 477838"/>
+                  <a:gd name="connsiteY5" fmla="*/ 4764 h 33339"/>
+                  <a:gd name="connsiteX6" fmla="*/ 438150 w 477838"/>
+                  <a:gd name="connsiteY6" fmla="*/ 28576 h 33339"/>
+                  <a:gd name="connsiteX7" fmla="*/ 477838 w 477838"/>
+                  <a:gd name="connsiteY7" fmla="*/ 25401 h 33339"/>
+                </a:gdLst>
+                <a:ahLst/>
+                <a:cxnLst>
+                  <a:cxn ang="0">
+                    <a:pos x="connsiteX0" y="connsiteY0"/>
+                  </a:cxn>
+                  <a:cxn ang="0">
+                    <a:pos x="connsiteX1" y="connsiteY1"/>
+                  </a:cxn>
+                  <a:cxn ang="0">
+                    <a:pos x="connsiteX2" y="connsiteY2"/>
+                  </a:cxn>
+                  <a:cxn ang="0">
+                    <a:pos x="connsiteX3" y="connsiteY3"/>
+                  </a:cxn>
+                  <a:cxn ang="0">
+                    <a:pos x="connsiteX4" y="connsiteY4"/>
+                  </a:cxn>
+                  <a:cxn ang="0">
+                    <a:pos x="connsiteX5" y="connsiteY5"/>
+                  </a:cxn>
+                  <a:cxn ang="0">
+                    <a:pos x="connsiteX6" y="connsiteY6"/>
+                  </a:cxn>
+                  <a:cxn ang="0">
+                    <a:pos x="connsiteX7" y="connsiteY7"/>
+                  </a:cxn>
+                </a:cxnLst>
+                <a:rect l="l" t="t" r="r" b="b"/>
+                <a:pathLst>
+                  <a:path w="477838" h="33339">
+                    <a:moveTo>
+                      <a:pt x="0" y="33339"/>
+                    </a:moveTo>
+                    <a:cubicBezTo>
+                      <a:pt x="17330" y="16802"/>
+                      <a:pt x="34660" y="266"/>
+                      <a:pt x="57150" y="1"/>
+                    </a:cubicBezTo>
+                    <a:cubicBezTo>
+                      <a:pt x="79640" y="-264"/>
+                      <a:pt x="106363" y="30428"/>
+                      <a:pt x="134938" y="31751"/>
+                    </a:cubicBezTo>
+                    <a:cubicBezTo>
+                      <a:pt x="163513" y="33074"/>
+                      <a:pt x="203994" y="8997"/>
+                      <a:pt x="228600" y="7939"/>
+                    </a:cubicBezTo>
+                    <a:cubicBezTo>
+                      <a:pt x="253206" y="6881"/>
+                      <a:pt x="258763" y="25930"/>
+                      <a:pt x="282575" y="25401"/>
+                    </a:cubicBezTo>
+                    <a:cubicBezTo>
+                      <a:pt x="306387" y="24872"/>
+                      <a:pt x="345546" y="4235"/>
+                      <a:pt x="371475" y="4764"/>
+                    </a:cubicBezTo>
+                    <a:cubicBezTo>
+                      <a:pt x="397404" y="5293"/>
+                      <a:pt x="420423" y="25137"/>
+                      <a:pt x="438150" y="28576"/>
+                    </a:cubicBezTo>
+                    <a:cubicBezTo>
+                      <a:pt x="455877" y="32015"/>
+                      <a:pt x="466857" y="28708"/>
+                      <a:pt x="477838" y="25401"/>
+                    </a:cubicBezTo>
+                  </a:path>
+                </a:pathLst>
+              </a:custGeom>
+              <a:noFill/>
+              <a:ln>
+                <a:solidFill>
+                  <a:schemeClr val="tx1"/>
+                </a:solidFill>
+              </a:ln>
+            </p:spPr>
+            <p:style>
+              <a:lnRef idx="2">
+                <a:schemeClr val="accent1">
+                  <a:shade val="50000"/>
+                </a:schemeClr>
+              </a:lnRef>
+              <a:fillRef idx="1">
+                <a:schemeClr val="accent1"/>
+              </a:fillRef>
+              <a:effectRef idx="0">
+                <a:schemeClr val="accent1"/>
+              </a:effectRef>
+              <a:fontRef idx="minor">
+                <a:schemeClr val="lt1"/>
+              </a:fontRef>
+            </p:style>
+            <p:txBody>
+              <a:bodyPr rtlCol="0" anchor="ctr"/>
+              <a:lstStyle/>
+              <a:p>
+                <a:pPr algn="ctr"/>
+                <a:endParaRPr lang="en-GB"/>
+              </a:p>
+            </p:txBody>
+          </p:sp>
+          <p:sp>
+            <p:nvSpPr>
+              <p:cNvPr id="47" name="Freeform: Shape 46">
+                <a:extLst>
+                  <a:ext uri="{FF2B5EF4-FFF2-40B4-BE49-F238E27FC236}">
+                    <a16:creationId xmlns:a16="http://schemas.microsoft.com/office/drawing/2014/main" id="{EDDAB91D-CE18-4628-B4C1-9776C837A7F8}"/>
+                  </a:ext>
+                </a:extLst>
+              </p:cNvPr>
+              <p:cNvSpPr/>
+              <p:nvPr/>
+            </p:nvSpPr>
+            <p:spPr>
+              <a:xfrm>
+                <a:off x="6832600" y="2601560"/>
+                <a:ext cx="477838" cy="33339"/>
+              </a:xfrm>
+              <a:custGeom>
+                <a:avLst/>
+                <a:gdLst>
+                  <a:gd name="connsiteX0" fmla="*/ 0 w 477838"/>
+                  <a:gd name="connsiteY0" fmla="*/ 33339 h 33339"/>
+                  <a:gd name="connsiteX1" fmla="*/ 57150 w 477838"/>
+                  <a:gd name="connsiteY1" fmla="*/ 1 h 33339"/>
+                  <a:gd name="connsiteX2" fmla="*/ 134938 w 477838"/>
+                  <a:gd name="connsiteY2" fmla="*/ 31751 h 33339"/>
+                  <a:gd name="connsiteX3" fmla="*/ 228600 w 477838"/>
+                  <a:gd name="connsiteY3" fmla="*/ 7939 h 33339"/>
+                  <a:gd name="connsiteX4" fmla="*/ 282575 w 477838"/>
+                  <a:gd name="connsiteY4" fmla="*/ 25401 h 33339"/>
+                  <a:gd name="connsiteX5" fmla="*/ 371475 w 477838"/>
+                  <a:gd name="connsiteY5" fmla="*/ 4764 h 33339"/>
+                  <a:gd name="connsiteX6" fmla="*/ 438150 w 477838"/>
+                  <a:gd name="connsiteY6" fmla="*/ 28576 h 33339"/>
+                  <a:gd name="connsiteX7" fmla="*/ 477838 w 477838"/>
+                  <a:gd name="connsiteY7" fmla="*/ 25401 h 33339"/>
+                </a:gdLst>
+                <a:ahLst/>
+                <a:cxnLst>
+                  <a:cxn ang="0">
+                    <a:pos x="connsiteX0" y="connsiteY0"/>
+                  </a:cxn>
+                  <a:cxn ang="0">
+                    <a:pos x="connsiteX1" y="connsiteY1"/>
+                  </a:cxn>
+                  <a:cxn ang="0">
+                    <a:pos x="connsiteX2" y="connsiteY2"/>
+                  </a:cxn>
+                  <a:cxn ang="0">
+                    <a:pos x="connsiteX3" y="connsiteY3"/>
+                  </a:cxn>
+                  <a:cxn ang="0">
+                    <a:pos x="connsiteX4" y="connsiteY4"/>
+                  </a:cxn>
+                  <a:cxn ang="0">
+                    <a:pos x="connsiteX5" y="connsiteY5"/>
+                  </a:cxn>
+                  <a:cxn ang="0">
+                    <a:pos x="connsiteX6" y="connsiteY6"/>
+                  </a:cxn>
+                  <a:cxn ang="0">
+                    <a:pos x="connsiteX7" y="connsiteY7"/>
+                  </a:cxn>
+                </a:cxnLst>
+                <a:rect l="l" t="t" r="r" b="b"/>
+                <a:pathLst>
+                  <a:path w="477838" h="33339">
+                    <a:moveTo>
+                      <a:pt x="0" y="33339"/>
+                    </a:moveTo>
+                    <a:cubicBezTo>
+                      <a:pt x="17330" y="16802"/>
+                      <a:pt x="34660" y="266"/>
+                      <a:pt x="57150" y="1"/>
+                    </a:cubicBezTo>
+                    <a:cubicBezTo>
+                      <a:pt x="79640" y="-264"/>
+                      <a:pt x="106363" y="30428"/>
+                      <a:pt x="134938" y="31751"/>
+                    </a:cubicBezTo>
+                    <a:cubicBezTo>
+                      <a:pt x="163513" y="33074"/>
+                      <a:pt x="203994" y="8997"/>
+                      <a:pt x="228600" y="7939"/>
+                    </a:cubicBezTo>
+                    <a:cubicBezTo>
+                      <a:pt x="253206" y="6881"/>
+                      <a:pt x="258763" y="25930"/>
+                      <a:pt x="282575" y="25401"/>
+                    </a:cubicBezTo>
+                    <a:cubicBezTo>
+                      <a:pt x="306387" y="24872"/>
+                      <a:pt x="345546" y="4235"/>
+                      <a:pt x="371475" y="4764"/>
+                    </a:cubicBezTo>
+                    <a:cubicBezTo>
+                      <a:pt x="397404" y="5293"/>
+                      <a:pt x="420423" y="25137"/>
+                      <a:pt x="438150" y="28576"/>
+                    </a:cubicBezTo>
+                    <a:cubicBezTo>
+                      <a:pt x="455877" y="32015"/>
+                      <a:pt x="466857" y="28708"/>
+                      <a:pt x="477838" y="25401"/>
+                    </a:cubicBezTo>
+                  </a:path>
+                </a:pathLst>
+              </a:custGeom>
+              <a:noFill/>
+              <a:ln>
+                <a:solidFill>
+                  <a:schemeClr val="tx1"/>
+                </a:solidFill>
+              </a:ln>
+            </p:spPr>
+            <p:style>
+              <a:lnRef idx="2">
+                <a:schemeClr val="accent1">
+                  <a:shade val="50000"/>
+                </a:schemeClr>
+              </a:lnRef>
+              <a:fillRef idx="1">
+                <a:schemeClr val="accent1"/>
+              </a:fillRef>
+              <a:effectRef idx="0">
+                <a:schemeClr val="accent1"/>
+              </a:effectRef>
+              <a:fontRef idx="minor">
+                <a:schemeClr val="lt1"/>
+              </a:fontRef>
+            </p:style>
+            <p:txBody>
+              <a:bodyPr rtlCol="0" anchor="ctr"/>
+              <a:lstStyle/>
+              <a:p>
+                <a:pPr algn="ctr"/>
+                <a:endParaRPr lang="en-GB"/>
+              </a:p>
+            </p:txBody>
+          </p:sp>
+        </p:grpSp>
+        <p:sp>
+          <p:nvSpPr>
+            <p:cNvPr id="48" name="TextBox 47">
+              <a:extLst>
+                <a:ext uri="{FF2B5EF4-FFF2-40B4-BE49-F238E27FC236}">
+                  <a16:creationId xmlns:a16="http://schemas.microsoft.com/office/drawing/2014/main" id="{2C019CC5-1AB6-4126-B8C1-15D603BAF812}"/>
+                </a:ext>
+              </a:extLst>
+            </p:cNvPr>
+            <p:cNvSpPr txBox="1"/>
+            <p:nvPr/>
+          </p:nvSpPr>
+          <p:spPr>
+            <a:xfrm>
+              <a:off x="5186133" y="4905569"/>
+              <a:ext cx="1311769" cy="307777"/>
+            </a:xfrm>
+            <a:prstGeom prst="rect">
+              <a:avLst/>
+            </a:prstGeom>
+            <a:noFill/>
+          </p:spPr>
+          <p:txBody>
+            <a:bodyPr wrap="none" rtlCol="0">
+              <a:spAutoFit/>
+            </a:bodyPr>
+            <a:lstStyle/>
+            <a:p>
+              <a:r>
+                <a:rPr lang="en-GB" sz="1400" dirty="0"/>
+                <a:t>Prediction Data</a:t>
+              </a:r>
+            </a:p>
+          </p:txBody>
+        </p:sp>
+      </p:grpSp>
+      <p:grpSp>
+        <p:nvGrpSpPr>
+          <p:cNvPr id="54" name="Group 53">
+            <a:extLst>
+              <a:ext uri="{FF2B5EF4-FFF2-40B4-BE49-F238E27FC236}">
+                <a16:creationId xmlns:a16="http://schemas.microsoft.com/office/drawing/2014/main" id="{A7FDC3F1-2455-4A38-9D1B-ACE4DCFD27AE}"/>
+              </a:ext>
+            </a:extLst>
+          </p:cNvPr>
+          <p:cNvGrpSpPr/>
+          <p:nvPr/>
+        </p:nvGrpSpPr>
+        <p:grpSpPr>
+          <a:xfrm>
+            <a:off x="5692757" y="5074447"/>
+            <a:ext cx="1697516" cy="1042789"/>
+            <a:chOff x="4946949" y="4170557"/>
+            <a:chExt cx="1697516" cy="1042789"/>
+          </a:xfrm>
+        </p:grpSpPr>
+        <p:grpSp>
+          <p:nvGrpSpPr>
+            <p:cNvPr id="55" name="Group 54">
+              <a:extLst>
+                <a:ext uri="{FF2B5EF4-FFF2-40B4-BE49-F238E27FC236}">
+                  <a16:creationId xmlns:a16="http://schemas.microsoft.com/office/drawing/2014/main" id="{F1810ECB-B300-4ECA-AB8D-6D8CA40F48C8}"/>
+                </a:ext>
+              </a:extLst>
+            </p:cNvPr>
+            <p:cNvGrpSpPr/>
+            <p:nvPr/>
+          </p:nvGrpSpPr>
+          <p:grpSpPr>
+            <a:xfrm>
+              <a:off x="5521854" y="4170557"/>
+              <a:ext cx="567266" cy="728133"/>
+              <a:chOff x="6790267" y="2015067"/>
+              <a:chExt cx="567266" cy="728133"/>
+            </a:xfrm>
+          </p:grpSpPr>
+          <p:sp>
+            <p:nvSpPr>
+              <p:cNvPr id="57" name="Rectangle 56">
+                <a:extLst>
+                  <a:ext uri="{FF2B5EF4-FFF2-40B4-BE49-F238E27FC236}">
+                    <a16:creationId xmlns:a16="http://schemas.microsoft.com/office/drawing/2014/main" id="{345E3037-4543-43A2-A84A-590ACF9B28AE}"/>
+                  </a:ext>
+                </a:extLst>
+              </p:cNvPr>
+              <p:cNvSpPr/>
+              <p:nvPr/>
+            </p:nvSpPr>
+            <p:spPr>
+              <a:xfrm>
+                <a:off x="6790267" y="2015067"/>
+                <a:ext cx="567266" cy="728133"/>
+              </a:xfrm>
+              <a:prstGeom prst="rect">
+                <a:avLst/>
+              </a:prstGeom>
+              <a:noFill/>
+              <a:ln>
+                <a:solidFill>
+                  <a:schemeClr val="tx1"/>
+                </a:solidFill>
+              </a:ln>
+            </p:spPr>
+            <p:style>
+              <a:lnRef idx="2">
+                <a:schemeClr val="accent1">
+                  <a:shade val="50000"/>
+                </a:schemeClr>
+              </a:lnRef>
+              <a:fillRef idx="1">
+                <a:schemeClr val="accent1"/>
+              </a:fillRef>
+              <a:effectRef idx="0">
+                <a:schemeClr val="accent1"/>
+              </a:effectRef>
+              <a:fontRef idx="minor">
+                <a:schemeClr val="lt1"/>
+              </a:fontRef>
+            </p:style>
+            <p:txBody>
+              <a:bodyPr rtlCol="0" anchor="ctr"/>
+              <a:lstStyle/>
+              <a:p>
+                <a:pPr algn="ctr"/>
+                <a:endParaRPr lang="en-GB">
+                  <a:ln>
+                    <a:solidFill>
+                      <a:sysClr val="windowText" lastClr="000000"/>
+                    </a:solidFill>
+                  </a:ln>
+                </a:endParaRPr>
+              </a:p>
+            </p:txBody>
+          </p:sp>
+          <p:sp>
+            <p:nvSpPr>
+              <p:cNvPr id="58" name="Freeform: Shape 57">
+                <a:extLst>
+                  <a:ext uri="{FF2B5EF4-FFF2-40B4-BE49-F238E27FC236}">
+                    <a16:creationId xmlns:a16="http://schemas.microsoft.com/office/drawing/2014/main" id="{A48C89F6-6FFD-4080-87E7-86EC874A233F}"/>
+                  </a:ext>
+                </a:extLst>
+              </p:cNvPr>
+              <p:cNvSpPr/>
+              <p:nvPr/>
+            </p:nvSpPr>
+            <p:spPr>
+              <a:xfrm>
+                <a:off x="6832600" y="2098674"/>
+                <a:ext cx="477838" cy="33339"/>
+              </a:xfrm>
+              <a:custGeom>
+                <a:avLst/>
+                <a:gdLst>
+                  <a:gd name="connsiteX0" fmla="*/ 0 w 477838"/>
+                  <a:gd name="connsiteY0" fmla="*/ 33339 h 33339"/>
+                  <a:gd name="connsiteX1" fmla="*/ 57150 w 477838"/>
+                  <a:gd name="connsiteY1" fmla="*/ 1 h 33339"/>
+                  <a:gd name="connsiteX2" fmla="*/ 134938 w 477838"/>
+                  <a:gd name="connsiteY2" fmla="*/ 31751 h 33339"/>
+                  <a:gd name="connsiteX3" fmla="*/ 228600 w 477838"/>
+                  <a:gd name="connsiteY3" fmla="*/ 7939 h 33339"/>
+                  <a:gd name="connsiteX4" fmla="*/ 282575 w 477838"/>
+                  <a:gd name="connsiteY4" fmla="*/ 25401 h 33339"/>
+                  <a:gd name="connsiteX5" fmla="*/ 371475 w 477838"/>
+                  <a:gd name="connsiteY5" fmla="*/ 4764 h 33339"/>
+                  <a:gd name="connsiteX6" fmla="*/ 438150 w 477838"/>
+                  <a:gd name="connsiteY6" fmla="*/ 28576 h 33339"/>
+                  <a:gd name="connsiteX7" fmla="*/ 477838 w 477838"/>
+                  <a:gd name="connsiteY7" fmla="*/ 25401 h 33339"/>
+                </a:gdLst>
+                <a:ahLst/>
+                <a:cxnLst>
+                  <a:cxn ang="0">
+                    <a:pos x="connsiteX0" y="connsiteY0"/>
+                  </a:cxn>
+                  <a:cxn ang="0">
+                    <a:pos x="connsiteX1" y="connsiteY1"/>
+                  </a:cxn>
+                  <a:cxn ang="0">
+                    <a:pos x="connsiteX2" y="connsiteY2"/>
+                  </a:cxn>
+                  <a:cxn ang="0">
+                    <a:pos x="connsiteX3" y="connsiteY3"/>
+                  </a:cxn>
+                  <a:cxn ang="0">
+                    <a:pos x="connsiteX4" y="connsiteY4"/>
+                  </a:cxn>
+                  <a:cxn ang="0">
+                    <a:pos x="connsiteX5" y="connsiteY5"/>
+                  </a:cxn>
+                  <a:cxn ang="0">
+                    <a:pos x="connsiteX6" y="connsiteY6"/>
+                  </a:cxn>
+                  <a:cxn ang="0">
+                    <a:pos x="connsiteX7" y="connsiteY7"/>
+                  </a:cxn>
+                </a:cxnLst>
+                <a:rect l="l" t="t" r="r" b="b"/>
+                <a:pathLst>
+                  <a:path w="477838" h="33339">
+                    <a:moveTo>
+                      <a:pt x="0" y="33339"/>
+                    </a:moveTo>
+                    <a:cubicBezTo>
+                      <a:pt x="17330" y="16802"/>
+                      <a:pt x="34660" y="266"/>
+                      <a:pt x="57150" y="1"/>
+                    </a:cubicBezTo>
+                    <a:cubicBezTo>
+                      <a:pt x="79640" y="-264"/>
+                      <a:pt x="106363" y="30428"/>
+                      <a:pt x="134938" y="31751"/>
+                    </a:cubicBezTo>
+                    <a:cubicBezTo>
+                      <a:pt x="163513" y="33074"/>
+                      <a:pt x="203994" y="8997"/>
+                      <a:pt x="228600" y="7939"/>
+                    </a:cubicBezTo>
+                    <a:cubicBezTo>
+                      <a:pt x="253206" y="6881"/>
+                      <a:pt x="258763" y="25930"/>
+                      <a:pt x="282575" y="25401"/>
+                    </a:cubicBezTo>
+                    <a:cubicBezTo>
+                      <a:pt x="306387" y="24872"/>
+                      <a:pt x="345546" y="4235"/>
+                      <a:pt x="371475" y="4764"/>
+                    </a:cubicBezTo>
+                    <a:cubicBezTo>
+                      <a:pt x="397404" y="5293"/>
+                      <a:pt x="420423" y="25137"/>
+                      <a:pt x="438150" y="28576"/>
+                    </a:cubicBezTo>
+                    <a:cubicBezTo>
+                      <a:pt x="455877" y="32015"/>
+                      <a:pt x="466857" y="28708"/>
+                      <a:pt x="477838" y="25401"/>
+                    </a:cubicBezTo>
+                  </a:path>
+                </a:pathLst>
+              </a:custGeom>
+              <a:noFill/>
+              <a:ln>
+                <a:solidFill>
+                  <a:schemeClr val="tx1"/>
+                </a:solidFill>
+              </a:ln>
+            </p:spPr>
+            <p:style>
+              <a:lnRef idx="2">
+                <a:schemeClr val="accent1">
+                  <a:shade val="50000"/>
+                </a:schemeClr>
+              </a:lnRef>
+              <a:fillRef idx="1">
+                <a:schemeClr val="accent1"/>
+              </a:fillRef>
+              <a:effectRef idx="0">
+                <a:schemeClr val="accent1"/>
+              </a:effectRef>
+              <a:fontRef idx="minor">
+                <a:schemeClr val="lt1"/>
+              </a:fontRef>
+            </p:style>
+            <p:txBody>
+              <a:bodyPr rtlCol="0" anchor="ctr"/>
+              <a:lstStyle/>
+              <a:p>
+                <a:pPr algn="ctr"/>
+                <a:endParaRPr lang="en-GB"/>
+              </a:p>
+            </p:txBody>
+          </p:sp>
+          <p:sp>
+            <p:nvSpPr>
+              <p:cNvPr id="59" name="Freeform: Shape 58">
+                <a:extLst>
+                  <a:ext uri="{FF2B5EF4-FFF2-40B4-BE49-F238E27FC236}">
+                    <a16:creationId xmlns:a16="http://schemas.microsoft.com/office/drawing/2014/main" id="{4C28A649-C714-485F-B07D-B9DA0D1EF869}"/>
+                  </a:ext>
+                </a:extLst>
+              </p:cNvPr>
+              <p:cNvSpPr/>
+              <p:nvPr/>
+            </p:nvSpPr>
+            <p:spPr>
+              <a:xfrm>
+                <a:off x="6832600" y="2170461"/>
+                <a:ext cx="477838" cy="33339"/>
+              </a:xfrm>
+              <a:custGeom>
+                <a:avLst/>
+                <a:gdLst>
+                  <a:gd name="connsiteX0" fmla="*/ 0 w 477838"/>
+                  <a:gd name="connsiteY0" fmla="*/ 33339 h 33339"/>
+                  <a:gd name="connsiteX1" fmla="*/ 57150 w 477838"/>
+                  <a:gd name="connsiteY1" fmla="*/ 1 h 33339"/>
+                  <a:gd name="connsiteX2" fmla="*/ 134938 w 477838"/>
+                  <a:gd name="connsiteY2" fmla="*/ 31751 h 33339"/>
+                  <a:gd name="connsiteX3" fmla="*/ 228600 w 477838"/>
+                  <a:gd name="connsiteY3" fmla="*/ 7939 h 33339"/>
+                  <a:gd name="connsiteX4" fmla="*/ 282575 w 477838"/>
+                  <a:gd name="connsiteY4" fmla="*/ 25401 h 33339"/>
+                  <a:gd name="connsiteX5" fmla="*/ 371475 w 477838"/>
+                  <a:gd name="connsiteY5" fmla="*/ 4764 h 33339"/>
+                  <a:gd name="connsiteX6" fmla="*/ 438150 w 477838"/>
+                  <a:gd name="connsiteY6" fmla="*/ 28576 h 33339"/>
+                  <a:gd name="connsiteX7" fmla="*/ 477838 w 477838"/>
+                  <a:gd name="connsiteY7" fmla="*/ 25401 h 33339"/>
+                </a:gdLst>
+                <a:ahLst/>
+                <a:cxnLst>
+                  <a:cxn ang="0">
+                    <a:pos x="connsiteX0" y="connsiteY0"/>
+                  </a:cxn>
+                  <a:cxn ang="0">
+                    <a:pos x="connsiteX1" y="connsiteY1"/>
+                  </a:cxn>
+                  <a:cxn ang="0">
+                    <a:pos x="connsiteX2" y="connsiteY2"/>
+                  </a:cxn>
+                  <a:cxn ang="0">
+                    <a:pos x="connsiteX3" y="connsiteY3"/>
+                  </a:cxn>
+                  <a:cxn ang="0">
+                    <a:pos x="connsiteX4" y="connsiteY4"/>
+                  </a:cxn>
+                  <a:cxn ang="0">
+                    <a:pos x="connsiteX5" y="connsiteY5"/>
+                  </a:cxn>
+                  <a:cxn ang="0">
+                    <a:pos x="connsiteX6" y="connsiteY6"/>
+                  </a:cxn>
+                  <a:cxn ang="0">
+                    <a:pos x="connsiteX7" y="connsiteY7"/>
+                  </a:cxn>
+                </a:cxnLst>
+                <a:rect l="l" t="t" r="r" b="b"/>
+                <a:pathLst>
+                  <a:path w="477838" h="33339">
+                    <a:moveTo>
+                      <a:pt x="0" y="33339"/>
+                    </a:moveTo>
+                    <a:cubicBezTo>
+                      <a:pt x="17330" y="16802"/>
+                      <a:pt x="34660" y="266"/>
+                      <a:pt x="57150" y="1"/>
+                    </a:cubicBezTo>
+                    <a:cubicBezTo>
+                      <a:pt x="79640" y="-264"/>
+                      <a:pt x="106363" y="30428"/>
+                      <a:pt x="134938" y="31751"/>
+                    </a:cubicBezTo>
+                    <a:cubicBezTo>
+                      <a:pt x="163513" y="33074"/>
+                      <a:pt x="203994" y="8997"/>
+                      <a:pt x="228600" y="7939"/>
+                    </a:cubicBezTo>
+                    <a:cubicBezTo>
+                      <a:pt x="253206" y="6881"/>
+                      <a:pt x="258763" y="25930"/>
+                      <a:pt x="282575" y="25401"/>
+                    </a:cubicBezTo>
+                    <a:cubicBezTo>
+                      <a:pt x="306387" y="24872"/>
+                      <a:pt x="345546" y="4235"/>
+                      <a:pt x="371475" y="4764"/>
+                    </a:cubicBezTo>
+                    <a:cubicBezTo>
+                      <a:pt x="397404" y="5293"/>
+                      <a:pt x="420423" y="25137"/>
+                      <a:pt x="438150" y="28576"/>
+                    </a:cubicBezTo>
+                    <a:cubicBezTo>
+                      <a:pt x="455877" y="32015"/>
+                      <a:pt x="466857" y="28708"/>
+                      <a:pt x="477838" y="25401"/>
+                    </a:cubicBezTo>
+                  </a:path>
+                </a:pathLst>
+              </a:custGeom>
+              <a:noFill/>
+              <a:ln>
+                <a:solidFill>
+                  <a:schemeClr val="tx1"/>
+                </a:solidFill>
+              </a:ln>
+            </p:spPr>
+            <p:style>
+              <a:lnRef idx="2">
+                <a:schemeClr val="accent1">
+                  <a:shade val="50000"/>
+                </a:schemeClr>
+              </a:lnRef>
+              <a:fillRef idx="1">
+                <a:schemeClr val="accent1"/>
+              </a:fillRef>
+              <a:effectRef idx="0">
+                <a:schemeClr val="accent1"/>
+              </a:effectRef>
+              <a:fontRef idx="minor">
+                <a:schemeClr val="lt1"/>
+              </a:fontRef>
+            </p:style>
+            <p:txBody>
+              <a:bodyPr rtlCol="0" anchor="ctr"/>
+              <a:lstStyle/>
+              <a:p>
+                <a:pPr algn="ctr"/>
+                <a:endParaRPr lang="en-GB"/>
+              </a:p>
+            </p:txBody>
+          </p:sp>
+          <p:sp>
+            <p:nvSpPr>
+              <p:cNvPr id="60" name="Freeform: Shape 59">
+                <a:extLst>
+                  <a:ext uri="{FF2B5EF4-FFF2-40B4-BE49-F238E27FC236}">
+                    <a16:creationId xmlns:a16="http://schemas.microsoft.com/office/drawing/2014/main" id="{6F8E0C92-AE94-4713-BE1B-A4E4A811D643}"/>
+                  </a:ext>
+                </a:extLst>
+              </p:cNvPr>
+              <p:cNvSpPr/>
+              <p:nvPr/>
+            </p:nvSpPr>
+            <p:spPr>
+              <a:xfrm>
+                <a:off x="6832600" y="2244024"/>
+                <a:ext cx="477838" cy="33339"/>
+              </a:xfrm>
+              <a:custGeom>
+                <a:avLst/>
+                <a:gdLst>
+                  <a:gd name="connsiteX0" fmla="*/ 0 w 477838"/>
+                  <a:gd name="connsiteY0" fmla="*/ 33339 h 33339"/>
+                  <a:gd name="connsiteX1" fmla="*/ 57150 w 477838"/>
+                  <a:gd name="connsiteY1" fmla="*/ 1 h 33339"/>
+                  <a:gd name="connsiteX2" fmla="*/ 134938 w 477838"/>
+                  <a:gd name="connsiteY2" fmla="*/ 31751 h 33339"/>
+                  <a:gd name="connsiteX3" fmla="*/ 228600 w 477838"/>
+                  <a:gd name="connsiteY3" fmla="*/ 7939 h 33339"/>
+                  <a:gd name="connsiteX4" fmla="*/ 282575 w 477838"/>
+                  <a:gd name="connsiteY4" fmla="*/ 25401 h 33339"/>
+                  <a:gd name="connsiteX5" fmla="*/ 371475 w 477838"/>
+                  <a:gd name="connsiteY5" fmla="*/ 4764 h 33339"/>
+                  <a:gd name="connsiteX6" fmla="*/ 438150 w 477838"/>
+                  <a:gd name="connsiteY6" fmla="*/ 28576 h 33339"/>
+                  <a:gd name="connsiteX7" fmla="*/ 477838 w 477838"/>
+                  <a:gd name="connsiteY7" fmla="*/ 25401 h 33339"/>
+                </a:gdLst>
+                <a:ahLst/>
+                <a:cxnLst>
+                  <a:cxn ang="0">
+                    <a:pos x="connsiteX0" y="connsiteY0"/>
+                  </a:cxn>
+                  <a:cxn ang="0">
+                    <a:pos x="connsiteX1" y="connsiteY1"/>
+                  </a:cxn>
+                  <a:cxn ang="0">
+                    <a:pos x="connsiteX2" y="connsiteY2"/>
+                  </a:cxn>
+                  <a:cxn ang="0">
+                    <a:pos x="connsiteX3" y="connsiteY3"/>
+                  </a:cxn>
+                  <a:cxn ang="0">
+                    <a:pos x="connsiteX4" y="connsiteY4"/>
+                  </a:cxn>
+                  <a:cxn ang="0">
+                    <a:pos x="connsiteX5" y="connsiteY5"/>
+                  </a:cxn>
+                  <a:cxn ang="0">
+                    <a:pos x="connsiteX6" y="connsiteY6"/>
+                  </a:cxn>
+                  <a:cxn ang="0">
+                    <a:pos x="connsiteX7" y="connsiteY7"/>
+                  </a:cxn>
+                </a:cxnLst>
+                <a:rect l="l" t="t" r="r" b="b"/>
+                <a:pathLst>
+                  <a:path w="477838" h="33339">
+                    <a:moveTo>
+                      <a:pt x="0" y="33339"/>
+                    </a:moveTo>
+                    <a:cubicBezTo>
+                      <a:pt x="17330" y="16802"/>
+                      <a:pt x="34660" y="266"/>
+                      <a:pt x="57150" y="1"/>
+                    </a:cubicBezTo>
+                    <a:cubicBezTo>
+                      <a:pt x="79640" y="-264"/>
+                      <a:pt x="106363" y="30428"/>
+                      <a:pt x="134938" y="31751"/>
+                    </a:cubicBezTo>
+                    <a:cubicBezTo>
+                      <a:pt x="163513" y="33074"/>
+                      <a:pt x="203994" y="8997"/>
+                      <a:pt x="228600" y="7939"/>
+                    </a:cubicBezTo>
+                    <a:cubicBezTo>
+                      <a:pt x="253206" y="6881"/>
+                      <a:pt x="258763" y="25930"/>
+                      <a:pt x="282575" y="25401"/>
+                    </a:cubicBezTo>
+                    <a:cubicBezTo>
+                      <a:pt x="306387" y="24872"/>
+                      <a:pt x="345546" y="4235"/>
+                      <a:pt x="371475" y="4764"/>
+                    </a:cubicBezTo>
+                    <a:cubicBezTo>
+                      <a:pt x="397404" y="5293"/>
+                      <a:pt x="420423" y="25137"/>
+                      <a:pt x="438150" y="28576"/>
+                    </a:cubicBezTo>
+                    <a:cubicBezTo>
+                      <a:pt x="455877" y="32015"/>
+                      <a:pt x="466857" y="28708"/>
+                      <a:pt x="477838" y="25401"/>
+                    </a:cubicBezTo>
+                  </a:path>
+                </a:pathLst>
+              </a:custGeom>
+              <a:noFill/>
+              <a:ln>
+                <a:solidFill>
+                  <a:schemeClr val="tx1"/>
+                </a:solidFill>
+              </a:ln>
+            </p:spPr>
+            <p:style>
+              <a:lnRef idx="2">
+                <a:schemeClr val="accent1">
+                  <a:shade val="50000"/>
+                </a:schemeClr>
+              </a:lnRef>
+              <a:fillRef idx="1">
+                <a:schemeClr val="accent1"/>
+              </a:fillRef>
+              <a:effectRef idx="0">
+                <a:schemeClr val="accent1"/>
+              </a:effectRef>
+              <a:fontRef idx="minor">
+                <a:schemeClr val="lt1"/>
+              </a:fontRef>
+            </p:style>
+            <p:txBody>
+              <a:bodyPr rtlCol="0" anchor="ctr"/>
+              <a:lstStyle/>
+              <a:p>
+                <a:pPr algn="ctr"/>
+                <a:endParaRPr lang="en-GB"/>
+              </a:p>
+            </p:txBody>
+          </p:sp>
+          <p:sp>
+            <p:nvSpPr>
+              <p:cNvPr id="61" name="Freeform: Shape 60">
+                <a:extLst>
+                  <a:ext uri="{FF2B5EF4-FFF2-40B4-BE49-F238E27FC236}">
+                    <a16:creationId xmlns:a16="http://schemas.microsoft.com/office/drawing/2014/main" id="{E00E06FB-F79D-4CC9-A38B-5B0603926E3F}"/>
+                  </a:ext>
+                </a:extLst>
+              </p:cNvPr>
+              <p:cNvSpPr/>
+              <p:nvPr/>
+            </p:nvSpPr>
+            <p:spPr>
+              <a:xfrm>
+                <a:off x="6832600" y="2315811"/>
+                <a:ext cx="477838" cy="33339"/>
+              </a:xfrm>
+              <a:custGeom>
+                <a:avLst/>
+                <a:gdLst>
+                  <a:gd name="connsiteX0" fmla="*/ 0 w 477838"/>
+                  <a:gd name="connsiteY0" fmla="*/ 33339 h 33339"/>
+                  <a:gd name="connsiteX1" fmla="*/ 57150 w 477838"/>
+                  <a:gd name="connsiteY1" fmla="*/ 1 h 33339"/>
+                  <a:gd name="connsiteX2" fmla="*/ 134938 w 477838"/>
+                  <a:gd name="connsiteY2" fmla="*/ 31751 h 33339"/>
+                  <a:gd name="connsiteX3" fmla="*/ 228600 w 477838"/>
+                  <a:gd name="connsiteY3" fmla="*/ 7939 h 33339"/>
+                  <a:gd name="connsiteX4" fmla="*/ 282575 w 477838"/>
+                  <a:gd name="connsiteY4" fmla="*/ 25401 h 33339"/>
+                  <a:gd name="connsiteX5" fmla="*/ 371475 w 477838"/>
+                  <a:gd name="connsiteY5" fmla="*/ 4764 h 33339"/>
+                  <a:gd name="connsiteX6" fmla="*/ 438150 w 477838"/>
+                  <a:gd name="connsiteY6" fmla="*/ 28576 h 33339"/>
+                  <a:gd name="connsiteX7" fmla="*/ 477838 w 477838"/>
+                  <a:gd name="connsiteY7" fmla="*/ 25401 h 33339"/>
+                </a:gdLst>
+                <a:ahLst/>
+                <a:cxnLst>
+                  <a:cxn ang="0">
+                    <a:pos x="connsiteX0" y="connsiteY0"/>
+                  </a:cxn>
+                  <a:cxn ang="0">
+                    <a:pos x="connsiteX1" y="connsiteY1"/>
+                  </a:cxn>
+                  <a:cxn ang="0">
+                    <a:pos x="connsiteX2" y="connsiteY2"/>
+                  </a:cxn>
+                  <a:cxn ang="0">
+                    <a:pos x="connsiteX3" y="connsiteY3"/>
+                  </a:cxn>
+                  <a:cxn ang="0">
+                    <a:pos x="connsiteX4" y="connsiteY4"/>
+                  </a:cxn>
+                  <a:cxn ang="0">
+                    <a:pos x="connsiteX5" y="connsiteY5"/>
+                  </a:cxn>
+                  <a:cxn ang="0">
+                    <a:pos x="connsiteX6" y="connsiteY6"/>
+                  </a:cxn>
+                  <a:cxn ang="0">
+                    <a:pos x="connsiteX7" y="connsiteY7"/>
+                  </a:cxn>
+                </a:cxnLst>
+                <a:rect l="l" t="t" r="r" b="b"/>
+                <a:pathLst>
+                  <a:path w="477838" h="33339">
+                    <a:moveTo>
+                      <a:pt x="0" y="33339"/>
+                    </a:moveTo>
+                    <a:cubicBezTo>
+                      <a:pt x="17330" y="16802"/>
+                      <a:pt x="34660" y="266"/>
+                      <a:pt x="57150" y="1"/>
+                    </a:cubicBezTo>
+                    <a:cubicBezTo>
+                      <a:pt x="79640" y="-264"/>
+                      <a:pt x="106363" y="30428"/>
+                      <a:pt x="134938" y="31751"/>
+                    </a:cubicBezTo>
+                    <a:cubicBezTo>
+                      <a:pt x="163513" y="33074"/>
+                      <a:pt x="203994" y="8997"/>
+                      <a:pt x="228600" y="7939"/>
+                    </a:cubicBezTo>
+                    <a:cubicBezTo>
+                      <a:pt x="253206" y="6881"/>
+                      <a:pt x="258763" y="25930"/>
+                      <a:pt x="282575" y="25401"/>
+                    </a:cubicBezTo>
+                    <a:cubicBezTo>
+                      <a:pt x="306387" y="24872"/>
+                      <a:pt x="345546" y="4235"/>
+                      <a:pt x="371475" y="4764"/>
+                    </a:cubicBezTo>
+                    <a:cubicBezTo>
+                      <a:pt x="397404" y="5293"/>
+                      <a:pt x="420423" y="25137"/>
+                      <a:pt x="438150" y="28576"/>
+                    </a:cubicBezTo>
+                    <a:cubicBezTo>
+                      <a:pt x="455877" y="32015"/>
+                      <a:pt x="466857" y="28708"/>
+                      <a:pt x="477838" y="25401"/>
+                    </a:cubicBezTo>
+                  </a:path>
+                </a:pathLst>
+              </a:custGeom>
+              <a:noFill/>
+              <a:ln>
+                <a:solidFill>
+                  <a:schemeClr val="tx1"/>
+                </a:solidFill>
+              </a:ln>
+            </p:spPr>
+            <p:style>
+              <a:lnRef idx="2">
+                <a:schemeClr val="accent1">
+                  <a:shade val="50000"/>
+                </a:schemeClr>
+              </a:lnRef>
+              <a:fillRef idx="1">
+                <a:schemeClr val="accent1"/>
+              </a:fillRef>
+              <a:effectRef idx="0">
+                <a:schemeClr val="accent1"/>
+              </a:effectRef>
+              <a:fontRef idx="minor">
+                <a:schemeClr val="lt1"/>
+              </a:fontRef>
+            </p:style>
+            <p:txBody>
+              <a:bodyPr rtlCol="0" anchor="ctr"/>
+              <a:lstStyle/>
+              <a:p>
+                <a:pPr algn="ctr"/>
+                <a:endParaRPr lang="en-GB"/>
+              </a:p>
+            </p:txBody>
+          </p:sp>
+          <p:sp>
+            <p:nvSpPr>
+              <p:cNvPr id="62" name="Freeform: Shape 61">
+                <a:extLst>
+                  <a:ext uri="{FF2B5EF4-FFF2-40B4-BE49-F238E27FC236}">
+                    <a16:creationId xmlns:a16="http://schemas.microsoft.com/office/drawing/2014/main" id="{58784500-37F1-45E2-8194-14FBAEA40806}"/>
+                  </a:ext>
+                </a:extLst>
+              </p:cNvPr>
+              <p:cNvSpPr/>
+              <p:nvPr/>
+            </p:nvSpPr>
+            <p:spPr>
+              <a:xfrm>
+                <a:off x="6832600" y="2384423"/>
+                <a:ext cx="477838" cy="33339"/>
+              </a:xfrm>
+              <a:custGeom>
+                <a:avLst/>
+                <a:gdLst>
+                  <a:gd name="connsiteX0" fmla="*/ 0 w 477838"/>
+                  <a:gd name="connsiteY0" fmla="*/ 33339 h 33339"/>
+                  <a:gd name="connsiteX1" fmla="*/ 57150 w 477838"/>
+                  <a:gd name="connsiteY1" fmla="*/ 1 h 33339"/>
+                  <a:gd name="connsiteX2" fmla="*/ 134938 w 477838"/>
+                  <a:gd name="connsiteY2" fmla="*/ 31751 h 33339"/>
+                  <a:gd name="connsiteX3" fmla="*/ 228600 w 477838"/>
+                  <a:gd name="connsiteY3" fmla="*/ 7939 h 33339"/>
+                  <a:gd name="connsiteX4" fmla="*/ 282575 w 477838"/>
+                  <a:gd name="connsiteY4" fmla="*/ 25401 h 33339"/>
+                  <a:gd name="connsiteX5" fmla="*/ 371475 w 477838"/>
+                  <a:gd name="connsiteY5" fmla="*/ 4764 h 33339"/>
+                  <a:gd name="connsiteX6" fmla="*/ 438150 w 477838"/>
+                  <a:gd name="connsiteY6" fmla="*/ 28576 h 33339"/>
+                  <a:gd name="connsiteX7" fmla="*/ 477838 w 477838"/>
+                  <a:gd name="connsiteY7" fmla="*/ 25401 h 33339"/>
+                </a:gdLst>
+                <a:ahLst/>
+                <a:cxnLst>
+                  <a:cxn ang="0">
+                    <a:pos x="connsiteX0" y="connsiteY0"/>
+                  </a:cxn>
+                  <a:cxn ang="0">
+                    <a:pos x="connsiteX1" y="connsiteY1"/>
+                  </a:cxn>
+                  <a:cxn ang="0">
+                    <a:pos x="connsiteX2" y="connsiteY2"/>
+                  </a:cxn>
+                  <a:cxn ang="0">
+                    <a:pos x="connsiteX3" y="connsiteY3"/>
+                  </a:cxn>
+                  <a:cxn ang="0">
+                    <a:pos x="connsiteX4" y="connsiteY4"/>
+                  </a:cxn>
+                  <a:cxn ang="0">
+                    <a:pos x="connsiteX5" y="connsiteY5"/>
+                  </a:cxn>
+                  <a:cxn ang="0">
+                    <a:pos x="connsiteX6" y="connsiteY6"/>
+                  </a:cxn>
+                  <a:cxn ang="0">
+                    <a:pos x="connsiteX7" y="connsiteY7"/>
+                  </a:cxn>
+                </a:cxnLst>
+                <a:rect l="l" t="t" r="r" b="b"/>
+                <a:pathLst>
+                  <a:path w="477838" h="33339">
+                    <a:moveTo>
+                      <a:pt x="0" y="33339"/>
+                    </a:moveTo>
+                    <a:cubicBezTo>
+                      <a:pt x="17330" y="16802"/>
+                      <a:pt x="34660" y="266"/>
+                      <a:pt x="57150" y="1"/>
+                    </a:cubicBezTo>
+                    <a:cubicBezTo>
+                      <a:pt x="79640" y="-264"/>
+                      <a:pt x="106363" y="30428"/>
+                      <a:pt x="134938" y="31751"/>
+                    </a:cubicBezTo>
+                    <a:cubicBezTo>
+                      <a:pt x="163513" y="33074"/>
+                      <a:pt x="203994" y="8997"/>
+                      <a:pt x="228600" y="7939"/>
+                    </a:cubicBezTo>
+                    <a:cubicBezTo>
+                      <a:pt x="253206" y="6881"/>
+                      <a:pt x="258763" y="25930"/>
+                      <a:pt x="282575" y="25401"/>
+                    </a:cubicBezTo>
+                    <a:cubicBezTo>
+                      <a:pt x="306387" y="24872"/>
+                      <a:pt x="345546" y="4235"/>
+                      <a:pt x="371475" y="4764"/>
+                    </a:cubicBezTo>
+                    <a:cubicBezTo>
+                      <a:pt x="397404" y="5293"/>
+                      <a:pt x="420423" y="25137"/>
+                      <a:pt x="438150" y="28576"/>
+                    </a:cubicBezTo>
+                    <a:cubicBezTo>
+                      <a:pt x="455877" y="32015"/>
+                      <a:pt x="466857" y="28708"/>
+                      <a:pt x="477838" y="25401"/>
+                    </a:cubicBezTo>
+                  </a:path>
+                </a:pathLst>
+              </a:custGeom>
+              <a:noFill/>
+              <a:ln>
+                <a:solidFill>
+                  <a:schemeClr val="tx1"/>
+                </a:solidFill>
+              </a:ln>
+            </p:spPr>
+            <p:style>
+              <a:lnRef idx="2">
+                <a:schemeClr val="accent1">
+                  <a:shade val="50000"/>
+                </a:schemeClr>
+              </a:lnRef>
+              <a:fillRef idx="1">
+                <a:schemeClr val="accent1"/>
+              </a:fillRef>
+              <a:effectRef idx="0">
+                <a:schemeClr val="accent1"/>
+              </a:effectRef>
+              <a:fontRef idx="minor">
+                <a:schemeClr val="lt1"/>
+              </a:fontRef>
+            </p:style>
+            <p:txBody>
+              <a:bodyPr rtlCol="0" anchor="ctr"/>
+              <a:lstStyle/>
+              <a:p>
+                <a:pPr algn="ctr"/>
+                <a:endParaRPr lang="en-GB"/>
+              </a:p>
+            </p:txBody>
+          </p:sp>
+          <p:sp>
+            <p:nvSpPr>
+              <p:cNvPr id="63" name="Freeform: Shape 62">
+                <a:extLst>
+                  <a:ext uri="{FF2B5EF4-FFF2-40B4-BE49-F238E27FC236}">
+                    <a16:creationId xmlns:a16="http://schemas.microsoft.com/office/drawing/2014/main" id="{480FD896-48FD-4EA1-9613-80EBC5B61A17}"/>
+                  </a:ext>
+                </a:extLst>
+              </p:cNvPr>
+              <p:cNvSpPr/>
+              <p:nvPr/>
+            </p:nvSpPr>
+            <p:spPr>
+              <a:xfrm>
+                <a:off x="6832600" y="2456210"/>
+                <a:ext cx="477838" cy="33339"/>
+              </a:xfrm>
+              <a:custGeom>
+                <a:avLst/>
+                <a:gdLst>
+                  <a:gd name="connsiteX0" fmla="*/ 0 w 477838"/>
+                  <a:gd name="connsiteY0" fmla="*/ 33339 h 33339"/>
+                  <a:gd name="connsiteX1" fmla="*/ 57150 w 477838"/>
+                  <a:gd name="connsiteY1" fmla="*/ 1 h 33339"/>
+                  <a:gd name="connsiteX2" fmla="*/ 134938 w 477838"/>
+                  <a:gd name="connsiteY2" fmla="*/ 31751 h 33339"/>
+                  <a:gd name="connsiteX3" fmla="*/ 228600 w 477838"/>
+                  <a:gd name="connsiteY3" fmla="*/ 7939 h 33339"/>
+                  <a:gd name="connsiteX4" fmla="*/ 282575 w 477838"/>
+                  <a:gd name="connsiteY4" fmla="*/ 25401 h 33339"/>
+                  <a:gd name="connsiteX5" fmla="*/ 371475 w 477838"/>
+                  <a:gd name="connsiteY5" fmla="*/ 4764 h 33339"/>
+                  <a:gd name="connsiteX6" fmla="*/ 438150 w 477838"/>
+                  <a:gd name="connsiteY6" fmla="*/ 28576 h 33339"/>
+                  <a:gd name="connsiteX7" fmla="*/ 477838 w 477838"/>
+                  <a:gd name="connsiteY7" fmla="*/ 25401 h 33339"/>
+                </a:gdLst>
+                <a:ahLst/>
+                <a:cxnLst>
+                  <a:cxn ang="0">
+                    <a:pos x="connsiteX0" y="connsiteY0"/>
+                  </a:cxn>
+                  <a:cxn ang="0">
+                    <a:pos x="connsiteX1" y="connsiteY1"/>
+                  </a:cxn>
+                  <a:cxn ang="0">
+                    <a:pos x="connsiteX2" y="connsiteY2"/>
+                  </a:cxn>
+                  <a:cxn ang="0">
+                    <a:pos x="connsiteX3" y="connsiteY3"/>
+                  </a:cxn>
+                  <a:cxn ang="0">
+                    <a:pos x="connsiteX4" y="connsiteY4"/>
+                  </a:cxn>
+                  <a:cxn ang="0">
+                    <a:pos x="connsiteX5" y="connsiteY5"/>
+                  </a:cxn>
+                  <a:cxn ang="0">
+                    <a:pos x="connsiteX6" y="connsiteY6"/>
+                  </a:cxn>
+                  <a:cxn ang="0">
+                    <a:pos x="connsiteX7" y="connsiteY7"/>
+                  </a:cxn>
+                </a:cxnLst>
+                <a:rect l="l" t="t" r="r" b="b"/>
+                <a:pathLst>
+                  <a:path w="477838" h="33339">
+                    <a:moveTo>
+                      <a:pt x="0" y="33339"/>
+                    </a:moveTo>
+                    <a:cubicBezTo>
+                      <a:pt x="17330" y="16802"/>
+                      <a:pt x="34660" y="266"/>
+                      <a:pt x="57150" y="1"/>
+                    </a:cubicBezTo>
+                    <a:cubicBezTo>
+                      <a:pt x="79640" y="-264"/>
+                      <a:pt x="106363" y="30428"/>
+                      <a:pt x="134938" y="31751"/>
+                    </a:cubicBezTo>
+                    <a:cubicBezTo>
+                      <a:pt x="163513" y="33074"/>
+                      <a:pt x="203994" y="8997"/>
+                      <a:pt x="228600" y="7939"/>
+                    </a:cubicBezTo>
+                    <a:cubicBezTo>
+                      <a:pt x="253206" y="6881"/>
+                      <a:pt x="258763" y="25930"/>
+                      <a:pt x="282575" y="25401"/>
+                    </a:cubicBezTo>
+                    <a:cubicBezTo>
+                      <a:pt x="306387" y="24872"/>
+                      <a:pt x="345546" y="4235"/>
+                      <a:pt x="371475" y="4764"/>
+                    </a:cubicBezTo>
+                    <a:cubicBezTo>
+                      <a:pt x="397404" y="5293"/>
+                      <a:pt x="420423" y="25137"/>
+                      <a:pt x="438150" y="28576"/>
+                    </a:cubicBezTo>
+                    <a:cubicBezTo>
+                      <a:pt x="455877" y="32015"/>
+                      <a:pt x="466857" y="28708"/>
+                      <a:pt x="477838" y="25401"/>
+                    </a:cubicBezTo>
+                  </a:path>
+                </a:pathLst>
+              </a:custGeom>
+              <a:noFill/>
+              <a:ln>
+                <a:solidFill>
+                  <a:schemeClr val="tx1"/>
+                </a:solidFill>
+              </a:ln>
+            </p:spPr>
+            <p:style>
+              <a:lnRef idx="2">
+                <a:schemeClr val="accent1">
+                  <a:shade val="50000"/>
+                </a:schemeClr>
+              </a:lnRef>
+              <a:fillRef idx="1">
+                <a:schemeClr val="accent1"/>
+              </a:fillRef>
+              <a:effectRef idx="0">
+                <a:schemeClr val="accent1"/>
+              </a:effectRef>
+              <a:fontRef idx="minor">
+                <a:schemeClr val="lt1"/>
+              </a:fontRef>
+            </p:style>
+            <p:txBody>
+              <a:bodyPr rtlCol="0" anchor="ctr"/>
+              <a:lstStyle/>
+              <a:p>
+                <a:pPr algn="ctr"/>
+                <a:endParaRPr lang="en-GB"/>
+              </a:p>
+            </p:txBody>
+          </p:sp>
+          <p:sp>
+            <p:nvSpPr>
+              <p:cNvPr id="64" name="Freeform: Shape 63">
+                <a:extLst>
+                  <a:ext uri="{FF2B5EF4-FFF2-40B4-BE49-F238E27FC236}">
+                    <a16:creationId xmlns:a16="http://schemas.microsoft.com/office/drawing/2014/main" id="{290BCFC4-742A-437B-945B-2B153B8F7C15}"/>
+                  </a:ext>
+                </a:extLst>
+              </p:cNvPr>
+              <p:cNvSpPr/>
+              <p:nvPr/>
+            </p:nvSpPr>
+            <p:spPr>
+              <a:xfrm>
+                <a:off x="6832600" y="2529773"/>
+                <a:ext cx="477838" cy="33339"/>
+              </a:xfrm>
+              <a:custGeom>
+                <a:avLst/>
+                <a:gdLst>
+                  <a:gd name="connsiteX0" fmla="*/ 0 w 477838"/>
+                  <a:gd name="connsiteY0" fmla="*/ 33339 h 33339"/>
+                  <a:gd name="connsiteX1" fmla="*/ 57150 w 477838"/>
+                  <a:gd name="connsiteY1" fmla="*/ 1 h 33339"/>
+                  <a:gd name="connsiteX2" fmla="*/ 134938 w 477838"/>
+                  <a:gd name="connsiteY2" fmla="*/ 31751 h 33339"/>
+                  <a:gd name="connsiteX3" fmla="*/ 228600 w 477838"/>
+                  <a:gd name="connsiteY3" fmla="*/ 7939 h 33339"/>
+                  <a:gd name="connsiteX4" fmla="*/ 282575 w 477838"/>
+                  <a:gd name="connsiteY4" fmla="*/ 25401 h 33339"/>
+                  <a:gd name="connsiteX5" fmla="*/ 371475 w 477838"/>
+                  <a:gd name="connsiteY5" fmla="*/ 4764 h 33339"/>
+                  <a:gd name="connsiteX6" fmla="*/ 438150 w 477838"/>
+                  <a:gd name="connsiteY6" fmla="*/ 28576 h 33339"/>
+                  <a:gd name="connsiteX7" fmla="*/ 477838 w 477838"/>
+                  <a:gd name="connsiteY7" fmla="*/ 25401 h 33339"/>
+                </a:gdLst>
+                <a:ahLst/>
+                <a:cxnLst>
+                  <a:cxn ang="0">
+                    <a:pos x="connsiteX0" y="connsiteY0"/>
+                  </a:cxn>
+                  <a:cxn ang="0">
+                    <a:pos x="connsiteX1" y="connsiteY1"/>
+                  </a:cxn>
+                  <a:cxn ang="0">
+                    <a:pos x="connsiteX2" y="connsiteY2"/>
+                  </a:cxn>
+                  <a:cxn ang="0">
+                    <a:pos x="connsiteX3" y="connsiteY3"/>
+                  </a:cxn>
+                  <a:cxn ang="0">
+                    <a:pos x="connsiteX4" y="connsiteY4"/>
+                  </a:cxn>
+                  <a:cxn ang="0">
+                    <a:pos x="connsiteX5" y="connsiteY5"/>
+                  </a:cxn>
+                  <a:cxn ang="0">
+                    <a:pos x="connsiteX6" y="connsiteY6"/>
+                  </a:cxn>
+                  <a:cxn ang="0">
+                    <a:pos x="connsiteX7" y="connsiteY7"/>
+                  </a:cxn>
+                </a:cxnLst>
+                <a:rect l="l" t="t" r="r" b="b"/>
+                <a:pathLst>
+                  <a:path w="477838" h="33339">
+                    <a:moveTo>
+                      <a:pt x="0" y="33339"/>
+                    </a:moveTo>
+                    <a:cubicBezTo>
+                      <a:pt x="17330" y="16802"/>
+                      <a:pt x="34660" y="266"/>
+                      <a:pt x="57150" y="1"/>
+                    </a:cubicBezTo>
+                    <a:cubicBezTo>
+                      <a:pt x="79640" y="-264"/>
+                      <a:pt x="106363" y="30428"/>
+                      <a:pt x="134938" y="31751"/>
+                    </a:cubicBezTo>
+                    <a:cubicBezTo>
+                      <a:pt x="163513" y="33074"/>
+                      <a:pt x="203994" y="8997"/>
+                      <a:pt x="228600" y="7939"/>
+                    </a:cubicBezTo>
+                    <a:cubicBezTo>
+                      <a:pt x="253206" y="6881"/>
+                      <a:pt x="258763" y="25930"/>
+                      <a:pt x="282575" y="25401"/>
+                    </a:cubicBezTo>
+                    <a:cubicBezTo>
+                      <a:pt x="306387" y="24872"/>
+                      <a:pt x="345546" y="4235"/>
+                      <a:pt x="371475" y="4764"/>
+                    </a:cubicBezTo>
+                    <a:cubicBezTo>
+                      <a:pt x="397404" y="5293"/>
+                      <a:pt x="420423" y="25137"/>
+                      <a:pt x="438150" y="28576"/>
+                    </a:cubicBezTo>
+                    <a:cubicBezTo>
+                      <a:pt x="455877" y="32015"/>
+                      <a:pt x="466857" y="28708"/>
+                      <a:pt x="477838" y="25401"/>
+                    </a:cubicBezTo>
+                  </a:path>
+                </a:pathLst>
+              </a:custGeom>
+              <a:noFill/>
+              <a:ln>
+                <a:solidFill>
+                  <a:schemeClr val="tx1"/>
+                </a:solidFill>
+              </a:ln>
+            </p:spPr>
+            <p:style>
+              <a:lnRef idx="2">
+                <a:schemeClr val="accent1">
+                  <a:shade val="50000"/>
+                </a:schemeClr>
+              </a:lnRef>
+              <a:fillRef idx="1">
+                <a:schemeClr val="accent1"/>
+              </a:fillRef>
+              <a:effectRef idx="0">
+                <a:schemeClr val="accent1"/>
+              </a:effectRef>
+              <a:fontRef idx="minor">
+                <a:schemeClr val="lt1"/>
+              </a:fontRef>
+            </p:style>
+            <p:txBody>
+              <a:bodyPr rtlCol="0" anchor="ctr"/>
+              <a:lstStyle/>
+              <a:p>
+                <a:pPr algn="ctr"/>
+                <a:endParaRPr lang="en-GB"/>
+              </a:p>
+            </p:txBody>
+          </p:sp>
+          <p:sp>
+            <p:nvSpPr>
+              <p:cNvPr id="65" name="Freeform: Shape 64">
+                <a:extLst>
+                  <a:ext uri="{FF2B5EF4-FFF2-40B4-BE49-F238E27FC236}">
+                    <a16:creationId xmlns:a16="http://schemas.microsoft.com/office/drawing/2014/main" id="{6E4E7BED-D8CB-4BDB-83D4-B5B941025470}"/>
+                  </a:ext>
+                </a:extLst>
+              </p:cNvPr>
+              <p:cNvSpPr/>
+              <p:nvPr/>
+            </p:nvSpPr>
+            <p:spPr>
+              <a:xfrm>
+                <a:off x="6832600" y="2601560"/>
+                <a:ext cx="477838" cy="33339"/>
+              </a:xfrm>
+              <a:custGeom>
+                <a:avLst/>
+                <a:gdLst>
+                  <a:gd name="connsiteX0" fmla="*/ 0 w 477838"/>
+                  <a:gd name="connsiteY0" fmla="*/ 33339 h 33339"/>
+                  <a:gd name="connsiteX1" fmla="*/ 57150 w 477838"/>
+                  <a:gd name="connsiteY1" fmla="*/ 1 h 33339"/>
+                  <a:gd name="connsiteX2" fmla="*/ 134938 w 477838"/>
+                  <a:gd name="connsiteY2" fmla="*/ 31751 h 33339"/>
+                  <a:gd name="connsiteX3" fmla="*/ 228600 w 477838"/>
+                  <a:gd name="connsiteY3" fmla="*/ 7939 h 33339"/>
+                  <a:gd name="connsiteX4" fmla="*/ 282575 w 477838"/>
+                  <a:gd name="connsiteY4" fmla="*/ 25401 h 33339"/>
+                  <a:gd name="connsiteX5" fmla="*/ 371475 w 477838"/>
+                  <a:gd name="connsiteY5" fmla="*/ 4764 h 33339"/>
+                  <a:gd name="connsiteX6" fmla="*/ 438150 w 477838"/>
+                  <a:gd name="connsiteY6" fmla="*/ 28576 h 33339"/>
+                  <a:gd name="connsiteX7" fmla="*/ 477838 w 477838"/>
+                  <a:gd name="connsiteY7" fmla="*/ 25401 h 33339"/>
+                </a:gdLst>
+                <a:ahLst/>
+                <a:cxnLst>
+                  <a:cxn ang="0">
+                    <a:pos x="connsiteX0" y="connsiteY0"/>
+                  </a:cxn>
+                  <a:cxn ang="0">
+                    <a:pos x="connsiteX1" y="connsiteY1"/>
+                  </a:cxn>
+                  <a:cxn ang="0">
+                    <a:pos x="connsiteX2" y="connsiteY2"/>
+                  </a:cxn>
+                  <a:cxn ang="0">
+                    <a:pos x="connsiteX3" y="connsiteY3"/>
+                  </a:cxn>
+                  <a:cxn ang="0">
+                    <a:pos x="connsiteX4" y="connsiteY4"/>
+                  </a:cxn>
+                  <a:cxn ang="0">
+                    <a:pos x="connsiteX5" y="connsiteY5"/>
+                  </a:cxn>
+                  <a:cxn ang="0">
+                    <a:pos x="connsiteX6" y="connsiteY6"/>
+                  </a:cxn>
+                  <a:cxn ang="0">
+                    <a:pos x="connsiteX7" y="connsiteY7"/>
+                  </a:cxn>
+                </a:cxnLst>
+                <a:rect l="l" t="t" r="r" b="b"/>
+                <a:pathLst>
+                  <a:path w="477838" h="33339">
+                    <a:moveTo>
+                      <a:pt x="0" y="33339"/>
+                    </a:moveTo>
+                    <a:cubicBezTo>
+                      <a:pt x="17330" y="16802"/>
+                      <a:pt x="34660" y="266"/>
+                      <a:pt x="57150" y="1"/>
+                    </a:cubicBezTo>
+                    <a:cubicBezTo>
+                      <a:pt x="79640" y="-264"/>
+                      <a:pt x="106363" y="30428"/>
+                      <a:pt x="134938" y="31751"/>
+                    </a:cubicBezTo>
+                    <a:cubicBezTo>
+                      <a:pt x="163513" y="33074"/>
+                      <a:pt x="203994" y="8997"/>
+                      <a:pt x="228600" y="7939"/>
+                    </a:cubicBezTo>
+                    <a:cubicBezTo>
+                      <a:pt x="253206" y="6881"/>
+                      <a:pt x="258763" y="25930"/>
+                      <a:pt x="282575" y="25401"/>
+                    </a:cubicBezTo>
+                    <a:cubicBezTo>
+                      <a:pt x="306387" y="24872"/>
+                      <a:pt x="345546" y="4235"/>
+                      <a:pt x="371475" y="4764"/>
+                    </a:cubicBezTo>
+                    <a:cubicBezTo>
+                      <a:pt x="397404" y="5293"/>
+                      <a:pt x="420423" y="25137"/>
+                      <a:pt x="438150" y="28576"/>
+                    </a:cubicBezTo>
+                    <a:cubicBezTo>
+                      <a:pt x="455877" y="32015"/>
+                      <a:pt x="466857" y="28708"/>
+                      <a:pt x="477838" y="25401"/>
+                    </a:cubicBezTo>
+                  </a:path>
+                </a:pathLst>
+              </a:custGeom>
+              <a:noFill/>
+              <a:ln>
+                <a:solidFill>
+                  <a:schemeClr val="tx1"/>
+                </a:solidFill>
+              </a:ln>
+            </p:spPr>
+            <p:style>
+              <a:lnRef idx="2">
+                <a:schemeClr val="accent1">
+                  <a:shade val="50000"/>
+                </a:schemeClr>
+              </a:lnRef>
+              <a:fillRef idx="1">
+                <a:schemeClr val="accent1"/>
+              </a:fillRef>
+              <a:effectRef idx="0">
+                <a:schemeClr val="accent1"/>
+              </a:effectRef>
+              <a:fontRef idx="minor">
+                <a:schemeClr val="lt1"/>
+              </a:fontRef>
+            </p:style>
+            <p:txBody>
+              <a:bodyPr rtlCol="0" anchor="ctr"/>
+              <a:lstStyle/>
+              <a:p>
+                <a:pPr algn="ctr"/>
+                <a:endParaRPr lang="en-GB"/>
+              </a:p>
+            </p:txBody>
+          </p:sp>
+        </p:grpSp>
+        <p:sp>
+          <p:nvSpPr>
+            <p:cNvPr id="56" name="TextBox 55">
+              <a:extLst>
+                <a:ext uri="{FF2B5EF4-FFF2-40B4-BE49-F238E27FC236}">
+                  <a16:creationId xmlns:a16="http://schemas.microsoft.com/office/drawing/2014/main" id="{15E93A79-C746-4B86-BD6E-65E0DC27E84A}"/>
+                </a:ext>
+              </a:extLst>
+            </p:cNvPr>
+            <p:cNvSpPr txBox="1"/>
+            <p:nvPr/>
+          </p:nvSpPr>
+          <p:spPr>
+            <a:xfrm>
+              <a:off x="4946949" y="4905569"/>
+              <a:ext cx="1697516" cy="307777"/>
+            </a:xfrm>
+            <a:prstGeom prst="rect">
+              <a:avLst/>
+            </a:prstGeom>
+            <a:noFill/>
+          </p:spPr>
+          <p:txBody>
+            <a:bodyPr wrap="none" rtlCol="0">
+              <a:spAutoFit/>
+            </a:bodyPr>
+            <a:lstStyle/>
+            <a:p>
+              <a:r>
+                <a:rPr lang="en-GB" sz="1400" dirty="0"/>
+                <a:t>Trading Metrics Data</a:t>
+              </a:r>
+            </a:p>
+          </p:txBody>
+        </p:sp>
+      </p:grpSp>
+      <p:sp>
+        <p:nvSpPr>
+          <p:cNvPr id="119" name="Arrow: Curved Down 118">
+            <a:extLst>
+              <a:ext uri="{FF2B5EF4-FFF2-40B4-BE49-F238E27FC236}">
+                <a16:creationId xmlns:a16="http://schemas.microsoft.com/office/drawing/2014/main" id="{374C5CCB-A9E1-4565-BF99-81676966D1DA}"/>
+              </a:ext>
+            </a:extLst>
+          </p:cNvPr>
+          <p:cNvSpPr/>
+          <p:nvPr/>
+        </p:nvSpPr>
+        <p:spPr>
+          <a:xfrm rot="241236">
+            <a:off x="6841729" y="5095294"/>
+            <a:ext cx="1656083" cy="394438"/>
+          </a:xfrm>
+          <a:prstGeom prst="curvedDownArrow">
+            <a:avLst>
+              <a:gd name="adj1" fmla="val 14226"/>
+              <a:gd name="adj2" fmla="val 36890"/>
+              <a:gd name="adj3" fmla="val 42350"/>
+            </a:avLst>
+          </a:prstGeom>
+        </p:spPr>
+        <p:style>
+          <a:lnRef idx="2">
+            <a:schemeClr val="accent1">
+              <a:shade val="50000"/>
+            </a:schemeClr>
+          </a:lnRef>
+          <a:fillRef idx="1">
+            <a:schemeClr val="accent1"/>
+          </a:fillRef>
+          <a:effectRef idx="0">
+            <a:schemeClr val="accent1"/>
+          </a:effectRef>
+          <a:fontRef idx="minor">
+            <a:schemeClr val="lt1"/>
+          </a:fontRef>
+        </p:style>
+        <p:txBody>
+          <a:bodyPr rtlCol="0" anchor="ctr"/>
+          <a:lstStyle/>
+          <a:p>
+            <a:pPr algn="ctr"/>
+            <a:endParaRPr lang="en-GB">
+              <a:solidFill>
+                <a:schemeClr val="tx1"/>
+              </a:solidFill>
+            </a:endParaRPr>
+          </a:p>
+        </p:txBody>
+      </p:sp>
+      <p:sp>
+        <p:nvSpPr>
+          <p:cNvPr id="120" name="TextBox 119">
+            <a:extLst>
+              <a:ext uri="{FF2B5EF4-FFF2-40B4-BE49-F238E27FC236}">
+                <a16:creationId xmlns:a16="http://schemas.microsoft.com/office/drawing/2014/main" id="{351F2488-EC9E-46E8-BECF-2F29D9D314C7}"/>
+              </a:ext>
+            </a:extLst>
+          </p:cNvPr>
+          <p:cNvSpPr txBox="1"/>
+          <p:nvPr/>
+        </p:nvSpPr>
+        <p:spPr>
+          <a:xfrm>
+            <a:off x="8286045" y="5361183"/>
+            <a:ext cx="1002197" cy="646331"/>
+          </a:xfrm>
+          <a:prstGeom prst="rect">
+            <a:avLst/>
+          </a:prstGeom>
+          <a:noFill/>
+          <a:ln>
+            <a:solidFill>
+              <a:schemeClr val="tx1"/>
+            </a:solidFill>
+          </a:ln>
+        </p:spPr>
+        <p:txBody>
+          <a:bodyPr wrap="none" rtlCol="0">
+            <a:spAutoFit/>
+          </a:bodyPr>
+          <a:lstStyle/>
+          <a:p>
+            <a:pPr algn="ctr"/>
+            <a:r>
+              <a:rPr lang="en-GB" dirty="0"/>
+              <a:t>Local</a:t>
+            </a:r>
+          </a:p>
+          <a:p>
+            <a:pPr algn="ctr"/>
+            <a:r>
+              <a:rPr lang="en-GB" dirty="0"/>
+              <a:t>Machine</a:t>
+            </a:r>
+          </a:p>
+        </p:txBody>
+      </p:sp>
+      <p:sp>
+        <p:nvSpPr>
+          <p:cNvPr id="122" name="TextBox 121">
+            <a:extLst>
+              <a:ext uri="{FF2B5EF4-FFF2-40B4-BE49-F238E27FC236}">
+                <a16:creationId xmlns:a16="http://schemas.microsoft.com/office/drawing/2014/main" id="{C6A2398A-9F6B-43AE-BFCD-485D9361AB33}"/>
+              </a:ext>
+            </a:extLst>
+          </p:cNvPr>
+          <p:cNvSpPr txBox="1"/>
+          <p:nvPr/>
+        </p:nvSpPr>
+        <p:spPr>
+          <a:xfrm rot="412169">
+            <a:off x="7717914" y="4791636"/>
+            <a:ext cx="530915" cy="369332"/>
+          </a:xfrm>
+          <a:prstGeom prst="rect">
+            <a:avLst/>
+          </a:prstGeom>
+          <a:noFill/>
+        </p:spPr>
+        <p:txBody>
+          <a:bodyPr wrap="none" rtlCol="0">
+            <a:spAutoFit/>
+          </a:bodyPr>
+          <a:lstStyle/>
+          <a:p>
+            <a:r>
+              <a:rPr lang="en-GB" dirty="0"/>
+              <a:t>Pull</a:t>
+            </a:r>
+          </a:p>
+        </p:txBody>
+      </p:sp>
+      <p:sp>
+        <p:nvSpPr>
+          <p:cNvPr id="6" name="TextBox 5">
+            <a:extLst>
+              <a:ext uri="{FF2B5EF4-FFF2-40B4-BE49-F238E27FC236}">
+                <a16:creationId xmlns:a16="http://schemas.microsoft.com/office/drawing/2014/main" id="{C337B327-6CCE-4F3E-A90C-E61F6C87A0C4}"/>
+              </a:ext>
+            </a:extLst>
+          </p:cNvPr>
+          <p:cNvSpPr txBox="1"/>
+          <p:nvPr/>
+        </p:nvSpPr>
+        <p:spPr>
+          <a:xfrm>
+            <a:off x="10481911" y="5500837"/>
+            <a:ext cx="688971" cy="369332"/>
+          </a:xfrm>
+          <a:prstGeom prst="rect">
+            <a:avLst/>
+          </a:prstGeom>
+          <a:noFill/>
+          <a:ln>
+            <a:solidFill>
+              <a:schemeClr val="tx1"/>
+            </a:solidFill>
+          </a:ln>
+        </p:spPr>
+        <p:txBody>
+          <a:bodyPr wrap="none" rtlCol="0">
+            <a:spAutoFit/>
+          </a:bodyPr>
+          <a:lstStyle/>
+          <a:p>
+            <a:r>
+              <a:rPr lang="en-GB" dirty="0" err="1"/>
+              <a:t>Etoro</a:t>
+            </a:r>
+            <a:endParaRPr lang="en-GB" dirty="0"/>
+          </a:p>
+        </p:txBody>
+      </p:sp>
+      <p:sp>
+        <p:nvSpPr>
+          <p:cNvPr id="66" name="Arrow: Curved Down 65">
+            <a:extLst>
+              <a:ext uri="{FF2B5EF4-FFF2-40B4-BE49-F238E27FC236}">
+                <a16:creationId xmlns:a16="http://schemas.microsoft.com/office/drawing/2014/main" id="{4EE5A4FC-AB55-4093-9066-3E4D45892D9B}"/>
+              </a:ext>
+            </a:extLst>
+          </p:cNvPr>
+          <p:cNvSpPr/>
+          <p:nvPr/>
+        </p:nvSpPr>
+        <p:spPr>
+          <a:xfrm rot="330825">
+            <a:off x="9192884" y="4842015"/>
+            <a:ext cx="1824513" cy="606137"/>
+          </a:xfrm>
+          <a:prstGeom prst="curvedDownArrow">
+            <a:avLst>
+              <a:gd name="adj1" fmla="val 15464"/>
+              <a:gd name="adj2" fmla="val 57554"/>
+              <a:gd name="adj3" fmla="val 42217"/>
+            </a:avLst>
+          </a:prstGeom>
+        </p:spPr>
+        <p:style>
+          <a:lnRef idx="2">
+            <a:schemeClr val="accent1">
+              <a:shade val="50000"/>
+            </a:schemeClr>
+          </a:lnRef>
+          <a:fillRef idx="1">
+            <a:schemeClr val="accent1"/>
+          </a:fillRef>
+          <a:effectRef idx="0">
+            <a:schemeClr val="accent1"/>
+          </a:effectRef>
+          <a:fontRef idx="minor">
+            <a:schemeClr val="lt1"/>
+          </a:fontRef>
+        </p:style>
+        <p:txBody>
+          <a:bodyPr rtlCol="0" anchor="ctr"/>
+          <a:lstStyle/>
+          <a:p>
+            <a:pPr algn="ctr"/>
+            <a:endParaRPr lang="en-GB">
+              <a:solidFill>
+                <a:schemeClr val="tx1"/>
+              </a:solidFill>
+            </a:endParaRPr>
+          </a:p>
+        </p:txBody>
+      </p:sp>
+      <p:sp>
+        <p:nvSpPr>
+          <p:cNvPr id="67" name="Arrow: Curved Down 66">
+            <a:extLst>
+              <a:ext uri="{FF2B5EF4-FFF2-40B4-BE49-F238E27FC236}">
+                <a16:creationId xmlns:a16="http://schemas.microsoft.com/office/drawing/2014/main" id="{827D7B66-791E-4DB7-991F-3A4115AAAAB4}"/>
+              </a:ext>
+            </a:extLst>
+          </p:cNvPr>
+          <p:cNvSpPr/>
+          <p:nvPr/>
+        </p:nvSpPr>
+        <p:spPr>
+          <a:xfrm rot="10602549">
+            <a:off x="9134721" y="5935049"/>
+            <a:ext cx="1824513" cy="606137"/>
+          </a:xfrm>
+          <a:prstGeom prst="curvedDownArrow">
+            <a:avLst>
+              <a:gd name="adj1" fmla="val 15464"/>
+              <a:gd name="adj2" fmla="val 57554"/>
+              <a:gd name="adj3" fmla="val 42217"/>
+            </a:avLst>
+          </a:prstGeom>
+        </p:spPr>
+        <p:style>
+          <a:lnRef idx="2">
+            <a:schemeClr val="accent1">
+              <a:shade val="50000"/>
+            </a:schemeClr>
+          </a:lnRef>
+          <a:fillRef idx="1">
+            <a:schemeClr val="accent1"/>
+          </a:fillRef>
+          <a:effectRef idx="0">
+            <a:schemeClr val="accent1"/>
+          </a:effectRef>
+          <a:fontRef idx="minor">
+            <a:schemeClr val="lt1"/>
+          </a:fontRef>
+        </p:style>
+        <p:txBody>
+          <a:bodyPr rtlCol="0" anchor="ctr"/>
+          <a:lstStyle/>
+          <a:p>
+            <a:pPr algn="ctr"/>
+            <a:endParaRPr lang="en-GB">
+              <a:solidFill>
+                <a:schemeClr val="tx1"/>
+              </a:solidFill>
+            </a:endParaRPr>
+          </a:p>
+        </p:txBody>
+      </p:sp>
+      <p:sp>
+        <p:nvSpPr>
+          <p:cNvPr id="68" name="TextBox 67">
+            <a:extLst>
+              <a:ext uri="{FF2B5EF4-FFF2-40B4-BE49-F238E27FC236}">
+                <a16:creationId xmlns:a16="http://schemas.microsoft.com/office/drawing/2014/main" id="{80880F91-3A42-4FAA-ADA8-86724DCAB7E0}"/>
+              </a:ext>
+            </a:extLst>
+          </p:cNvPr>
+          <p:cNvSpPr txBox="1"/>
+          <p:nvPr/>
+        </p:nvSpPr>
+        <p:spPr>
+          <a:xfrm>
+            <a:off x="9172416" y="4475619"/>
+            <a:ext cx="1865447" cy="369332"/>
+          </a:xfrm>
+          <a:prstGeom prst="rect">
+            <a:avLst/>
+          </a:prstGeom>
+          <a:noFill/>
+        </p:spPr>
+        <p:txBody>
+          <a:bodyPr wrap="none" rtlCol="0">
+            <a:spAutoFit/>
+          </a:bodyPr>
+          <a:lstStyle/>
+          <a:p>
+            <a:r>
+              <a:rPr lang="en-GB" dirty="0"/>
+              <a:t>Trade Instructions</a:t>
+            </a:r>
+          </a:p>
+        </p:txBody>
+      </p:sp>
+      <p:sp>
+        <p:nvSpPr>
+          <p:cNvPr id="69" name="TextBox 68">
+            <a:extLst>
+              <a:ext uri="{FF2B5EF4-FFF2-40B4-BE49-F238E27FC236}">
+                <a16:creationId xmlns:a16="http://schemas.microsoft.com/office/drawing/2014/main" id="{41F0F29D-21DE-4D40-9E54-FBB746AF8CC7}"/>
+              </a:ext>
+            </a:extLst>
+          </p:cNvPr>
+          <p:cNvSpPr txBox="1"/>
+          <p:nvPr/>
+        </p:nvSpPr>
+        <p:spPr>
+          <a:xfrm>
+            <a:off x="9779114" y="6523856"/>
+            <a:ext cx="535724" cy="369332"/>
+          </a:xfrm>
+          <a:prstGeom prst="rect">
+            <a:avLst/>
+          </a:prstGeom>
+          <a:noFill/>
+        </p:spPr>
+        <p:txBody>
+          <a:bodyPr wrap="none" rtlCol="0">
+            <a:spAutoFit/>
+          </a:bodyPr>
+          <a:lstStyle/>
+          <a:p>
+            <a:r>
+              <a:rPr lang="en-GB" dirty="0"/>
+              <a:t>$$$</a:t>
+            </a:r>
+          </a:p>
+        </p:txBody>
+      </p:sp>
+      <p:sp>
+        <p:nvSpPr>
+          <p:cNvPr id="8" name="TextBox 7">
+            <a:extLst>
+              <a:ext uri="{FF2B5EF4-FFF2-40B4-BE49-F238E27FC236}">
+                <a16:creationId xmlns:a16="http://schemas.microsoft.com/office/drawing/2014/main" id="{517AD930-BF51-4657-8787-EEF7ACADD9F9}"/>
+              </a:ext>
+            </a:extLst>
+          </p:cNvPr>
+          <p:cNvSpPr txBox="1"/>
+          <p:nvPr/>
+        </p:nvSpPr>
+        <p:spPr>
+          <a:xfrm>
+            <a:off x="7814144" y="804535"/>
+            <a:ext cx="3892091" cy="1477328"/>
+          </a:xfrm>
+          <a:prstGeom prst="rect">
+            <a:avLst/>
+          </a:prstGeom>
+          <a:noFill/>
+        </p:spPr>
+        <p:txBody>
+          <a:bodyPr wrap="none" rtlCol="0">
+            <a:spAutoFit/>
+          </a:bodyPr>
+          <a:lstStyle/>
+          <a:p>
+            <a:pPr marL="285750" indent="-285750">
+              <a:buFont typeface="Arial" panose="020B0604020202020204" pitchFamily="34" charset="0"/>
+              <a:buChar char="•"/>
+            </a:pPr>
+            <a:r>
+              <a:rPr lang="en-GB" dirty="0"/>
+              <a:t>All modules write data to .csv files in</a:t>
+            </a:r>
+            <a:br>
+              <a:rPr lang="en-GB" dirty="0"/>
+            </a:br>
+            <a:r>
+              <a:rPr lang="en-GB" dirty="0"/>
+              <a:t>one minute intervals</a:t>
+            </a:r>
+          </a:p>
+          <a:p>
+            <a:pPr marL="285750" indent="-285750">
+              <a:buFont typeface="Arial" panose="020B0604020202020204" pitchFamily="34" charset="0"/>
+              <a:buChar char="•"/>
+            </a:pPr>
+            <a:r>
+              <a:rPr lang="en-GB" dirty="0"/>
+              <a:t>Emails sent to local machines in one</a:t>
+            </a:r>
+            <a:br>
+              <a:rPr lang="en-GB" dirty="0"/>
+            </a:br>
+            <a:r>
+              <a:rPr lang="en-GB" dirty="0"/>
+              <a:t>hour intervals</a:t>
+            </a:r>
+          </a:p>
+          <a:p>
+            <a:pPr marL="285750" indent="-285750">
+              <a:buFont typeface="Arial" panose="020B0604020202020204" pitchFamily="34" charset="0"/>
+              <a:buChar char="•"/>
+            </a:pPr>
+            <a:endParaRPr lang="en-GB" dirty="0"/>
+          </a:p>
+        </p:txBody>
+      </p:sp>
+      <p:cxnSp>
+        <p:nvCxnSpPr>
+          <p:cNvPr id="3" name="Connector: Elbow 2">
+            <a:extLst>
+              <a:ext uri="{FF2B5EF4-FFF2-40B4-BE49-F238E27FC236}">
+                <a16:creationId xmlns:a16="http://schemas.microsoft.com/office/drawing/2014/main" id="{3FB626FF-2312-4694-BBAA-152A9C02427C}"/>
+              </a:ext>
+            </a:extLst>
+          </p:cNvPr>
+          <p:cNvCxnSpPr>
+            <a:cxnSpLocks/>
+            <a:stCxn id="18" idx="3"/>
+            <a:endCxn id="24" idx="0"/>
+          </p:cNvCxnSpPr>
+          <p:nvPr/>
+        </p:nvCxnSpPr>
+        <p:spPr>
+          <a:xfrm flipV="1">
+            <a:off x="3968641" y="2068090"/>
+            <a:ext cx="2579419" cy="459556"/>
+          </a:xfrm>
+          <a:prstGeom prst="bentConnector4">
+            <a:avLst>
+              <a:gd name="adj1" fmla="val 44502"/>
+              <a:gd name="adj2" fmla="val 131090"/>
+            </a:avLst>
+          </a:prstGeom>
+          <a:ln w="19050">
+            <a:solidFill>
+              <a:schemeClr val="tx1"/>
+            </a:solidFill>
+            <a:tailEnd type="triangle"/>
+          </a:ln>
+        </p:spPr>
+        <p:style>
+          <a:lnRef idx="1">
+            <a:schemeClr val="accent1"/>
+          </a:lnRef>
+          <a:fillRef idx="0">
+            <a:schemeClr val="accent1"/>
+          </a:fillRef>
+          <a:effectRef idx="0">
+            <a:schemeClr val="accent1"/>
+          </a:effectRef>
+          <a:fontRef idx="minor">
+            <a:schemeClr val="tx1"/>
+          </a:fontRef>
+        </p:style>
+      </p:cxnSp>
+      <p:cxnSp>
+        <p:nvCxnSpPr>
+          <p:cNvPr id="71" name="Connector: Elbow 70">
+            <a:extLst>
+              <a:ext uri="{FF2B5EF4-FFF2-40B4-BE49-F238E27FC236}">
+                <a16:creationId xmlns:a16="http://schemas.microsoft.com/office/drawing/2014/main" id="{DD2466A2-0D83-4E3F-8E28-0930C37F3383}"/>
+              </a:ext>
+            </a:extLst>
+          </p:cNvPr>
+          <p:cNvCxnSpPr>
+            <a:cxnSpLocks/>
+            <a:stCxn id="22" idx="2"/>
+            <a:endCxn id="61" idx="0"/>
+          </p:cNvCxnSpPr>
+          <p:nvPr/>
+        </p:nvCxnSpPr>
+        <p:spPr>
+          <a:xfrm rot="16200000" flipH="1">
+            <a:off x="4806915" y="3905449"/>
+            <a:ext cx="122387" cy="2883773"/>
+          </a:xfrm>
+          <a:prstGeom prst="bentConnector4">
+            <a:avLst>
+              <a:gd name="adj1" fmla="val 293208"/>
+              <a:gd name="adj2" fmla="val 55135"/>
+            </a:avLst>
+          </a:prstGeom>
+          <a:ln w="19050">
+            <a:solidFill>
+              <a:schemeClr val="tx1"/>
+            </a:solidFill>
+            <a:tailEnd type="triangle"/>
+          </a:ln>
+        </p:spPr>
+        <p:style>
+          <a:lnRef idx="1">
+            <a:schemeClr val="accent1"/>
+          </a:lnRef>
+          <a:fillRef idx="0">
+            <a:schemeClr val="accent1"/>
+          </a:fillRef>
+          <a:effectRef idx="0">
+            <a:schemeClr val="accent1"/>
+          </a:effectRef>
+          <a:fontRef idx="minor">
+            <a:schemeClr val="tx1"/>
+          </a:fontRef>
+        </p:style>
+      </p:cxnSp>
+      <p:cxnSp>
+        <p:nvCxnSpPr>
+          <p:cNvPr id="73" name="Connector: Elbow 72">
+            <a:extLst>
+              <a:ext uri="{FF2B5EF4-FFF2-40B4-BE49-F238E27FC236}">
+                <a16:creationId xmlns:a16="http://schemas.microsoft.com/office/drawing/2014/main" id="{889B00A3-8693-414E-A621-8059B75041B0}"/>
+              </a:ext>
+            </a:extLst>
+          </p:cNvPr>
+          <p:cNvCxnSpPr>
+            <a:cxnSpLocks/>
+            <a:stCxn id="23" idx="2"/>
+            <a:endCxn id="39" idx="0"/>
+          </p:cNvCxnSpPr>
+          <p:nvPr/>
+        </p:nvCxnSpPr>
+        <p:spPr>
+          <a:xfrm rot="5400000" flipH="1" flipV="1">
+            <a:off x="4564170" y="2118379"/>
+            <a:ext cx="709815" cy="3306150"/>
+          </a:xfrm>
+          <a:prstGeom prst="bentConnector5">
+            <a:avLst>
+              <a:gd name="adj1" fmla="val -32206"/>
+              <a:gd name="adj2" fmla="val 42621"/>
+              <a:gd name="adj3" fmla="val 122812"/>
+            </a:avLst>
+          </a:prstGeom>
+          <a:ln w="19050">
+            <a:solidFill>
+              <a:schemeClr val="tx1"/>
+            </a:solidFill>
+            <a:tailEnd type="triangle"/>
+          </a:ln>
+        </p:spPr>
+        <p:style>
+          <a:lnRef idx="1">
+            <a:schemeClr val="accent1"/>
+          </a:lnRef>
+          <a:fillRef idx="0">
+            <a:schemeClr val="accent1"/>
+          </a:fillRef>
+          <a:effectRef idx="0">
+            <a:schemeClr val="accent1"/>
+          </a:effectRef>
+          <a:fontRef idx="minor">
+            <a:schemeClr val="tx1"/>
+          </a:fontRef>
+        </p:style>
+      </p:cxnSp>
+      <p:sp>
+        <p:nvSpPr>
+          <p:cNvPr id="97" name="Rectangle 96">
+            <a:extLst>
+              <a:ext uri="{FF2B5EF4-FFF2-40B4-BE49-F238E27FC236}">
+                <a16:creationId xmlns:a16="http://schemas.microsoft.com/office/drawing/2014/main" id="{3E29E905-7BB2-4421-9204-4EB488BEAD13}"/>
+              </a:ext>
+            </a:extLst>
+          </p:cNvPr>
+          <p:cNvSpPr/>
+          <p:nvPr/>
+        </p:nvSpPr>
+        <p:spPr>
+          <a:xfrm>
+            <a:off x="5469659" y="1443544"/>
+            <a:ext cx="1948074" cy="4795331"/>
+          </a:xfrm>
+          <a:prstGeom prst="rect">
+            <a:avLst/>
+          </a:prstGeom>
+          <a:noFill/>
+          <a:ln>
+            <a:solidFill>
+              <a:schemeClr val="tx1"/>
+            </a:solidFill>
+            <a:prstDash val="dash"/>
+          </a:ln>
+        </p:spPr>
+        <p:style>
+          <a:lnRef idx="2">
+            <a:schemeClr val="accent1">
+              <a:shade val="50000"/>
+            </a:schemeClr>
+          </a:lnRef>
+          <a:fillRef idx="1">
+            <a:schemeClr val="accent1"/>
+          </a:fillRef>
+          <a:effectRef idx="0">
+            <a:schemeClr val="accent1"/>
+          </a:effectRef>
+          <a:fontRef idx="minor">
+            <a:schemeClr val="lt1"/>
+          </a:fontRef>
+        </p:style>
+        <p:txBody>
+          <a:bodyPr rtlCol="0" anchor="ctr"/>
+          <a:lstStyle/>
+          <a:p>
+            <a:pPr algn="ctr"/>
+            <a:endParaRPr lang="en-GB"/>
+          </a:p>
+        </p:txBody>
+      </p:sp>
+      <p:sp>
+        <p:nvSpPr>
+          <p:cNvPr id="98" name="TextBox 97">
+            <a:extLst>
+              <a:ext uri="{FF2B5EF4-FFF2-40B4-BE49-F238E27FC236}">
+                <a16:creationId xmlns:a16="http://schemas.microsoft.com/office/drawing/2014/main" id="{0DD6461B-FBA6-4FB4-B9B7-500A13574AAE}"/>
+              </a:ext>
+            </a:extLst>
+          </p:cNvPr>
+          <p:cNvSpPr txBox="1"/>
+          <p:nvPr/>
+        </p:nvSpPr>
+        <p:spPr>
+          <a:xfrm>
+            <a:off x="5725381" y="1423048"/>
+            <a:ext cx="1575496" cy="369332"/>
+          </a:xfrm>
+          <a:prstGeom prst="rect">
+            <a:avLst/>
+          </a:prstGeom>
+          <a:noFill/>
+        </p:spPr>
+        <p:txBody>
+          <a:bodyPr wrap="none" rtlCol="0">
+            <a:spAutoFit/>
+          </a:bodyPr>
+          <a:lstStyle/>
+          <a:p>
+            <a:r>
+              <a:rPr lang="en-GB" b="1" dirty="0"/>
+              <a:t>FTPS Directory</a:t>
+            </a:r>
+          </a:p>
+        </p:txBody>
+      </p:sp>
+      <p:cxnSp>
+        <p:nvCxnSpPr>
+          <p:cNvPr id="7" name="Connector: Elbow 6">
+            <a:extLst>
+              <a:ext uri="{FF2B5EF4-FFF2-40B4-BE49-F238E27FC236}">
+                <a16:creationId xmlns:a16="http://schemas.microsoft.com/office/drawing/2014/main" id="{8B5C0898-4032-42BC-829D-0ACE4BB07552}"/>
+              </a:ext>
+            </a:extLst>
+          </p:cNvPr>
+          <p:cNvCxnSpPr>
+            <a:stCxn id="29" idx="0"/>
+            <a:endCxn id="23" idx="0"/>
+          </p:cNvCxnSpPr>
+          <p:nvPr/>
+        </p:nvCxnSpPr>
+        <p:spPr>
+          <a:xfrm flipH="1">
+            <a:off x="3266003" y="2470785"/>
+            <a:ext cx="3040757" cy="1009245"/>
+          </a:xfrm>
+          <a:prstGeom prst="bentConnector4">
+            <a:avLst>
+              <a:gd name="adj1" fmla="val 23180"/>
+              <a:gd name="adj2" fmla="val 55663"/>
+            </a:avLst>
+          </a:prstGeom>
+          <a:ln w="19050">
+            <a:solidFill>
+              <a:schemeClr val="tx1"/>
+            </a:solidFill>
+            <a:tailEnd type="triangle"/>
+          </a:ln>
+        </p:spPr>
+        <p:style>
+          <a:lnRef idx="1">
+            <a:schemeClr val="accent1"/>
+          </a:lnRef>
+          <a:fillRef idx="0">
+            <a:schemeClr val="accent1"/>
+          </a:fillRef>
+          <a:effectRef idx="0">
+            <a:schemeClr val="accent1"/>
+          </a:effectRef>
+          <a:fontRef idx="minor">
+            <a:schemeClr val="tx1"/>
+          </a:fontRef>
+        </p:style>
+      </p:cxnSp>
+      <p:cxnSp>
+        <p:nvCxnSpPr>
+          <p:cNvPr id="36" name="Connector: Elbow 35">
+            <a:extLst>
+              <a:ext uri="{FF2B5EF4-FFF2-40B4-BE49-F238E27FC236}">
+                <a16:creationId xmlns:a16="http://schemas.microsoft.com/office/drawing/2014/main" id="{160E243E-5F28-4D1F-BC06-07D1B058EF92}"/>
+              </a:ext>
+            </a:extLst>
+          </p:cNvPr>
+          <p:cNvCxnSpPr>
+            <a:stCxn id="39" idx="1"/>
+            <a:endCxn id="22" idx="3"/>
+          </p:cNvCxnSpPr>
+          <p:nvPr/>
+        </p:nvCxnSpPr>
+        <p:spPr>
+          <a:xfrm rot="10800000" flipV="1">
+            <a:off x="4266196" y="3780612"/>
+            <a:ext cx="2022325" cy="1182365"/>
+          </a:xfrm>
+          <a:prstGeom prst="bentConnector3">
+            <a:avLst>
+              <a:gd name="adj1" fmla="val 54239"/>
+            </a:avLst>
+          </a:prstGeom>
+          <a:ln w="19050">
+            <a:solidFill>
+              <a:schemeClr val="tx1"/>
+            </a:solidFill>
+            <a:tailEnd type="triangle"/>
+          </a:ln>
+        </p:spPr>
+        <p:style>
+          <a:lnRef idx="1">
+            <a:schemeClr val="accent1"/>
+          </a:lnRef>
+          <a:fillRef idx="0">
+            <a:schemeClr val="accent1"/>
+          </a:fillRef>
+          <a:effectRef idx="0">
+            <a:schemeClr val="accent1"/>
+          </a:effectRef>
+          <a:fontRef idx="minor">
+            <a:schemeClr val="tx1"/>
+          </a:fontRef>
+        </p:style>
+      </p:cxnSp>
+      <p:cxnSp>
+        <p:nvCxnSpPr>
+          <p:cNvPr id="70" name="Connector: Elbow 69">
+            <a:extLst>
+              <a:ext uri="{FF2B5EF4-FFF2-40B4-BE49-F238E27FC236}">
+                <a16:creationId xmlns:a16="http://schemas.microsoft.com/office/drawing/2014/main" id="{E4B9CCAF-51C8-4F01-B601-02FADFEA72A8}"/>
+              </a:ext>
+            </a:extLst>
+          </p:cNvPr>
+          <p:cNvCxnSpPr>
+            <a:cxnSpLocks/>
+            <a:stCxn id="24" idx="3"/>
+            <a:endCxn id="22" idx="3"/>
+          </p:cNvCxnSpPr>
+          <p:nvPr/>
+        </p:nvCxnSpPr>
+        <p:spPr>
+          <a:xfrm flipH="1">
+            <a:off x="4266195" y="2432157"/>
+            <a:ext cx="2565498" cy="2530821"/>
+          </a:xfrm>
+          <a:prstGeom prst="bentConnector3">
+            <a:avLst>
+              <a:gd name="adj1" fmla="val -16708"/>
+            </a:avLst>
+          </a:prstGeom>
+          <a:ln w="19050">
+            <a:solidFill>
+              <a:schemeClr val="tx1"/>
+            </a:solidFill>
+            <a:tailEnd type="triangle"/>
+          </a:ln>
+        </p:spPr>
+        <p:style>
+          <a:lnRef idx="1">
+            <a:schemeClr val="accent1"/>
+          </a:lnRef>
+          <a:fillRef idx="0">
+            <a:schemeClr val="accent1"/>
+          </a:fillRef>
+          <a:effectRef idx="0">
+            <a:schemeClr val="accent1"/>
+          </a:effectRef>
+          <a:fontRef idx="minor">
+            <a:schemeClr val="tx1"/>
+          </a:fontRef>
+        </p:style>
+      </p:cxnSp>
+    </p:spTree>
+    <p:extLst>
+      <p:ext uri="{BB962C8B-B14F-4D97-AF65-F5344CB8AC3E}">
+        <p14:creationId xmlns:p14="http://schemas.microsoft.com/office/powerpoint/2010/main" val="2659356496"/>
+      </p:ext>
+    </p:extLst>
+  </p:cSld>
+  <p:clrMapOvr>
+    <a:masterClrMapping/>
+  </p:clrMapOvr>
+</p:sld>
+</file>
+
+<file path=ppt/slides/slide3.xml><?xml version="1.0" encoding="utf-8"?>
 <p:sld xmlns:a="http://schemas.openxmlformats.org/drawingml/2006/main" xmlns:r="http://schemas.openxmlformats.org/officeDocument/2006/relationships" xmlns:p="http://schemas.openxmlformats.org/presentationml/2006/main">
   <p:cSld>
     <p:spTree>
@@ -13761,7 +18853,7 @@
 </p:sld>
 </file>
 
-<file path=ppt/slides/slide3.xml><?xml version="1.0" encoding="utf-8"?>
+<file path=ppt/slides/slide4.xml><?xml version="1.0" encoding="utf-8"?>
 <p:sld xmlns:a="http://schemas.openxmlformats.org/drawingml/2006/main" xmlns:r="http://schemas.openxmlformats.org/officeDocument/2006/relationships" xmlns:p="http://schemas.openxmlformats.org/presentationml/2006/main">
   <p:cSld>
     <p:spTree>

--- a/reference/Architecture.pptx
+++ b/reference/Architecture.pptx
@@ -9,6 +9,7 @@
     <p:sldId id="260" r:id="rId3"/>
     <p:sldId id="259" r:id="rId4"/>
     <p:sldId id="258" r:id="rId5"/>
+    <p:sldId id="261" r:id="rId6"/>
   </p:sldIdLst>
   <p:sldSz cx="12192000" cy="6858000"/>
   <p:notesSz cx="6858000" cy="9144000"/>
@@ -264,7 +265,7 @@
           <a:p>
             <a:fld id="{D2ACDED6-48B6-47D4-80A3-A9D8663E013B}" type="datetimeFigureOut">
               <a:rPr lang="en-GB" smtClean="0"/>
-              <a:t>24/07/2019</a:t>
+              <a:t>25/07/2019</a:t>
             </a:fld>
             <a:endParaRPr lang="en-GB"/>
           </a:p>
@@ -464,7 +465,7 @@
           <a:p>
             <a:fld id="{D2ACDED6-48B6-47D4-80A3-A9D8663E013B}" type="datetimeFigureOut">
               <a:rPr lang="en-GB" smtClean="0"/>
-              <a:t>24/07/2019</a:t>
+              <a:t>25/07/2019</a:t>
             </a:fld>
             <a:endParaRPr lang="en-GB"/>
           </a:p>
@@ -674,7 +675,7 @@
           <a:p>
             <a:fld id="{D2ACDED6-48B6-47D4-80A3-A9D8663E013B}" type="datetimeFigureOut">
               <a:rPr lang="en-GB" smtClean="0"/>
-              <a:t>24/07/2019</a:t>
+              <a:t>25/07/2019</a:t>
             </a:fld>
             <a:endParaRPr lang="en-GB"/>
           </a:p>
@@ -874,7 +875,7 @@
           <a:p>
             <a:fld id="{D2ACDED6-48B6-47D4-80A3-A9D8663E013B}" type="datetimeFigureOut">
               <a:rPr lang="en-GB" smtClean="0"/>
-              <a:t>24/07/2019</a:t>
+              <a:t>25/07/2019</a:t>
             </a:fld>
             <a:endParaRPr lang="en-GB"/>
           </a:p>
@@ -1150,7 +1151,7 @@
           <a:p>
             <a:fld id="{D2ACDED6-48B6-47D4-80A3-A9D8663E013B}" type="datetimeFigureOut">
               <a:rPr lang="en-GB" smtClean="0"/>
-              <a:t>24/07/2019</a:t>
+              <a:t>25/07/2019</a:t>
             </a:fld>
             <a:endParaRPr lang="en-GB"/>
           </a:p>
@@ -1418,7 +1419,7 @@
           <a:p>
             <a:fld id="{D2ACDED6-48B6-47D4-80A3-A9D8663E013B}" type="datetimeFigureOut">
               <a:rPr lang="en-GB" smtClean="0"/>
-              <a:t>24/07/2019</a:t>
+              <a:t>25/07/2019</a:t>
             </a:fld>
             <a:endParaRPr lang="en-GB"/>
           </a:p>
@@ -1833,7 +1834,7 @@
           <a:p>
             <a:fld id="{D2ACDED6-48B6-47D4-80A3-A9D8663E013B}" type="datetimeFigureOut">
               <a:rPr lang="en-GB" smtClean="0"/>
-              <a:t>24/07/2019</a:t>
+              <a:t>25/07/2019</a:t>
             </a:fld>
             <a:endParaRPr lang="en-GB"/>
           </a:p>
@@ -1975,7 +1976,7 @@
           <a:p>
             <a:fld id="{D2ACDED6-48B6-47D4-80A3-A9D8663E013B}" type="datetimeFigureOut">
               <a:rPr lang="en-GB" smtClean="0"/>
-              <a:t>24/07/2019</a:t>
+              <a:t>25/07/2019</a:t>
             </a:fld>
             <a:endParaRPr lang="en-GB"/>
           </a:p>
@@ -2088,7 +2089,7 @@
           <a:p>
             <a:fld id="{D2ACDED6-48B6-47D4-80A3-A9D8663E013B}" type="datetimeFigureOut">
               <a:rPr lang="en-GB" smtClean="0"/>
-              <a:t>24/07/2019</a:t>
+              <a:t>25/07/2019</a:t>
             </a:fld>
             <a:endParaRPr lang="en-GB"/>
           </a:p>
@@ -2401,7 +2402,7 @@
           <a:p>
             <a:fld id="{D2ACDED6-48B6-47D4-80A3-A9D8663E013B}" type="datetimeFigureOut">
               <a:rPr lang="en-GB" smtClean="0"/>
-              <a:t>24/07/2019</a:t>
+              <a:t>25/07/2019</a:t>
             </a:fld>
             <a:endParaRPr lang="en-GB"/>
           </a:p>
@@ -2690,7 +2691,7 @@
           <a:p>
             <a:fld id="{D2ACDED6-48B6-47D4-80A3-A9D8663E013B}" type="datetimeFigureOut">
               <a:rPr lang="en-GB" smtClean="0"/>
-              <a:t>24/07/2019</a:t>
+              <a:t>25/07/2019</a:t>
             </a:fld>
             <a:endParaRPr lang="en-GB"/>
           </a:p>
@@ -2933,7 +2934,7 @@
           <a:p>
             <a:fld id="{D2ACDED6-48B6-47D4-80A3-A9D8663E013B}" type="datetimeFigureOut">
               <a:rPr lang="en-GB" smtClean="0"/>
-              <a:t>24/07/2019</a:t>
+              <a:t>25/07/2019</a:t>
             </a:fld>
             <a:endParaRPr lang="en-GB"/>
           </a:p>
@@ -23618,6 +23619,914 @@
 </p:sld>
 </file>
 
+<file path=ppt/slides/slide5.xml><?xml version="1.0" encoding="utf-8"?>
+<p:sld xmlns:a="http://schemas.openxmlformats.org/drawingml/2006/main" xmlns:r="http://schemas.openxmlformats.org/officeDocument/2006/relationships" xmlns:p="http://schemas.openxmlformats.org/presentationml/2006/main">
+  <p:cSld>
+    <p:spTree>
+      <p:nvGrpSpPr>
+        <p:cNvPr id="1" name=""/>
+        <p:cNvGrpSpPr/>
+        <p:nvPr/>
+      </p:nvGrpSpPr>
+      <p:grpSpPr>
+        <a:xfrm>
+          <a:off x="0" y="0"/>
+          <a:ext cx="0" cy="0"/>
+          <a:chOff x="0" y="0"/>
+          <a:chExt cx="0" cy="0"/>
+        </a:xfrm>
+      </p:grpSpPr>
+      <p:sp>
+        <p:nvSpPr>
+          <p:cNvPr id="66" name="TextBox 65">
+            <a:extLst>
+              <a:ext uri="{FF2B5EF4-FFF2-40B4-BE49-F238E27FC236}">
+                <a16:creationId xmlns:a16="http://schemas.microsoft.com/office/drawing/2014/main" id="{A02816B6-955E-4DB0-9D4D-DAF2EBCA1A56}"/>
+              </a:ext>
+            </a:extLst>
+          </p:cNvPr>
+          <p:cNvSpPr txBox="1"/>
+          <p:nvPr/>
+        </p:nvSpPr>
+        <p:spPr>
+          <a:xfrm>
+            <a:off x="1424391" y="542925"/>
+            <a:ext cx="4179349" cy="523220"/>
+          </a:xfrm>
+          <a:prstGeom prst="rect">
+            <a:avLst/>
+          </a:prstGeom>
+          <a:noFill/>
+        </p:spPr>
+        <p:txBody>
+          <a:bodyPr wrap="none" rtlCol="0">
+            <a:spAutoFit/>
+          </a:bodyPr>
+          <a:lstStyle/>
+          <a:p>
+            <a:r>
+              <a:rPr lang="en-GB" sz="2800" b="1" dirty="0"/>
+              <a:t>Prediction csv Architecture</a:t>
+            </a:r>
+          </a:p>
+        </p:txBody>
+      </p:sp>
+      <p:sp>
+        <p:nvSpPr>
+          <p:cNvPr id="67" name="TextBox 66">
+            <a:extLst>
+              <a:ext uri="{FF2B5EF4-FFF2-40B4-BE49-F238E27FC236}">
+                <a16:creationId xmlns:a16="http://schemas.microsoft.com/office/drawing/2014/main" id="{DCFA6DA2-4861-4169-A8C1-CC62D52C6C44}"/>
+              </a:ext>
+            </a:extLst>
+          </p:cNvPr>
+          <p:cNvSpPr txBox="1"/>
+          <p:nvPr/>
+        </p:nvSpPr>
+        <p:spPr>
+          <a:xfrm>
+            <a:off x="7814144" y="804535"/>
+            <a:ext cx="3988592" cy="1754326"/>
+          </a:xfrm>
+          <a:prstGeom prst="rect">
+            <a:avLst/>
+          </a:prstGeom>
+          <a:noFill/>
+        </p:spPr>
+        <p:txBody>
+          <a:bodyPr wrap="none" rtlCol="0">
+            <a:spAutoFit/>
+          </a:bodyPr>
+          <a:lstStyle/>
+          <a:p>
+            <a:pPr marL="285750" indent="-285750">
+              <a:buFont typeface="Arial" panose="020B0604020202020204" pitchFamily="34" charset="0"/>
+              <a:buChar char="•"/>
+            </a:pPr>
+            <a:r>
+              <a:rPr lang="en-GB" dirty="0"/>
+              <a:t>Could a ML model be built using both</a:t>
+            </a:r>
+            <a:br>
+              <a:rPr lang="en-GB" dirty="0"/>
+            </a:br>
+            <a:r>
+              <a:rPr lang="en-GB" dirty="0"/>
+              <a:t>predicted and historic datasets to</a:t>
+            </a:r>
+            <a:br>
+              <a:rPr lang="en-GB" dirty="0"/>
+            </a:br>
+            <a:r>
+              <a:rPr lang="en-GB" dirty="0"/>
+              <a:t>predict when </a:t>
+            </a:r>
+            <a:r>
+              <a:rPr lang="en-GB"/>
+              <a:t>is best to trade?</a:t>
+            </a:r>
+          </a:p>
+          <a:p>
+            <a:br>
+              <a:rPr lang="en-GB" dirty="0"/>
+            </a:br>
+            <a:endParaRPr lang="en-GB" dirty="0"/>
+          </a:p>
+          <a:p>
+            <a:pPr marL="285750" indent="-285750">
+              <a:buFont typeface="Arial" panose="020B0604020202020204" pitchFamily="34" charset="0"/>
+              <a:buChar char="•"/>
+            </a:pPr>
+            <a:endParaRPr lang="en-GB" dirty="0"/>
+          </a:p>
+        </p:txBody>
+      </p:sp>
+      <p:graphicFrame>
+        <p:nvGraphicFramePr>
+          <p:cNvPr id="2" name="Table 1">
+            <a:extLst>
+              <a:ext uri="{FF2B5EF4-FFF2-40B4-BE49-F238E27FC236}">
+                <a16:creationId xmlns:a16="http://schemas.microsoft.com/office/drawing/2014/main" id="{432A556B-B49E-4403-A12E-BD95310500EC}"/>
+              </a:ext>
+            </a:extLst>
+          </p:cNvPr>
+          <p:cNvGraphicFramePr>
+            <a:graphicFrameLocks noGrp="1"/>
+          </p:cNvGraphicFramePr>
+          <p:nvPr>
+            <p:extLst>
+              <p:ext uri="{D42A27DB-BD31-4B8C-83A1-F6EECF244321}">
+                <p14:modId xmlns:p14="http://schemas.microsoft.com/office/powerpoint/2010/main" val="1397665427"/>
+              </p:ext>
+            </p:extLst>
+          </p:nvPr>
+        </p:nvGraphicFramePr>
+        <p:xfrm>
+          <a:off x="1212848" y="2558861"/>
+          <a:ext cx="8539958" cy="2966720"/>
+        </p:xfrm>
+        <a:graphic>
+          <a:graphicData uri="http://schemas.openxmlformats.org/drawingml/2006/table">
+            <a:tbl>
+              <a:tblPr firstRow="1" bandRow="1">
+                <a:tableStyleId>{5C22544A-7EE6-4342-B048-85BDC9FD1C3A}</a:tableStyleId>
+              </a:tblPr>
+              <a:tblGrid>
+                <a:gridCol w="1219994">
+                  <a:extLst>
+                    <a:ext uri="{9D8B030D-6E8A-4147-A177-3AD203B41FA5}">
+                      <a16:colId xmlns:a16="http://schemas.microsoft.com/office/drawing/2014/main" val="3417459251"/>
+                    </a:ext>
+                  </a:extLst>
+                </a:gridCol>
+                <a:gridCol w="1219994">
+                  <a:extLst>
+                    <a:ext uri="{9D8B030D-6E8A-4147-A177-3AD203B41FA5}">
+                      <a16:colId xmlns:a16="http://schemas.microsoft.com/office/drawing/2014/main" val="135295380"/>
+                    </a:ext>
+                  </a:extLst>
+                </a:gridCol>
+                <a:gridCol w="1219994">
+                  <a:extLst>
+                    <a:ext uri="{9D8B030D-6E8A-4147-A177-3AD203B41FA5}">
+                      <a16:colId xmlns:a16="http://schemas.microsoft.com/office/drawing/2014/main" val="811032605"/>
+                    </a:ext>
+                  </a:extLst>
+                </a:gridCol>
+                <a:gridCol w="1219994">
+                  <a:extLst>
+                    <a:ext uri="{9D8B030D-6E8A-4147-A177-3AD203B41FA5}">
+                      <a16:colId xmlns:a16="http://schemas.microsoft.com/office/drawing/2014/main" val="2785398731"/>
+                    </a:ext>
+                  </a:extLst>
+                </a:gridCol>
+                <a:gridCol w="1219994">
+                  <a:extLst>
+                    <a:ext uri="{9D8B030D-6E8A-4147-A177-3AD203B41FA5}">
+                      <a16:colId xmlns:a16="http://schemas.microsoft.com/office/drawing/2014/main" val="4028199769"/>
+                    </a:ext>
+                  </a:extLst>
+                </a:gridCol>
+                <a:gridCol w="1219994">
+                  <a:extLst>
+                    <a:ext uri="{9D8B030D-6E8A-4147-A177-3AD203B41FA5}">
+                      <a16:colId xmlns:a16="http://schemas.microsoft.com/office/drawing/2014/main" val="1397359858"/>
+                    </a:ext>
+                  </a:extLst>
+                </a:gridCol>
+                <a:gridCol w="1219994">
+                  <a:extLst>
+                    <a:ext uri="{9D8B030D-6E8A-4147-A177-3AD203B41FA5}">
+                      <a16:colId xmlns:a16="http://schemas.microsoft.com/office/drawing/2014/main" val="2441401315"/>
+                    </a:ext>
+                  </a:extLst>
+                </a:gridCol>
+              </a:tblGrid>
+              <a:tr h="370840">
+                <a:tc>
+                  <a:txBody>
+                    <a:bodyPr/>
+                    <a:lstStyle/>
+                    <a:p>
+                      <a:r>
+                        <a:rPr lang="en-GB" dirty="0"/>
+                        <a:t>Date Time</a:t>
+                      </a:r>
+                    </a:p>
+                  </a:txBody>
+                  <a:tcPr/>
+                </a:tc>
+                <a:tc>
+                  <a:txBody>
+                    <a:bodyPr/>
+                    <a:lstStyle/>
+                    <a:p>
+                      <a:r>
+                        <a:rPr lang="en-GB" dirty="0"/>
+                        <a:t>P1</a:t>
+                      </a:r>
+                    </a:p>
+                  </a:txBody>
+                  <a:tcPr/>
+                </a:tc>
+                <a:tc>
+                  <a:txBody>
+                    <a:bodyPr/>
+                    <a:lstStyle/>
+                    <a:p>
+                      <a:r>
+                        <a:rPr lang="en-GB" dirty="0"/>
+                        <a:t>P2</a:t>
+                      </a:r>
+                    </a:p>
+                  </a:txBody>
+                  <a:tcPr/>
+                </a:tc>
+                <a:tc>
+                  <a:txBody>
+                    <a:bodyPr/>
+                    <a:lstStyle/>
+                    <a:p>
+                      <a:r>
+                        <a:rPr lang="en-GB" dirty="0"/>
+                        <a:t>…</a:t>
+                      </a:r>
+                    </a:p>
+                  </a:txBody>
+                  <a:tcPr/>
+                </a:tc>
+                <a:tc>
+                  <a:txBody>
+                    <a:bodyPr/>
+                    <a:lstStyle/>
+                    <a:p>
+                      <a:r>
+                        <a:rPr lang="en-GB" dirty="0"/>
+                        <a:t>P61</a:t>
+                      </a:r>
+                    </a:p>
+                  </a:txBody>
+                  <a:tcPr/>
+                </a:tc>
+                <a:tc>
+                  <a:txBody>
+                    <a:bodyPr/>
+                    <a:lstStyle/>
+                    <a:p>
+                      <a:r>
+                        <a:rPr lang="en-GB" dirty="0"/>
+                        <a:t>…</a:t>
+                      </a:r>
+                    </a:p>
+                  </a:txBody>
+                  <a:tcPr/>
+                </a:tc>
+                <a:tc>
+                  <a:txBody>
+                    <a:bodyPr/>
+                    <a:lstStyle/>
+                    <a:p>
+                      <a:r>
+                        <a:rPr lang="en-GB" dirty="0"/>
+                        <a:t>P600</a:t>
+                      </a:r>
+                    </a:p>
+                  </a:txBody>
+                  <a:tcPr/>
+                </a:tc>
+                <a:extLst>
+                  <a:ext uri="{0D108BD9-81ED-4DB2-BD59-A6C34878D82A}">
+                    <a16:rowId xmlns:a16="http://schemas.microsoft.com/office/drawing/2014/main" val="1340017388"/>
+                  </a:ext>
+                </a:extLst>
+              </a:tr>
+              <a:tr h="370840">
+                <a:tc>
+                  <a:txBody>
+                    <a:bodyPr/>
+                    <a:lstStyle/>
+                    <a:p>
+                      <a:r>
+                        <a:rPr lang="en-GB" dirty="0"/>
+                        <a:t>t1</a:t>
+                      </a:r>
+                    </a:p>
+                  </a:txBody>
+                  <a:tcPr/>
+                </a:tc>
+                <a:tc>
+                  <a:txBody>
+                    <a:bodyPr/>
+                    <a:lstStyle/>
+                    <a:p>
+                      <a:r>
+                        <a:rPr lang="en-GB" dirty="0"/>
+                        <a:t>x</a:t>
+                      </a:r>
+                    </a:p>
+                  </a:txBody>
+                  <a:tcPr/>
+                </a:tc>
+                <a:tc>
+                  <a:txBody>
+                    <a:bodyPr/>
+                    <a:lstStyle/>
+                    <a:p>
+                      <a:endParaRPr lang="en-GB" dirty="0"/>
+                    </a:p>
+                  </a:txBody>
+                  <a:tcPr/>
+                </a:tc>
+                <a:tc>
+                  <a:txBody>
+                    <a:bodyPr/>
+                    <a:lstStyle/>
+                    <a:p>
+                      <a:endParaRPr lang="en-GB"/>
+                    </a:p>
+                  </a:txBody>
+                  <a:tcPr/>
+                </a:tc>
+                <a:tc>
+                  <a:txBody>
+                    <a:bodyPr/>
+                    <a:lstStyle/>
+                    <a:p>
+                      <a:endParaRPr lang="en-GB"/>
+                    </a:p>
+                  </a:txBody>
+                  <a:tcPr/>
+                </a:tc>
+                <a:tc>
+                  <a:txBody>
+                    <a:bodyPr/>
+                    <a:lstStyle/>
+                    <a:p>
+                      <a:endParaRPr lang="en-GB"/>
+                    </a:p>
+                  </a:txBody>
+                  <a:tcPr/>
+                </a:tc>
+                <a:tc>
+                  <a:txBody>
+                    <a:bodyPr/>
+                    <a:lstStyle/>
+                    <a:p>
+                      <a:endParaRPr lang="en-GB"/>
+                    </a:p>
+                  </a:txBody>
+                  <a:tcPr/>
+                </a:tc>
+                <a:extLst>
+                  <a:ext uri="{0D108BD9-81ED-4DB2-BD59-A6C34878D82A}">
+                    <a16:rowId xmlns:a16="http://schemas.microsoft.com/office/drawing/2014/main" val="3245988348"/>
+                  </a:ext>
+                </a:extLst>
+              </a:tr>
+              <a:tr h="370840">
+                <a:tc>
+                  <a:txBody>
+                    <a:bodyPr/>
+                    <a:lstStyle/>
+                    <a:p>
+                      <a:r>
+                        <a:rPr lang="en-GB" dirty="0"/>
+                        <a:t>t2</a:t>
+                      </a:r>
+                    </a:p>
+                  </a:txBody>
+                  <a:tcPr/>
+                </a:tc>
+                <a:tc>
+                  <a:txBody>
+                    <a:bodyPr/>
+                    <a:lstStyle/>
+                    <a:p>
+                      <a:r>
+                        <a:rPr lang="en-GB" dirty="0"/>
+                        <a:t>X</a:t>
+                      </a:r>
+                    </a:p>
+                  </a:txBody>
+                  <a:tcPr/>
+                </a:tc>
+                <a:tc>
+                  <a:txBody>
+                    <a:bodyPr/>
+                    <a:lstStyle/>
+                    <a:p>
+                      <a:r>
+                        <a:rPr lang="en-GB" dirty="0"/>
+                        <a:t>X</a:t>
+                      </a:r>
+                    </a:p>
+                  </a:txBody>
+                  <a:tcPr/>
+                </a:tc>
+                <a:tc>
+                  <a:txBody>
+                    <a:bodyPr/>
+                    <a:lstStyle/>
+                    <a:p>
+                      <a:endParaRPr lang="en-GB" dirty="0"/>
+                    </a:p>
+                  </a:txBody>
+                  <a:tcPr/>
+                </a:tc>
+                <a:tc>
+                  <a:txBody>
+                    <a:bodyPr/>
+                    <a:lstStyle/>
+                    <a:p>
+                      <a:endParaRPr lang="en-GB"/>
+                    </a:p>
+                  </a:txBody>
+                  <a:tcPr/>
+                </a:tc>
+                <a:tc>
+                  <a:txBody>
+                    <a:bodyPr/>
+                    <a:lstStyle/>
+                    <a:p>
+                      <a:endParaRPr lang="en-GB"/>
+                    </a:p>
+                  </a:txBody>
+                  <a:tcPr/>
+                </a:tc>
+                <a:tc>
+                  <a:txBody>
+                    <a:bodyPr/>
+                    <a:lstStyle/>
+                    <a:p>
+                      <a:endParaRPr lang="en-GB"/>
+                    </a:p>
+                  </a:txBody>
+                  <a:tcPr/>
+                </a:tc>
+                <a:extLst>
+                  <a:ext uri="{0D108BD9-81ED-4DB2-BD59-A6C34878D82A}">
+                    <a16:rowId xmlns:a16="http://schemas.microsoft.com/office/drawing/2014/main" val="687384888"/>
+                  </a:ext>
+                </a:extLst>
+              </a:tr>
+              <a:tr h="370840">
+                <a:tc>
+                  <a:txBody>
+                    <a:bodyPr/>
+                    <a:lstStyle/>
+                    <a:p>
+                      <a:r>
+                        <a:rPr lang="en-GB" dirty="0"/>
+                        <a:t>t3</a:t>
+                      </a:r>
+                    </a:p>
+                  </a:txBody>
+                  <a:tcPr/>
+                </a:tc>
+                <a:tc>
+                  <a:txBody>
+                    <a:bodyPr/>
+                    <a:lstStyle/>
+                    <a:p>
+                      <a:r>
+                        <a:rPr lang="en-GB" dirty="0"/>
+                        <a:t>X</a:t>
+                      </a:r>
+                    </a:p>
+                  </a:txBody>
+                  <a:tcPr/>
+                </a:tc>
+                <a:tc>
+                  <a:txBody>
+                    <a:bodyPr/>
+                    <a:lstStyle/>
+                    <a:p>
+                      <a:r>
+                        <a:rPr lang="en-GB" dirty="0"/>
+                        <a:t>X</a:t>
+                      </a:r>
+                    </a:p>
+                  </a:txBody>
+                  <a:tcPr/>
+                </a:tc>
+                <a:tc>
+                  <a:txBody>
+                    <a:bodyPr/>
+                    <a:lstStyle/>
+                    <a:p>
+                      <a:endParaRPr lang="en-GB" dirty="0"/>
+                    </a:p>
+                  </a:txBody>
+                  <a:tcPr/>
+                </a:tc>
+                <a:tc>
+                  <a:txBody>
+                    <a:bodyPr/>
+                    <a:lstStyle/>
+                    <a:p>
+                      <a:endParaRPr lang="en-GB"/>
+                    </a:p>
+                  </a:txBody>
+                  <a:tcPr/>
+                </a:tc>
+                <a:tc>
+                  <a:txBody>
+                    <a:bodyPr/>
+                    <a:lstStyle/>
+                    <a:p>
+                      <a:endParaRPr lang="en-GB"/>
+                    </a:p>
+                  </a:txBody>
+                  <a:tcPr/>
+                </a:tc>
+                <a:tc>
+                  <a:txBody>
+                    <a:bodyPr/>
+                    <a:lstStyle/>
+                    <a:p>
+                      <a:endParaRPr lang="en-GB"/>
+                    </a:p>
+                  </a:txBody>
+                  <a:tcPr/>
+                </a:tc>
+                <a:extLst>
+                  <a:ext uri="{0D108BD9-81ED-4DB2-BD59-A6C34878D82A}">
+                    <a16:rowId xmlns:a16="http://schemas.microsoft.com/office/drawing/2014/main" val="3053230521"/>
+                  </a:ext>
+                </a:extLst>
+              </a:tr>
+              <a:tr h="370840">
+                <a:tc>
+                  <a:txBody>
+                    <a:bodyPr/>
+                    <a:lstStyle/>
+                    <a:p>
+                      <a:r>
+                        <a:rPr lang="en-GB" dirty="0"/>
+                        <a:t>t4</a:t>
+                      </a:r>
+                    </a:p>
+                  </a:txBody>
+                  <a:tcPr/>
+                </a:tc>
+                <a:tc>
+                  <a:txBody>
+                    <a:bodyPr/>
+                    <a:lstStyle/>
+                    <a:p>
+                      <a:r>
+                        <a:rPr lang="en-GB" dirty="0"/>
+                        <a:t>X</a:t>
+                      </a:r>
+                    </a:p>
+                  </a:txBody>
+                  <a:tcPr/>
+                </a:tc>
+                <a:tc>
+                  <a:txBody>
+                    <a:bodyPr/>
+                    <a:lstStyle/>
+                    <a:p>
+                      <a:r>
+                        <a:rPr lang="en-GB" dirty="0"/>
+                        <a:t>X</a:t>
+                      </a:r>
+                    </a:p>
+                  </a:txBody>
+                  <a:tcPr/>
+                </a:tc>
+                <a:tc>
+                  <a:txBody>
+                    <a:bodyPr/>
+                    <a:lstStyle/>
+                    <a:p>
+                      <a:endParaRPr lang="en-GB" dirty="0"/>
+                    </a:p>
+                  </a:txBody>
+                  <a:tcPr/>
+                </a:tc>
+                <a:tc>
+                  <a:txBody>
+                    <a:bodyPr/>
+                    <a:lstStyle/>
+                    <a:p>
+                      <a:endParaRPr lang="en-GB"/>
+                    </a:p>
+                  </a:txBody>
+                  <a:tcPr/>
+                </a:tc>
+                <a:tc>
+                  <a:txBody>
+                    <a:bodyPr/>
+                    <a:lstStyle/>
+                    <a:p>
+                      <a:endParaRPr lang="en-GB"/>
+                    </a:p>
+                  </a:txBody>
+                  <a:tcPr/>
+                </a:tc>
+                <a:tc>
+                  <a:txBody>
+                    <a:bodyPr/>
+                    <a:lstStyle/>
+                    <a:p>
+                      <a:endParaRPr lang="en-GB"/>
+                    </a:p>
+                  </a:txBody>
+                  <a:tcPr/>
+                </a:tc>
+                <a:extLst>
+                  <a:ext uri="{0D108BD9-81ED-4DB2-BD59-A6C34878D82A}">
+                    <a16:rowId xmlns:a16="http://schemas.microsoft.com/office/drawing/2014/main" val="3763279837"/>
+                  </a:ext>
+                </a:extLst>
+              </a:tr>
+              <a:tr h="370840">
+                <a:tc>
+                  <a:txBody>
+                    <a:bodyPr/>
+                    <a:lstStyle/>
+                    <a:p>
+                      <a:r>
+                        <a:rPr lang="en-GB" dirty="0"/>
+                        <a:t>t5</a:t>
+                      </a:r>
+                    </a:p>
+                  </a:txBody>
+                  <a:tcPr/>
+                </a:tc>
+                <a:tc>
+                  <a:txBody>
+                    <a:bodyPr/>
+                    <a:lstStyle/>
+                    <a:p>
+                      <a:r>
+                        <a:rPr lang="en-GB" dirty="0"/>
+                        <a:t>X</a:t>
+                      </a:r>
+                    </a:p>
+                  </a:txBody>
+                  <a:tcPr/>
+                </a:tc>
+                <a:tc>
+                  <a:txBody>
+                    <a:bodyPr/>
+                    <a:lstStyle/>
+                    <a:p>
+                      <a:r>
+                        <a:rPr lang="en-GB" dirty="0"/>
+                        <a:t>X</a:t>
+                      </a:r>
+                    </a:p>
+                  </a:txBody>
+                  <a:tcPr/>
+                </a:tc>
+                <a:tc>
+                  <a:txBody>
+                    <a:bodyPr/>
+                    <a:lstStyle/>
+                    <a:p>
+                      <a:endParaRPr lang="en-GB"/>
+                    </a:p>
+                  </a:txBody>
+                  <a:tcPr/>
+                </a:tc>
+                <a:tc>
+                  <a:txBody>
+                    <a:bodyPr/>
+                    <a:lstStyle/>
+                    <a:p>
+                      <a:endParaRPr lang="en-GB"/>
+                    </a:p>
+                  </a:txBody>
+                  <a:tcPr/>
+                </a:tc>
+                <a:tc>
+                  <a:txBody>
+                    <a:bodyPr/>
+                    <a:lstStyle/>
+                    <a:p>
+                      <a:endParaRPr lang="en-GB"/>
+                    </a:p>
+                  </a:txBody>
+                  <a:tcPr/>
+                </a:tc>
+                <a:tc>
+                  <a:txBody>
+                    <a:bodyPr/>
+                    <a:lstStyle/>
+                    <a:p>
+                      <a:endParaRPr lang="en-GB"/>
+                    </a:p>
+                  </a:txBody>
+                  <a:tcPr/>
+                </a:tc>
+                <a:extLst>
+                  <a:ext uri="{0D108BD9-81ED-4DB2-BD59-A6C34878D82A}">
+                    <a16:rowId xmlns:a16="http://schemas.microsoft.com/office/drawing/2014/main" val="748132033"/>
+                  </a:ext>
+                </a:extLst>
+              </a:tr>
+              <a:tr h="370840">
+                <a:tc>
+                  <a:txBody>
+                    <a:bodyPr/>
+                    <a:lstStyle/>
+                    <a:p>
+                      <a:r>
+                        <a:rPr lang="en-GB" dirty="0"/>
+                        <a:t>t6</a:t>
+                      </a:r>
+                    </a:p>
+                  </a:txBody>
+                  <a:tcPr/>
+                </a:tc>
+                <a:tc>
+                  <a:txBody>
+                    <a:bodyPr/>
+                    <a:lstStyle/>
+                    <a:p>
+                      <a:endParaRPr lang="en-GB"/>
+                    </a:p>
+                  </a:txBody>
+                  <a:tcPr/>
+                </a:tc>
+                <a:tc>
+                  <a:txBody>
+                    <a:bodyPr/>
+                    <a:lstStyle/>
+                    <a:p>
+                      <a:r>
+                        <a:rPr lang="en-GB" dirty="0"/>
+                        <a:t>X</a:t>
+                      </a:r>
+                    </a:p>
+                  </a:txBody>
+                  <a:tcPr/>
+                </a:tc>
+                <a:tc>
+                  <a:txBody>
+                    <a:bodyPr/>
+                    <a:lstStyle/>
+                    <a:p>
+                      <a:endParaRPr lang="en-GB"/>
+                    </a:p>
+                  </a:txBody>
+                  <a:tcPr/>
+                </a:tc>
+                <a:tc>
+                  <a:txBody>
+                    <a:bodyPr/>
+                    <a:lstStyle/>
+                    <a:p>
+                      <a:endParaRPr lang="en-GB"/>
+                    </a:p>
+                  </a:txBody>
+                  <a:tcPr/>
+                </a:tc>
+                <a:tc>
+                  <a:txBody>
+                    <a:bodyPr/>
+                    <a:lstStyle/>
+                    <a:p>
+                      <a:endParaRPr lang="en-GB"/>
+                    </a:p>
+                  </a:txBody>
+                  <a:tcPr/>
+                </a:tc>
+                <a:tc>
+                  <a:txBody>
+                    <a:bodyPr/>
+                    <a:lstStyle/>
+                    <a:p>
+                      <a:endParaRPr lang="en-GB"/>
+                    </a:p>
+                  </a:txBody>
+                  <a:tcPr/>
+                </a:tc>
+                <a:extLst>
+                  <a:ext uri="{0D108BD9-81ED-4DB2-BD59-A6C34878D82A}">
+                    <a16:rowId xmlns:a16="http://schemas.microsoft.com/office/drawing/2014/main" val="4102238909"/>
+                  </a:ext>
+                </a:extLst>
+              </a:tr>
+              <a:tr h="370840">
+                <a:tc>
+                  <a:txBody>
+                    <a:bodyPr/>
+                    <a:lstStyle/>
+                    <a:p>
+                      <a:r>
+                        <a:rPr lang="en-GB" dirty="0"/>
+                        <a:t>t7</a:t>
+                      </a:r>
+                    </a:p>
+                  </a:txBody>
+                  <a:tcPr/>
+                </a:tc>
+                <a:tc>
+                  <a:txBody>
+                    <a:bodyPr/>
+                    <a:lstStyle/>
+                    <a:p>
+                      <a:endParaRPr lang="en-GB"/>
+                    </a:p>
+                  </a:txBody>
+                  <a:tcPr/>
+                </a:tc>
+                <a:tc>
+                  <a:txBody>
+                    <a:bodyPr/>
+                    <a:lstStyle/>
+                    <a:p>
+                      <a:endParaRPr lang="en-GB" dirty="0"/>
+                    </a:p>
+                  </a:txBody>
+                  <a:tcPr/>
+                </a:tc>
+                <a:tc>
+                  <a:txBody>
+                    <a:bodyPr/>
+                    <a:lstStyle/>
+                    <a:p>
+                      <a:endParaRPr lang="en-GB"/>
+                    </a:p>
+                  </a:txBody>
+                  <a:tcPr/>
+                </a:tc>
+                <a:tc>
+                  <a:txBody>
+                    <a:bodyPr/>
+                    <a:lstStyle/>
+                    <a:p>
+                      <a:endParaRPr lang="en-GB"/>
+                    </a:p>
+                  </a:txBody>
+                  <a:tcPr/>
+                </a:tc>
+                <a:tc>
+                  <a:txBody>
+                    <a:bodyPr/>
+                    <a:lstStyle/>
+                    <a:p>
+                      <a:endParaRPr lang="en-GB"/>
+                    </a:p>
+                  </a:txBody>
+                  <a:tcPr/>
+                </a:tc>
+                <a:tc>
+                  <a:txBody>
+                    <a:bodyPr/>
+                    <a:lstStyle/>
+                    <a:p>
+                      <a:endParaRPr lang="en-GB" dirty="0"/>
+                    </a:p>
+                  </a:txBody>
+                  <a:tcPr/>
+                </a:tc>
+                <a:extLst>
+                  <a:ext uri="{0D108BD9-81ED-4DB2-BD59-A6C34878D82A}">
+                    <a16:rowId xmlns:a16="http://schemas.microsoft.com/office/drawing/2014/main" val="3335168155"/>
+                  </a:ext>
+                </a:extLst>
+              </a:tr>
+            </a:tbl>
+          </a:graphicData>
+        </a:graphic>
+      </p:graphicFrame>
+    </p:spTree>
+    <p:extLst>
+      <p:ext uri="{BB962C8B-B14F-4D97-AF65-F5344CB8AC3E}">
+        <p14:creationId xmlns:p14="http://schemas.microsoft.com/office/powerpoint/2010/main" val="2842791049"/>
+      </p:ext>
+    </p:extLst>
+  </p:cSld>
+  <p:clrMapOvr>
+    <a:masterClrMapping/>
+  </p:clrMapOvr>
+</p:sld>
+</file>
+
 <file path=ppt/theme/theme1.xml><?xml version="1.0" encoding="utf-8"?>
 <a:theme xmlns:a="http://schemas.openxmlformats.org/drawingml/2006/main" name="Office Theme">
   <a:themeElements>
